--- a/docs/songs_2022-11-27.pptx
+++ b/docs/songs_2022-11-27.pptx
@@ -5,65 +5,53 @@
     <p:sldMasterId id="2147483648" r:id="rId1"/>
   </p:sldMasterIdLst>
   <p:notesMasterIdLst>
-    <p:notesMasterId r:id="rId58"/>
+    <p:notesMasterId r:id="rId46"/>
   </p:notesMasterIdLst>
   <p:sldIdLst>
     <p:sldId id="459" r:id="rId2"/>
-    <p:sldId id="736" r:id="rId3"/>
-    <p:sldId id="518" r:id="rId4"/>
-    <p:sldId id="520" r:id="rId5"/>
-    <p:sldId id="521" r:id="rId6"/>
-    <p:sldId id="522" r:id="rId7"/>
-    <p:sldId id="523" r:id="rId8"/>
+    <p:sldId id="518" r:id="rId3"/>
+    <p:sldId id="520" r:id="rId4"/>
+    <p:sldId id="521" r:id="rId5"/>
+    <p:sldId id="522" r:id="rId6"/>
+    <p:sldId id="523" r:id="rId7"/>
+    <p:sldId id="752" r:id="rId8"/>
     <p:sldId id="524" r:id="rId9"/>
     <p:sldId id="525" r:id="rId10"/>
-    <p:sldId id="453" r:id="rId11"/>
-    <p:sldId id="607" r:id="rId12"/>
-    <p:sldId id="662" r:id="rId13"/>
-    <p:sldId id="627" r:id="rId14"/>
-    <p:sldId id="653" r:id="rId15"/>
-    <p:sldId id="655" r:id="rId16"/>
-    <p:sldId id="654" r:id="rId17"/>
-    <p:sldId id="446" r:id="rId18"/>
-    <p:sldId id="338" r:id="rId19"/>
-    <p:sldId id="339" r:id="rId20"/>
-    <p:sldId id="351" r:id="rId21"/>
-    <p:sldId id="392" r:id="rId22"/>
-    <p:sldId id="393" r:id="rId23"/>
-    <p:sldId id="394" r:id="rId24"/>
-    <p:sldId id="382" r:id="rId25"/>
-    <p:sldId id="383" r:id="rId26"/>
-    <p:sldId id="385" r:id="rId27"/>
-    <p:sldId id="395" r:id="rId28"/>
-    <p:sldId id="396" r:id="rId29"/>
-    <p:sldId id="397" r:id="rId30"/>
-    <p:sldId id="398" r:id="rId31"/>
-    <p:sldId id="399" r:id="rId32"/>
-    <p:sldId id="742" r:id="rId33"/>
-    <p:sldId id="743" r:id="rId34"/>
-    <p:sldId id="744" r:id="rId35"/>
-    <p:sldId id="745" r:id="rId36"/>
-    <p:sldId id="746" r:id="rId37"/>
-    <p:sldId id="747" r:id="rId38"/>
-    <p:sldId id="608" r:id="rId39"/>
-    <p:sldId id="719" r:id="rId40"/>
-    <p:sldId id="720" r:id="rId41"/>
-    <p:sldId id="721" r:id="rId42"/>
-    <p:sldId id="722" r:id="rId43"/>
-    <p:sldId id="724" r:id="rId44"/>
-    <p:sldId id="723" r:id="rId45"/>
-    <p:sldId id="675" r:id="rId46"/>
-    <p:sldId id="581" r:id="rId47"/>
-    <p:sldId id="650" r:id="rId48"/>
-    <p:sldId id="582" r:id="rId49"/>
-    <p:sldId id="501" r:id="rId50"/>
-    <p:sldId id="748" r:id="rId51"/>
-    <p:sldId id="749" r:id="rId52"/>
-    <p:sldId id="750" r:id="rId53"/>
-    <p:sldId id="751" r:id="rId54"/>
-    <p:sldId id="605" r:id="rId55"/>
-    <p:sldId id="540" r:id="rId56"/>
-    <p:sldId id="741" r:id="rId57"/>
+    <p:sldId id="446" r:id="rId11"/>
+    <p:sldId id="338" r:id="rId12"/>
+    <p:sldId id="339" r:id="rId13"/>
+    <p:sldId id="351" r:id="rId14"/>
+    <p:sldId id="392" r:id="rId15"/>
+    <p:sldId id="393" r:id="rId16"/>
+    <p:sldId id="394" r:id="rId17"/>
+    <p:sldId id="382" r:id="rId18"/>
+    <p:sldId id="383" r:id="rId19"/>
+    <p:sldId id="385" r:id="rId20"/>
+    <p:sldId id="395" r:id="rId21"/>
+    <p:sldId id="396" r:id="rId22"/>
+    <p:sldId id="397" r:id="rId23"/>
+    <p:sldId id="398" r:id="rId24"/>
+    <p:sldId id="399" r:id="rId25"/>
+    <p:sldId id="736" r:id="rId26"/>
+    <p:sldId id="608" r:id="rId27"/>
+    <p:sldId id="719" r:id="rId28"/>
+    <p:sldId id="720" r:id="rId29"/>
+    <p:sldId id="721" r:id="rId30"/>
+    <p:sldId id="722" r:id="rId31"/>
+    <p:sldId id="724" r:id="rId32"/>
+    <p:sldId id="723" r:id="rId33"/>
+    <p:sldId id="675" r:id="rId34"/>
+    <p:sldId id="581" r:id="rId35"/>
+    <p:sldId id="650" r:id="rId36"/>
+    <p:sldId id="582" r:id="rId37"/>
+    <p:sldId id="501" r:id="rId38"/>
+    <p:sldId id="748" r:id="rId39"/>
+    <p:sldId id="749" r:id="rId40"/>
+    <p:sldId id="750" r:id="rId41"/>
+    <p:sldId id="751" r:id="rId42"/>
+    <p:sldId id="605" r:id="rId43"/>
+    <p:sldId id="540" r:id="rId44"/>
+    <p:sldId id="741" r:id="rId45"/>
   </p:sldIdLst>
   <p:sldSz cx="9144000" cy="6858000" type="screen4x3"/>
   <p:notesSz cx="6858000" cy="9144000"/>
@@ -3583,7 +3571,7 @@
                   <a:schemeClr val="bg1"/>
                 </a:solidFill>
               </a:rPr>
-              <a:t>20-11-2022</a:t>
+              <a:t>27-11-2022</a:t>
             </a:r>
             <a:endParaRPr lang="en-GB" dirty="0">
               <a:solidFill>
@@ -3653,31 +3641,105 @@
           </a:p>
           <a:p>
             <a:r>
-              <a:rPr lang="en-GB" sz="6600" b="0" i="0" dirty="0">
-                <a:solidFill>
-                  <a:srgbClr val="00A3E0"/>
-                </a:solidFill>
-                <a:effectLst/>
-                <a:latin typeface="akagi_probook"/>
-              </a:rPr>
-              <a:t>Believe For It</a:t>
-            </a:r>
-          </a:p>
-          <a:p>
-            <a:br>
-              <a:rPr lang="en-GB" sz="1200" dirty="0">
-                <a:solidFill>
-                  <a:schemeClr val="bg1"/>
-                </a:solidFill>
-              </a:rPr>
-            </a:br>
-            <a:r>
-              <a:rPr lang="en-GB" sz="1200" dirty="0">
-                <a:solidFill>
-                  <a:schemeClr val="bg1"/>
-                </a:solidFill>
-              </a:rPr>
-              <a:t>CCLI Song # 7169164</a:t>
+              <a:rPr lang="en-GB" sz="9600" dirty="0"/>
+              <a:t>The Lion And The Lamb</a:t>
+            </a:r>
+          </a:p>
+          <a:p>
+            <a:r>
+              <a:rPr lang="en-GB" sz="1200" dirty="0"/>
+              <a:t>CCLI Song # 7038281</a:t>
+            </a:r>
+          </a:p>
+          <a:p>
+            <a:r>
+              <a:rPr lang="en-GB" sz="1200" dirty="0" err="1"/>
+              <a:t>Brenton</a:t>
+            </a:r>
+            <a:r>
+              <a:rPr lang="en-GB" sz="1200" dirty="0"/>
+              <a:t> Brown | Brian Johnson | </a:t>
+            </a:r>
+            <a:r>
+              <a:rPr lang="en-GB" sz="1200" dirty="0" err="1"/>
+              <a:t>Leeland</a:t>
+            </a:r>
+            <a:r>
+              <a:rPr lang="en-GB" sz="1200" dirty="0"/>
+              <a:t> Mooring</a:t>
+            </a:r>
+          </a:p>
+          <a:p>
+            <a:r>
+              <a:rPr lang="en-GB" sz="1200" dirty="0"/>
+              <a:t>© 2015 </a:t>
+            </a:r>
+            <a:r>
+              <a:rPr lang="en-GB" sz="1200" dirty="0" err="1"/>
+              <a:t>Meaux</a:t>
+            </a:r>
+            <a:r>
+              <a:rPr lang="en-GB" sz="1200" dirty="0"/>
+              <a:t> Mercy (Admin. by Capitol CMG Publishing)</a:t>
+            </a:r>
+          </a:p>
+          <a:p>
+            <a:r>
+              <a:rPr lang="en-GB" sz="1200" dirty="0"/>
+              <a:t>The Devil Is A Liar! Publishing (Admin. by Capitol CMG Publishing)</a:t>
+            </a:r>
+          </a:p>
+          <a:p>
+            <a:r>
+              <a:rPr lang="en-GB" sz="1200" dirty="0" err="1"/>
+              <a:t>Thankyou</a:t>
+            </a:r>
+            <a:r>
+              <a:rPr lang="en-GB" sz="1200" dirty="0"/>
+              <a:t> Music (Admin. by Integrity Music)</a:t>
+            </a:r>
+          </a:p>
+          <a:p>
+            <a:r>
+              <a:rPr lang="en-GB" sz="1200" dirty="0"/>
+              <a:t>Bethel Music Publishing (Admin. by Song Solutions)</a:t>
+            </a:r>
+          </a:p>
+          <a:p>
+            <a:r>
+              <a:rPr lang="en-GB" sz="1200" i="1" dirty="0"/>
+              <a:t>For use solely with the </a:t>
+            </a:r>
+            <a:r>
+              <a:rPr lang="en-GB" sz="1200" i="1" dirty="0" err="1"/>
+              <a:t>SongSelect</a:t>
+            </a:r>
+            <a:r>
+              <a:rPr lang="en-GB" sz="1200" i="1" dirty="0"/>
+              <a:t>® </a:t>
+            </a:r>
+            <a:r>
+              <a:rPr lang="en-GB" sz="1200" i="1" dirty="0">
+                <a:hlinkClick r:id="rId2"/>
+              </a:rPr>
+              <a:t>Terms of Use</a:t>
+            </a:r>
+            <a:r>
+              <a:rPr lang="en-GB" sz="1200" i="1" dirty="0"/>
+              <a:t>. All rights reserved. </a:t>
+            </a:r>
+            <a:r>
+              <a:rPr lang="en-GB" sz="1200" i="1" dirty="0">
+                <a:hlinkClick r:id="rId3"/>
+              </a:rPr>
+              <a:t>www.ccli.com</a:t>
+            </a:r>
+            <a:endParaRPr lang="en-GB" sz="1200" i="1" dirty="0"/>
+          </a:p>
+          <a:p>
+            <a:r>
+              <a:rPr lang="en-GB" sz="1200" dirty="0"/>
+              <a:t>CCLI Licence No. 33265</a:t>
             </a:r>
           </a:p>
           <a:p>
@@ -3687,164 +3749,12 @@
               </a:solidFill>
             </a:endParaRPr>
           </a:p>
-          <a:p>
-            <a:r>
-              <a:rPr lang="en-GB" sz="1200" dirty="0">
-                <a:solidFill>
-                  <a:schemeClr val="bg1"/>
-                </a:solidFill>
-              </a:rPr>
-              <a:t>CeCe </a:t>
-            </a:r>
-            <a:r>
-              <a:rPr lang="en-GB" sz="1200" dirty="0" err="1">
-                <a:solidFill>
-                  <a:schemeClr val="bg1"/>
-                </a:solidFill>
-              </a:rPr>
-              <a:t>Winans</a:t>
-            </a:r>
-            <a:r>
-              <a:rPr lang="en-GB" sz="1200" dirty="0">
-                <a:solidFill>
-                  <a:schemeClr val="bg1"/>
-                </a:solidFill>
-              </a:rPr>
-              <a:t> | Dwan Hill | Kyle Lee | Mitch Wong</a:t>
-            </a:r>
-          </a:p>
-          <a:p>
-            <a:endParaRPr lang="en-GB" sz="1200" dirty="0">
-              <a:solidFill>
-                <a:schemeClr val="bg1"/>
-              </a:solidFill>
-            </a:endParaRPr>
-          </a:p>
-          <a:p>
-            <a:r>
-              <a:rPr lang="en-GB" sz="1200" dirty="0">
-                <a:solidFill>
-                  <a:schemeClr val="bg1"/>
-                </a:solidFill>
-              </a:rPr>
-              <a:t>© 2021 Fair Trade Tunes (Admin. by / Small Stone Media BV, Holland (Admin. in the UK/Eire by Song Solutions www.songsolutions.org))</a:t>
-            </a:r>
-          </a:p>
-          <a:p>
-            <a:r>
-              <a:rPr lang="en-GB" sz="1200" dirty="0">
-                <a:solidFill>
-                  <a:schemeClr val="bg1"/>
-                </a:solidFill>
-              </a:rPr>
-              <a:t>From The Void (Admin. by / Small Stone Media BV, Holland (Admin. in the UK/Eire by Song Solutions www.songsolutions.org))</a:t>
-            </a:r>
-          </a:p>
-          <a:p>
-            <a:r>
-              <a:rPr lang="en-GB" sz="1200" dirty="0">
-                <a:solidFill>
-                  <a:schemeClr val="bg1"/>
-                </a:solidFill>
-              </a:rPr>
-              <a:t>A Wong Made Write Publishing (Admin. by Integrity Music Ltd)</a:t>
-            </a:r>
-          </a:p>
-          <a:p>
-            <a:r>
-              <a:rPr lang="en-GB" sz="1200" dirty="0">
-                <a:solidFill>
-                  <a:schemeClr val="bg1"/>
-                </a:solidFill>
-              </a:rPr>
-              <a:t>Integrity's Praise! Music (Admin. by Integrity Music Ltd)</a:t>
-            </a:r>
-          </a:p>
-          <a:p>
-            <a:r>
-              <a:rPr lang="en-GB" sz="1200" dirty="0">
-                <a:solidFill>
-                  <a:schemeClr val="bg1"/>
-                </a:solidFill>
-              </a:rPr>
-              <a:t>Big Buddy Music (Admin. by Song Solutions www.songsolutions.org)</a:t>
-            </a:r>
-          </a:p>
-          <a:p>
-            <a:r>
-              <a:rPr lang="en-GB" sz="1200" dirty="0">
-                <a:solidFill>
-                  <a:schemeClr val="bg1"/>
-                </a:solidFill>
-              </a:rPr>
-              <a:t>Little </a:t>
-            </a:r>
-            <a:r>
-              <a:rPr lang="en-GB" sz="1200" dirty="0" err="1">
-                <a:solidFill>
-                  <a:schemeClr val="bg1"/>
-                </a:solidFill>
-              </a:rPr>
-              <a:t>Pooky's</a:t>
-            </a:r>
-            <a:r>
-              <a:rPr lang="en-GB" sz="1200" dirty="0">
-                <a:solidFill>
-                  <a:schemeClr val="bg1"/>
-                </a:solidFill>
-              </a:rPr>
-              <a:t> Music (Admin. by Song Solutions www.songsolutions.org)</a:t>
-            </a:r>
-          </a:p>
-          <a:p>
-            <a:r>
-              <a:rPr lang="en-GB" sz="1200" dirty="0">
-                <a:solidFill>
-                  <a:schemeClr val="bg1"/>
-                </a:solidFill>
-              </a:rPr>
-              <a:t>For use solely with the </a:t>
-            </a:r>
-            <a:r>
-              <a:rPr lang="en-GB" sz="1200" dirty="0" err="1">
-                <a:solidFill>
-                  <a:schemeClr val="bg1"/>
-                </a:solidFill>
-              </a:rPr>
-              <a:t>SongSelect</a:t>
-            </a:r>
-            <a:r>
-              <a:rPr lang="en-GB" sz="1200" dirty="0">
-                <a:solidFill>
-                  <a:schemeClr val="bg1"/>
-                </a:solidFill>
-              </a:rPr>
-              <a:t>® Terms of Use. All rights reserved. www.ccli.com</a:t>
-            </a:r>
-          </a:p>
-          <a:p>
-            <a:endParaRPr lang="en-GB" sz="1200" dirty="0">
-              <a:solidFill>
-                <a:schemeClr val="bg1"/>
-              </a:solidFill>
-            </a:endParaRPr>
-          </a:p>
-          <a:p>
-            <a:r>
-              <a:rPr lang="en-GB" sz="1200" dirty="0">
-                <a:solidFill>
-                  <a:schemeClr val="bg1"/>
-                </a:solidFill>
-              </a:rPr>
-              <a:t>CCLI Licence No. 33265</a:t>
-            </a:r>
-          </a:p>
         </p:txBody>
       </p:sp>
     </p:spTree>
     <p:extLst>
       <p:ext uri="{BB962C8B-B14F-4D97-AF65-F5344CB8AC3E}">
-        <p14:creationId xmlns:p14="http://schemas.microsoft.com/office/powerpoint/2010/main" val="1395182143"/>
+        <p14:creationId xmlns:p14="http://schemas.microsoft.com/office/powerpoint/2010/main" val="2146180991"/>
       </p:ext>
     </p:extLst>
   </p:cSld>
@@ -3894,43 +3804,78 @@
           <a:lstStyle/>
           <a:p>
             <a:r>
-              <a:rPr lang="en-GB" sz="4000" dirty="0">
-                <a:solidFill>
-                  <a:schemeClr val="bg1"/>
-                </a:solidFill>
-              </a:rPr>
-              <a:t>They say this mountain can't be moved</a:t>
-            </a:r>
-          </a:p>
-          <a:p>
-            <a:r>
-              <a:rPr lang="en-GB" sz="4000" dirty="0">
-                <a:solidFill>
-                  <a:schemeClr val="bg1"/>
-                </a:solidFill>
-              </a:rPr>
-              <a:t>They say these chains will never break</a:t>
-            </a:r>
-          </a:p>
-          <a:p>
-            <a:r>
-              <a:rPr lang="en-GB" sz="4000" dirty="0">
-                <a:solidFill>
-                  <a:schemeClr val="bg1"/>
-                </a:solidFill>
-              </a:rPr>
-              <a:t>But they don't know You like we do</a:t>
-            </a:r>
-          </a:p>
-          <a:p>
-            <a:r>
-              <a:rPr lang="en-GB" sz="4000" dirty="0">
-                <a:solidFill>
-                  <a:schemeClr val="bg1"/>
-                </a:solidFill>
-              </a:rPr>
-              <a:t>There is power in Your name</a:t>
-            </a:r>
+              <a:rPr lang="en-GB" sz="5400" dirty="0">
+                <a:solidFill>
+                  <a:schemeClr val="bg1"/>
+                </a:solidFill>
+              </a:rPr>
+              <a:t>He's coming on the clouds</a:t>
+            </a:r>
+            <a:br>
+              <a:rPr lang="en-GB" sz="5400" dirty="0">
+                <a:solidFill>
+                  <a:schemeClr val="bg1"/>
+                </a:solidFill>
+              </a:rPr>
+            </a:br>
+            <a:r>
+              <a:rPr lang="en-GB" sz="5400" dirty="0">
+                <a:solidFill>
+                  <a:schemeClr val="bg1"/>
+                </a:solidFill>
+              </a:rPr>
+              <a:t>Kings and kingdoms will bow down</a:t>
+            </a:r>
+            <a:br>
+              <a:rPr lang="en-GB" sz="5400" dirty="0">
+                <a:solidFill>
+                  <a:schemeClr val="bg1"/>
+                </a:solidFill>
+              </a:rPr>
+            </a:br>
+            <a:r>
+              <a:rPr lang="en-GB" sz="5400" dirty="0">
+                <a:solidFill>
+                  <a:schemeClr val="bg1"/>
+                </a:solidFill>
+              </a:rPr>
+              <a:t>And every chain will break</a:t>
+            </a:r>
+            <a:br>
+              <a:rPr lang="en-GB" sz="5400" dirty="0">
+                <a:solidFill>
+                  <a:schemeClr val="bg1"/>
+                </a:solidFill>
+              </a:rPr>
+            </a:br>
+            <a:r>
+              <a:rPr lang="en-GB" sz="5400" dirty="0">
+                <a:solidFill>
+                  <a:schemeClr val="bg1"/>
+                </a:solidFill>
+              </a:rPr>
+              <a:t>As broken hearts declare His praise</a:t>
+            </a:r>
+            <a:br>
+              <a:rPr lang="en-GB" sz="5400" dirty="0">
+                <a:solidFill>
+                  <a:schemeClr val="bg1"/>
+                </a:solidFill>
+              </a:rPr>
+            </a:br>
+            <a:r>
+              <a:rPr lang="en-GB" sz="5400" dirty="0">
+                <a:solidFill>
+                  <a:schemeClr val="bg1"/>
+                </a:solidFill>
+              </a:rPr>
+              <a:t>For who can stop the Lord Almighty</a:t>
+            </a:r>
+            <a:endParaRPr lang="en-GB" sz="5000" dirty="0">
+              <a:solidFill>
+                <a:schemeClr val="bg1"/>
+              </a:solidFill>
+            </a:endParaRPr>
           </a:p>
         </p:txBody>
       </p:sp>
@@ -3968,11 +3913,6 @@
         </p:txBody>
       </p:sp>
     </p:spTree>
-    <p:extLst>
-      <p:ext uri="{BB962C8B-B14F-4D97-AF65-F5344CB8AC3E}">
-        <p14:creationId xmlns:p14="http://schemas.microsoft.com/office/powerpoint/2010/main" val="2456533184"/>
-      </p:ext>
-    </p:extLst>
   </p:cSld>
   <p:clrMapOvr>
     <a:masterClrMapping/>
@@ -4009,7 +3949,7 @@
         </p:nvSpPr>
         <p:spPr>
           <a:xfrm>
-            <a:off x="323528" y="188640"/>
+            <a:off x="323528" y="0"/>
             <a:ext cx="8640960" cy="6480720"/>
           </a:xfrm>
         </p:spPr>
@@ -4020,52 +3960,139 @@
           <a:lstStyle/>
           <a:p>
             <a:r>
-              <a:rPr lang="en-GB" sz="4000" dirty="0">
-                <a:solidFill>
-                  <a:schemeClr val="bg1"/>
-                </a:solidFill>
-              </a:rPr>
-              <a:t>We've heard that there is no way through</a:t>
-            </a:r>
-          </a:p>
-          <a:p>
-            <a:r>
-              <a:rPr lang="en-GB" sz="4000" dirty="0">
-                <a:solidFill>
-                  <a:schemeClr val="bg1"/>
-                </a:solidFill>
-              </a:rPr>
-              <a:t>We've heard the tide will never change</a:t>
-            </a:r>
-          </a:p>
-          <a:p>
-            <a:r>
-              <a:rPr lang="en-GB" sz="4000" dirty="0">
-                <a:solidFill>
-                  <a:schemeClr val="bg1"/>
-                </a:solidFill>
-              </a:rPr>
-              <a:t>They haven't seen what You can do</a:t>
-            </a:r>
-          </a:p>
-          <a:p>
-            <a:r>
-              <a:rPr lang="en-GB" sz="4000" dirty="0">
-                <a:solidFill>
-                  <a:schemeClr val="bg1"/>
-                </a:solidFill>
-              </a:rPr>
-              <a:t>There is power in Your name</a:t>
-            </a:r>
-          </a:p>
-          <a:p>
-            <a:r>
-              <a:rPr lang="en-GB" sz="4000" dirty="0">
-                <a:solidFill>
-                  <a:schemeClr val="bg1"/>
-                </a:solidFill>
-              </a:rPr>
-              <a:t>So much power in Your name</a:t>
+              <a:rPr lang="en-GB" sz="3700" dirty="0">
+                <a:solidFill>
+                  <a:schemeClr val="bg1"/>
+                </a:solidFill>
+              </a:rPr>
+              <a:t>Our God is the Lion, the Lion of Judah</a:t>
+            </a:r>
+            <a:br>
+              <a:rPr lang="en-GB" sz="3700" dirty="0">
+                <a:solidFill>
+                  <a:schemeClr val="bg1"/>
+                </a:solidFill>
+              </a:rPr>
+            </a:br>
+            <a:r>
+              <a:rPr lang="en-GB" sz="3700" dirty="0">
+                <a:solidFill>
+                  <a:schemeClr val="bg1"/>
+                </a:solidFill>
+              </a:rPr>
+              <a:t>He's roaring with power</a:t>
+            </a:r>
+            <a:br>
+              <a:rPr lang="en-GB" sz="3700" dirty="0">
+                <a:solidFill>
+                  <a:schemeClr val="bg1"/>
+                </a:solidFill>
+              </a:rPr>
+            </a:br>
+            <a:r>
+              <a:rPr lang="en-GB" sz="3700" dirty="0">
+                <a:solidFill>
+                  <a:schemeClr val="bg1"/>
+                </a:solidFill>
+              </a:rPr>
+              <a:t>And fighting our battles</a:t>
+            </a:r>
+            <a:br>
+              <a:rPr lang="en-GB" sz="3700" dirty="0">
+                <a:solidFill>
+                  <a:schemeClr val="bg1"/>
+                </a:solidFill>
+              </a:rPr>
+            </a:br>
+            <a:r>
+              <a:rPr lang="en-GB" sz="3700" dirty="0">
+                <a:solidFill>
+                  <a:schemeClr val="bg1"/>
+                </a:solidFill>
+              </a:rPr>
+              <a:t>And every knee will bow before Him</a:t>
+            </a:r>
+            <a:br>
+              <a:rPr lang="en-GB" sz="3700" dirty="0">
+                <a:solidFill>
+                  <a:schemeClr val="bg1"/>
+                </a:solidFill>
+              </a:rPr>
+            </a:br>
+            <a:br>
+              <a:rPr lang="en-GB" sz="3700" dirty="0">
+                <a:solidFill>
+                  <a:schemeClr val="bg1"/>
+                </a:solidFill>
+              </a:rPr>
+            </a:br>
+            <a:r>
+              <a:rPr lang="en-GB" sz="3700" dirty="0">
+                <a:solidFill>
+                  <a:schemeClr val="bg1"/>
+                </a:solidFill>
+              </a:rPr>
+              <a:t>Our God is the Lamb, the Lamb that was slain</a:t>
+            </a:r>
+            <a:br>
+              <a:rPr lang="en-GB" sz="3700" dirty="0">
+                <a:solidFill>
+                  <a:schemeClr val="bg1"/>
+                </a:solidFill>
+              </a:rPr>
+            </a:br>
+            <a:r>
+              <a:rPr lang="en-GB" sz="3700" dirty="0">
+                <a:solidFill>
+                  <a:schemeClr val="bg1"/>
+                </a:solidFill>
+              </a:rPr>
+              <a:t>For the sins of the world</a:t>
+            </a:r>
+            <a:br>
+              <a:rPr lang="en-GB" sz="3700" dirty="0">
+                <a:solidFill>
+                  <a:schemeClr val="bg1"/>
+                </a:solidFill>
+              </a:rPr>
+            </a:br>
+            <a:r>
+              <a:rPr lang="en-GB" sz="3700" dirty="0">
+                <a:solidFill>
+                  <a:schemeClr val="bg1"/>
+                </a:solidFill>
+              </a:rPr>
+              <a:t>His blood breaks the chains</a:t>
+            </a:r>
+            <a:br>
+              <a:rPr lang="en-GB" sz="3700" dirty="0">
+                <a:solidFill>
+                  <a:schemeClr val="bg1"/>
+                </a:solidFill>
+              </a:rPr>
+            </a:br>
+            <a:r>
+              <a:rPr lang="en-GB" sz="3700" dirty="0">
+                <a:solidFill>
+                  <a:schemeClr val="bg1"/>
+                </a:solidFill>
+              </a:rPr>
+              <a:t>And every knee will bow before the Lion and the Lamb</a:t>
+            </a:r>
+            <a:br>
+              <a:rPr lang="en-GB" sz="3700" dirty="0">
+                <a:solidFill>
+                  <a:schemeClr val="bg1"/>
+                </a:solidFill>
+              </a:rPr>
+            </a:br>
+            <a:r>
+              <a:rPr lang="en-GB" sz="3700" dirty="0">
+                <a:solidFill>
+                  <a:schemeClr val="bg1"/>
+                </a:solidFill>
+              </a:rPr>
+              <a:t>Every knee will bow before Him</a:t>
             </a:r>
           </a:p>
         </p:txBody>
@@ -4104,11 +4131,6 @@
         </p:txBody>
       </p:sp>
     </p:spTree>
-    <p:extLst>
-      <p:ext uri="{BB962C8B-B14F-4D97-AF65-F5344CB8AC3E}">
-        <p14:creationId xmlns:p14="http://schemas.microsoft.com/office/powerpoint/2010/main" val="3925966766"/>
-      </p:ext>
-    </p:extLst>
   </p:cSld>
   <p:clrMapOvr>
     <a:masterClrMapping/>
@@ -4145,7 +4167,7 @@
         </p:nvSpPr>
         <p:spPr>
           <a:xfrm>
-            <a:off x="323528" y="188640"/>
+            <a:off x="323528" y="116632"/>
             <a:ext cx="8640960" cy="6480720"/>
           </a:xfrm>
         </p:spPr>
@@ -4156,90 +4178,85 @@
           <a:lstStyle/>
           <a:p>
             <a:r>
-              <a:rPr lang="en-GB" sz="4000" dirty="0">
-                <a:solidFill>
-                  <a:schemeClr val="bg1"/>
-                </a:solidFill>
-              </a:rPr>
-              <a:t>Move the immovable</a:t>
-            </a:r>
-          </a:p>
-          <a:p>
-            <a:r>
-              <a:rPr lang="en-GB" sz="4000" dirty="0">
-                <a:solidFill>
-                  <a:schemeClr val="bg1"/>
-                </a:solidFill>
-              </a:rPr>
-              <a:t>Break the unbreakable</a:t>
-            </a:r>
-          </a:p>
-          <a:p>
-            <a:r>
-              <a:rPr lang="en-GB" sz="4000" dirty="0">
-                <a:solidFill>
-                  <a:schemeClr val="bg1"/>
-                </a:solidFill>
-              </a:rPr>
-              <a:t>God we believe</a:t>
-            </a:r>
-          </a:p>
-          <a:p>
-            <a:r>
-              <a:rPr lang="en-GB" sz="4000" dirty="0">
-                <a:solidFill>
-                  <a:schemeClr val="bg1"/>
-                </a:solidFill>
-              </a:rPr>
-              <a:t>God we believe for it</a:t>
-            </a:r>
-          </a:p>
-          <a:p>
-            <a:endParaRPr lang="en-GB" sz="4000" dirty="0">
+              <a:rPr lang="en-GB" sz="4800" dirty="0">
+                <a:solidFill>
+                  <a:schemeClr val="bg1"/>
+                </a:solidFill>
+              </a:rPr>
+              <a:t>So open up the gates</a:t>
+            </a:r>
+            <a:br>
+              <a:rPr lang="en-GB" sz="4800" dirty="0">
+                <a:solidFill>
+                  <a:schemeClr val="bg1"/>
+                </a:solidFill>
+              </a:rPr>
+            </a:br>
+            <a:r>
+              <a:rPr lang="en-GB" sz="4800" dirty="0">
+                <a:solidFill>
+                  <a:schemeClr val="bg1"/>
+                </a:solidFill>
+              </a:rPr>
+              <a:t>Make way before the King of kings</a:t>
+            </a:r>
+            <a:br>
+              <a:rPr lang="en-GB" sz="4800" dirty="0">
+                <a:solidFill>
+                  <a:schemeClr val="bg1"/>
+                </a:solidFill>
+              </a:rPr>
+            </a:br>
+            <a:r>
+              <a:rPr lang="en-GB" sz="4800" dirty="0">
+                <a:solidFill>
+                  <a:schemeClr val="bg1"/>
+                </a:solidFill>
+              </a:rPr>
+              <a:t>The God who comes to save</a:t>
+            </a:r>
+            <a:br>
+              <a:rPr lang="en-GB" sz="4800" dirty="0">
+                <a:solidFill>
+                  <a:schemeClr val="bg1"/>
+                </a:solidFill>
+              </a:rPr>
+            </a:br>
+            <a:r>
+              <a:rPr lang="en-GB" sz="4800" dirty="0">
+                <a:solidFill>
+                  <a:schemeClr val="bg1"/>
+                </a:solidFill>
+              </a:rPr>
+              <a:t>Is here to set the captives free</a:t>
+            </a:r>
+            <a:br>
+              <a:rPr lang="en-GB" sz="4800" dirty="0">
+                <a:solidFill>
+                  <a:schemeClr val="bg1"/>
+                </a:solidFill>
+              </a:rPr>
+            </a:br>
+            <a:r>
+              <a:rPr lang="en-GB" sz="4800" dirty="0">
+                <a:solidFill>
+                  <a:schemeClr val="bg1"/>
+                </a:solidFill>
+              </a:rPr>
+              <a:t>For who can stop the Lord Almighty</a:t>
+            </a:r>
+            <a:br>
+              <a:rPr lang="en-GB" sz="4800" dirty="0">
+                <a:solidFill>
+                  <a:schemeClr val="bg1"/>
+                </a:solidFill>
+              </a:rPr>
+            </a:br>
+            <a:endParaRPr lang="en-GB" sz="4600" dirty="0">
               <a:solidFill>
                 <a:schemeClr val="bg1"/>
               </a:solidFill>
             </a:endParaRPr>
-          </a:p>
-          <a:p>
-            <a:r>
-              <a:rPr lang="en-GB" sz="4000" dirty="0">
-                <a:solidFill>
-                  <a:schemeClr val="bg1"/>
-                </a:solidFill>
-              </a:rPr>
-              <a:t>From the impossible</a:t>
-            </a:r>
-          </a:p>
-          <a:p>
-            <a:r>
-              <a:rPr lang="en-GB" sz="4000" dirty="0">
-                <a:solidFill>
-                  <a:schemeClr val="bg1"/>
-                </a:solidFill>
-              </a:rPr>
-              <a:t>We'll see a miracle</a:t>
-            </a:r>
-          </a:p>
-          <a:p>
-            <a:r>
-              <a:rPr lang="en-GB" sz="4000" dirty="0">
-                <a:solidFill>
-                  <a:schemeClr val="bg1"/>
-                </a:solidFill>
-              </a:rPr>
-              <a:t>God we believe</a:t>
-            </a:r>
-          </a:p>
-          <a:p>
-            <a:r>
-              <a:rPr lang="en-GB" sz="4000" dirty="0">
-                <a:solidFill>
-                  <a:schemeClr val="bg1"/>
-                </a:solidFill>
-              </a:rPr>
-              <a:t>God we believe for it</a:t>
-            </a:r>
           </a:p>
         </p:txBody>
       </p:sp>
@@ -4277,11 +4294,6 @@
         </p:txBody>
       </p:sp>
     </p:spTree>
-    <p:extLst>
-      <p:ext uri="{BB962C8B-B14F-4D97-AF65-F5344CB8AC3E}">
-        <p14:creationId xmlns:p14="http://schemas.microsoft.com/office/powerpoint/2010/main" val="2689669636"/>
-      </p:ext>
-    </p:extLst>
   </p:cSld>
   <p:clrMapOvr>
     <a:masterClrMapping/>
@@ -4318,7 +4330,7 @@
         </p:nvSpPr>
         <p:spPr>
           <a:xfrm>
-            <a:off x="323528" y="188640"/>
+            <a:off x="323528" y="0"/>
             <a:ext cx="8640960" cy="6480720"/>
           </a:xfrm>
         </p:spPr>
@@ -4329,52 +4341,139 @@
           <a:lstStyle/>
           <a:p>
             <a:r>
-              <a:rPr lang="en-GB" sz="4000" dirty="0">
-                <a:solidFill>
-                  <a:schemeClr val="bg1"/>
-                </a:solidFill>
-              </a:rPr>
-              <a:t>We know that hope is never lost</a:t>
-            </a:r>
-          </a:p>
-          <a:p>
-            <a:r>
-              <a:rPr lang="en-GB" sz="4000" dirty="0">
-                <a:solidFill>
-                  <a:schemeClr val="bg1"/>
-                </a:solidFill>
-              </a:rPr>
-              <a:t>Oh for there is still an empty grave</a:t>
-            </a:r>
-          </a:p>
-          <a:p>
-            <a:r>
-              <a:rPr lang="en-GB" sz="4000" dirty="0">
-                <a:solidFill>
-                  <a:schemeClr val="bg1"/>
-                </a:solidFill>
-              </a:rPr>
-              <a:t>God we believe no matter what</a:t>
-            </a:r>
-          </a:p>
-          <a:p>
-            <a:r>
-              <a:rPr lang="en-GB" sz="4000" dirty="0">
-                <a:solidFill>
-                  <a:schemeClr val="bg1"/>
-                </a:solidFill>
-              </a:rPr>
-              <a:t>There is power in Your name</a:t>
-            </a:r>
-          </a:p>
-          <a:p>
-            <a:r>
-              <a:rPr lang="en-GB" sz="4000" dirty="0">
-                <a:solidFill>
-                  <a:schemeClr val="bg1"/>
-                </a:solidFill>
-              </a:rPr>
-              <a:t>So much power in Your name</a:t>
+              <a:rPr lang="en-GB" sz="3700" dirty="0">
+                <a:solidFill>
+                  <a:schemeClr val="bg1"/>
+                </a:solidFill>
+              </a:rPr>
+              <a:t>Our God is the Lion, the Lion of Judah</a:t>
+            </a:r>
+            <a:br>
+              <a:rPr lang="en-GB" sz="3700" dirty="0">
+                <a:solidFill>
+                  <a:schemeClr val="bg1"/>
+                </a:solidFill>
+              </a:rPr>
+            </a:br>
+            <a:r>
+              <a:rPr lang="en-GB" sz="3700" dirty="0">
+                <a:solidFill>
+                  <a:schemeClr val="bg1"/>
+                </a:solidFill>
+              </a:rPr>
+              <a:t>He's roaring with power</a:t>
+            </a:r>
+            <a:br>
+              <a:rPr lang="en-GB" sz="3700" dirty="0">
+                <a:solidFill>
+                  <a:schemeClr val="bg1"/>
+                </a:solidFill>
+              </a:rPr>
+            </a:br>
+            <a:r>
+              <a:rPr lang="en-GB" sz="3700" dirty="0">
+                <a:solidFill>
+                  <a:schemeClr val="bg1"/>
+                </a:solidFill>
+              </a:rPr>
+              <a:t>And fighting our battles</a:t>
+            </a:r>
+            <a:br>
+              <a:rPr lang="en-GB" sz="3700" dirty="0">
+                <a:solidFill>
+                  <a:schemeClr val="bg1"/>
+                </a:solidFill>
+              </a:rPr>
+            </a:br>
+            <a:r>
+              <a:rPr lang="en-GB" sz="3700" dirty="0">
+                <a:solidFill>
+                  <a:schemeClr val="bg1"/>
+                </a:solidFill>
+              </a:rPr>
+              <a:t>And every knee will bow before Him</a:t>
+            </a:r>
+            <a:br>
+              <a:rPr lang="en-GB" sz="3700" dirty="0">
+                <a:solidFill>
+                  <a:schemeClr val="bg1"/>
+                </a:solidFill>
+              </a:rPr>
+            </a:br>
+            <a:br>
+              <a:rPr lang="en-GB" sz="3700" dirty="0">
+                <a:solidFill>
+                  <a:schemeClr val="bg1"/>
+                </a:solidFill>
+              </a:rPr>
+            </a:br>
+            <a:r>
+              <a:rPr lang="en-GB" sz="3700" dirty="0">
+                <a:solidFill>
+                  <a:schemeClr val="bg1"/>
+                </a:solidFill>
+              </a:rPr>
+              <a:t>Our God is the Lamb, the Lamb that was slain</a:t>
+            </a:r>
+            <a:br>
+              <a:rPr lang="en-GB" sz="3700" dirty="0">
+                <a:solidFill>
+                  <a:schemeClr val="bg1"/>
+                </a:solidFill>
+              </a:rPr>
+            </a:br>
+            <a:r>
+              <a:rPr lang="en-GB" sz="3700" dirty="0">
+                <a:solidFill>
+                  <a:schemeClr val="bg1"/>
+                </a:solidFill>
+              </a:rPr>
+              <a:t>For the sins of the world</a:t>
+            </a:r>
+            <a:br>
+              <a:rPr lang="en-GB" sz="3700" dirty="0">
+                <a:solidFill>
+                  <a:schemeClr val="bg1"/>
+                </a:solidFill>
+              </a:rPr>
+            </a:br>
+            <a:r>
+              <a:rPr lang="en-GB" sz="3700" dirty="0">
+                <a:solidFill>
+                  <a:schemeClr val="bg1"/>
+                </a:solidFill>
+              </a:rPr>
+              <a:t>His blood breaks the chains</a:t>
+            </a:r>
+            <a:br>
+              <a:rPr lang="en-GB" sz="3700" dirty="0">
+                <a:solidFill>
+                  <a:schemeClr val="bg1"/>
+                </a:solidFill>
+              </a:rPr>
+            </a:br>
+            <a:r>
+              <a:rPr lang="en-GB" sz="3700" dirty="0">
+                <a:solidFill>
+                  <a:schemeClr val="bg1"/>
+                </a:solidFill>
+              </a:rPr>
+              <a:t>And every knee will bow before the Lion and the Lamb</a:t>
+            </a:r>
+            <a:br>
+              <a:rPr lang="en-GB" sz="3700" dirty="0">
+                <a:solidFill>
+                  <a:schemeClr val="bg1"/>
+                </a:solidFill>
+              </a:rPr>
+            </a:br>
+            <a:r>
+              <a:rPr lang="en-GB" sz="3700" dirty="0">
+                <a:solidFill>
+                  <a:schemeClr val="bg1"/>
+                </a:solidFill>
+              </a:rPr>
+              <a:t>Every knee will bow before Him</a:t>
             </a:r>
           </a:p>
         </p:txBody>
@@ -4413,11 +4512,6 @@
         </p:txBody>
       </p:sp>
     </p:spTree>
-    <p:extLst>
-      <p:ext uri="{BB962C8B-B14F-4D97-AF65-F5344CB8AC3E}">
-        <p14:creationId xmlns:p14="http://schemas.microsoft.com/office/powerpoint/2010/main" val="2520932766"/>
-      </p:ext>
-    </p:extLst>
   </p:cSld>
   <p:clrMapOvr>
     <a:masterClrMapping/>
@@ -4454,7 +4548,7 @@
         </p:nvSpPr>
         <p:spPr>
           <a:xfrm>
-            <a:off x="323528" y="188640"/>
+            <a:off x="323528" y="116632"/>
             <a:ext cx="8640960" cy="6480720"/>
           </a:xfrm>
         </p:spPr>
@@ -4464,24 +4558,69 @@
           </a:bodyPr>
           <a:lstStyle/>
           <a:p>
-            <a:r>
-              <a:rPr lang="en-GB" sz="4000" dirty="0">
-                <a:solidFill>
-                  <a:schemeClr val="bg1"/>
-                </a:solidFill>
-              </a:rPr>
-              <a:t>You are the way when there seems to be no way</a:t>
-            </a:r>
-          </a:p>
-          <a:p>
-            <a:r>
-              <a:rPr lang="en-GB" sz="4000" dirty="0">
-                <a:solidFill>
-                  <a:schemeClr val="bg1"/>
-                </a:solidFill>
-              </a:rPr>
-              <a:t>We trust in You God You have the final say</a:t>
-            </a:r>
+            <a:endParaRPr lang="en-GB" sz="4800" dirty="0">
+              <a:solidFill>
+                <a:schemeClr val="bg1"/>
+              </a:solidFill>
+            </a:endParaRPr>
+          </a:p>
+          <a:p>
+            <a:endParaRPr lang="en-GB" sz="4800" dirty="0">
+              <a:solidFill>
+                <a:schemeClr val="bg1"/>
+              </a:solidFill>
+            </a:endParaRPr>
+          </a:p>
+          <a:p>
+            <a:endParaRPr lang="en-GB" sz="4800" dirty="0">
+              <a:solidFill>
+                <a:schemeClr val="bg1"/>
+              </a:solidFill>
+            </a:endParaRPr>
+          </a:p>
+          <a:p>
+            <a:r>
+              <a:rPr lang="en-GB" sz="4400" dirty="0">
+                <a:solidFill>
+                  <a:schemeClr val="bg1"/>
+                </a:solidFill>
+              </a:rPr>
+              <a:t>Who can stop the Lord Almighty</a:t>
+            </a:r>
+            <a:br>
+              <a:rPr lang="en-GB" sz="4400" dirty="0">
+                <a:solidFill>
+                  <a:schemeClr val="bg1"/>
+                </a:solidFill>
+              </a:rPr>
+            </a:br>
+            <a:r>
+              <a:rPr lang="en-GB" sz="4400" dirty="0">
+                <a:solidFill>
+                  <a:schemeClr val="bg1"/>
+                </a:solidFill>
+              </a:rPr>
+              <a:t>Who can stop the Lord (Almighty)</a:t>
+            </a:r>
+            <a:br>
+              <a:rPr lang="en-GB" sz="4400" dirty="0">
+                <a:solidFill>
+                  <a:schemeClr val="bg1"/>
+                </a:solidFill>
+              </a:rPr>
+            </a:br>
+            <a:endParaRPr lang="en-GB" sz="4400" dirty="0">
+              <a:solidFill>
+                <a:schemeClr val="bg1"/>
+              </a:solidFill>
+            </a:endParaRPr>
+          </a:p>
+          <a:p>
+            <a:endParaRPr lang="en-GB" sz="4600" dirty="0">
+              <a:solidFill>
+                <a:schemeClr val="bg1"/>
+              </a:solidFill>
+            </a:endParaRPr>
           </a:p>
         </p:txBody>
       </p:sp>
@@ -4519,11 +4658,6 @@
         </p:txBody>
       </p:sp>
     </p:spTree>
-    <p:extLst>
-      <p:ext uri="{BB962C8B-B14F-4D97-AF65-F5344CB8AC3E}">
-        <p14:creationId xmlns:p14="http://schemas.microsoft.com/office/powerpoint/2010/main" val="1101430297"/>
-      </p:ext>
-    </p:extLst>
   </p:cSld>
   <p:clrMapOvr>
     <a:masterClrMapping/>
@@ -4560,7 +4694,7 @@
         </p:nvSpPr>
         <p:spPr>
           <a:xfrm>
-            <a:off x="323528" y="188640"/>
+            <a:off x="323528" y="0"/>
             <a:ext cx="8640960" cy="6480720"/>
           </a:xfrm>
         </p:spPr>
@@ -4571,42 +4705,139 @@
           <a:lstStyle/>
           <a:p>
             <a:r>
-              <a:rPr lang="en-GB" sz="4000" dirty="0">
-                <a:solidFill>
-                  <a:schemeClr val="bg1"/>
-                </a:solidFill>
-              </a:rPr>
-              <a:t>You said it</a:t>
-            </a:r>
-          </a:p>
-          <a:p>
-            <a:r>
-              <a:rPr lang="en-GB" sz="4000" dirty="0">
-                <a:solidFill>
-                  <a:schemeClr val="bg1"/>
-                </a:solidFill>
-              </a:rPr>
-              <a:t>I believe it</a:t>
-            </a:r>
-          </a:p>
-          <a:p>
-            <a:r>
-              <a:rPr lang="en-GB" sz="4000" dirty="0">
-                <a:solidFill>
-                  <a:schemeClr val="bg1"/>
-                </a:solidFill>
-              </a:rPr>
-              <a:t>You said it</a:t>
-            </a:r>
-          </a:p>
-          <a:p>
-            <a:r>
-              <a:rPr lang="en-GB" sz="4000" dirty="0">
-                <a:solidFill>
-                  <a:schemeClr val="bg1"/>
-                </a:solidFill>
-              </a:rPr>
-              <a:t>It is done</a:t>
+              <a:rPr lang="en-GB" sz="3700" dirty="0">
+                <a:solidFill>
+                  <a:schemeClr val="bg1"/>
+                </a:solidFill>
+              </a:rPr>
+              <a:t>Our God is the Lion, the Lion of Judah</a:t>
+            </a:r>
+            <a:br>
+              <a:rPr lang="en-GB" sz="3700" dirty="0">
+                <a:solidFill>
+                  <a:schemeClr val="bg1"/>
+                </a:solidFill>
+              </a:rPr>
+            </a:br>
+            <a:r>
+              <a:rPr lang="en-GB" sz="3700" dirty="0">
+                <a:solidFill>
+                  <a:schemeClr val="bg1"/>
+                </a:solidFill>
+              </a:rPr>
+              <a:t>He's roaring with power</a:t>
+            </a:r>
+            <a:br>
+              <a:rPr lang="en-GB" sz="3700" dirty="0">
+                <a:solidFill>
+                  <a:schemeClr val="bg1"/>
+                </a:solidFill>
+              </a:rPr>
+            </a:br>
+            <a:r>
+              <a:rPr lang="en-GB" sz="3700" dirty="0">
+                <a:solidFill>
+                  <a:schemeClr val="bg1"/>
+                </a:solidFill>
+              </a:rPr>
+              <a:t>And fighting our battles</a:t>
+            </a:r>
+            <a:br>
+              <a:rPr lang="en-GB" sz="3700" dirty="0">
+                <a:solidFill>
+                  <a:schemeClr val="bg1"/>
+                </a:solidFill>
+              </a:rPr>
+            </a:br>
+            <a:r>
+              <a:rPr lang="en-GB" sz="3700" dirty="0">
+                <a:solidFill>
+                  <a:schemeClr val="bg1"/>
+                </a:solidFill>
+              </a:rPr>
+              <a:t>And every knee will bow before Him</a:t>
+            </a:r>
+            <a:br>
+              <a:rPr lang="en-GB" sz="3700" dirty="0">
+                <a:solidFill>
+                  <a:schemeClr val="bg1"/>
+                </a:solidFill>
+              </a:rPr>
+            </a:br>
+            <a:br>
+              <a:rPr lang="en-GB" sz="3700" dirty="0">
+                <a:solidFill>
+                  <a:schemeClr val="bg1"/>
+                </a:solidFill>
+              </a:rPr>
+            </a:br>
+            <a:r>
+              <a:rPr lang="en-GB" sz="3700" dirty="0">
+                <a:solidFill>
+                  <a:schemeClr val="bg1"/>
+                </a:solidFill>
+              </a:rPr>
+              <a:t>Our God is the Lamb, the Lamb that was slain</a:t>
+            </a:r>
+            <a:br>
+              <a:rPr lang="en-GB" sz="3700" dirty="0">
+                <a:solidFill>
+                  <a:schemeClr val="bg1"/>
+                </a:solidFill>
+              </a:rPr>
+            </a:br>
+            <a:r>
+              <a:rPr lang="en-GB" sz="3700" dirty="0">
+                <a:solidFill>
+                  <a:schemeClr val="bg1"/>
+                </a:solidFill>
+              </a:rPr>
+              <a:t>For the sins of the world</a:t>
+            </a:r>
+            <a:br>
+              <a:rPr lang="en-GB" sz="3700" dirty="0">
+                <a:solidFill>
+                  <a:schemeClr val="bg1"/>
+                </a:solidFill>
+              </a:rPr>
+            </a:br>
+            <a:r>
+              <a:rPr lang="en-GB" sz="3700" dirty="0">
+                <a:solidFill>
+                  <a:schemeClr val="bg1"/>
+                </a:solidFill>
+              </a:rPr>
+              <a:t>His blood breaks the chains</a:t>
+            </a:r>
+            <a:br>
+              <a:rPr lang="en-GB" sz="3700" dirty="0">
+                <a:solidFill>
+                  <a:schemeClr val="bg1"/>
+                </a:solidFill>
+              </a:rPr>
+            </a:br>
+            <a:r>
+              <a:rPr lang="en-GB" sz="3700" dirty="0">
+                <a:solidFill>
+                  <a:schemeClr val="bg1"/>
+                </a:solidFill>
+              </a:rPr>
+              <a:t>And every knee will bow before the Lion and the Lamb</a:t>
+            </a:r>
+            <a:br>
+              <a:rPr lang="en-GB" sz="3700" dirty="0">
+                <a:solidFill>
+                  <a:schemeClr val="bg1"/>
+                </a:solidFill>
+              </a:rPr>
+            </a:br>
+            <a:r>
+              <a:rPr lang="en-GB" sz="3700" dirty="0">
+                <a:solidFill>
+                  <a:schemeClr val="bg1"/>
+                </a:solidFill>
+              </a:rPr>
+              <a:t>Every knee will bow before Him</a:t>
             </a:r>
           </a:p>
         </p:txBody>
@@ -4645,11 +4876,6 @@
         </p:txBody>
       </p:sp>
     </p:spTree>
-    <p:extLst>
-      <p:ext uri="{BB962C8B-B14F-4D97-AF65-F5344CB8AC3E}">
-        <p14:creationId xmlns:p14="http://schemas.microsoft.com/office/powerpoint/2010/main" val="1156251292"/>
-      </p:ext>
-    </p:extLst>
   </p:cSld>
   <p:clrMapOvr>
     <a:masterClrMapping/>
@@ -4704,68 +4930,51 @@
           </a:p>
           <a:p>
             <a:r>
-              <a:rPr lang="en-GB" sz="9600" dirty="0"/>
-              <a:t>The Lion And The Lamb</a:t>
+              <a:rPr lang="en-GB" sz="8800" dirty="0"/>
+              <a:t>Raise A Hallelujah</a:t>
             </a:r>
           </a:p>
           <a:p>
             <a:r>
               <a:rPr lang="en-GB" sz="1200" dirty="0"/>
-              <a:t>CCLI Song # 7038281</a:t>
-            </a:r>
-          </a:p>
-          <a:p>
+              <a:t> </a:t>
+            </a:r>
+          </a:p>
+          <a:p>
+            <a:endParaRPr lang="en-GB" sz="1200" dirty="0"/>
+          </a:p>
+          <a:p>
+            <a:r>
+              <a:rPr lang="en-GB" sz="1200" dirty="0"/>
+              <a:t>CCLI Song # 7119315</a:t>
+            </a:r>
+          </a:p>
+          <a:p>
+            <a:r>
+              <a:rPr lang="en-GB" sz="1200" dirty="0"/>
+              <a:t>Jake Stevens | Jonathan David </a:t>
+            </a:r>
             <a:r>
               <a:rPr lang="en-GB" sz="1200" dirty="0" err="1"/>
-              <a:t>Brenton</a:t>
+              <a:t>Helser</a:t>
             </a:r>
             <a:r>
               <a:rPr lang="en-GB" sz="1200" dirty="0"/>
-              <a:t> Brown | Brian Johnson | </a:t>
+              <a:t> | Melissa </a:t>
             </a:r>
             <a:r>
               <a:rPr lang="en-GB" sz="1200" dirty="0" err="1"/>
-              <a:t>Leeland</a:t>
+              <a:t>Helser</a:t>
             </a:r>
             <a:r>
               <a:rPr lang="en-GB" sz="1200" dirty="0"/>
-              <a:t> Mooring</a:t>
+              <a:t> | Molly Skaggs</a:t>
             </a:r>
           </a:p>
           <a:p>
             <a:r>
               <a:rPr lang="en-GB" sz="1200" dirty="0"/>
-              <a:t>© 2015 </a:t>
-            </a:r>
-            <a:r>
-              <a:rPr lang="en-GB" sz="1200" dirty="0" err="1"/>
-              <a:t>Meaux</a:t>
-            </a:r>
-            <a:r>
-              <a:rPr lang="en-GB" sz="1200" dirty="0"/>
-              <a:t> Mercy (Admin. by Capitol CMG Publishing)</a:t>
-            </a:r>
-          </a:p>
-          <a:p>
-            <a:r>
-              <a:rPr lang="en-GB" sz="1200" dirty="0"/>
-              <a:t>The Devil Is A Liar! Publishing (Admin. by Capitol CMG Publishing)</a:t>
-            </a:r>
-          </a:p>
-          <a:p>
-            <a:r>
-              <a:rPr lang="en-GB" sz="1200" dirty="0" err="1"/>
-              <a:t>Thankyou</a:t>
-            </a:r>
-            <a:r>
-              <a:rPr lang="en-GB" sz="1200" dirty="0"/>
-              <a:t> Music (Admin. by Integrity Music)</a:t>
-            </a:r>
-          </a:p>
-          <a:p>
-            <a:r>
-              <a:rPr lang="en-GB" sz="1200" dirty="0"/>
-              <a:t>Bethel Music Publishing (Admin. by Song Solutions)</a:t>
+              <a:t>© 2018 Bethel Music Publishing (Admin. by Song Solutions)</a:t>
             </a:r>
           </a:p>
           <a:p>
@@ -4815,11 +5024,6 @@
         </p:txBody>
       </p:sp>
     </p:spTree>
-    <p:extLst>
-      <p:ext uri="{BB962C8B-B14F-4D97-AF65-F5344CB8AC3E}">
-        <p14:creationId xmlns:p14="http://schemas.microsoft.com/office/powerpoint/2010/main" val="2146180991"/>
-      </p:ext>
-    </p:extLst>
   </p:cSld>
   <p:clrMapOvr>
     <a:masterClrMapping/>
@@ -4867,78 +5071,58 @@
           <a:lstStyle/>
           <a:p>
             <a:r>
-              <a:rPr lang="en-GB" sz="5400" dirty="0">
-                <a:solidFill>
-                  <a:schemeClr val="bg1"/>
-                </a:solidFill>
-              </a:rPr>
-              <a:t>He's coming on the clouds</a:t>
+              <a:rPr lang="en-GB" sz="4800" dirty="0">
+                <a:solidFill>
+                  <a:schemeClr val="bg1"/>
+                </a:solidFill>
+              </a:rPr>
+              <a:t>I raise a hallelujah in the presence of my enemies</a:t>
             </a:r>
             <a:br>
-              <a:rPr lang="en-GB" sz="5400" dirty="0">
+              <a:rPr lang="en-GB" sz="4800" dirty="0">
                 <a:solidFill>
                   <a:schemeClr val="bg1"/>
                 </a:solidFill>
               </a:rPr>
             </a:br>
             <a:r>
-              <a:rPr lang="en-GB" sz="5400" dirty="0">
-                <a:solidFill>
-                  <a:schemeClr val="bg1"/>
-                </a:solidFill>
-              </a:rPr>
-              <a:t>Kings and kingdoms will bow down</a:t>
+              <a:rPr lang="en-GB" sz="4800" dirty="0">
+                <a:solidFill>
+                  <a:schemeClr val="bg1"/>
+                </a:solidFill>
+              </a:rPr>
+              <a:t>I raise a hallelujah louder than the unbelief</a:t>
             </a:r>
             <a:br>
-              <a:rPr lang="en-GB" sz="5400" dirty="0">
+              <a:rPr lang="en-GB" sz="4800" dirty="0">
                 <a:solidFill>
                   <a:schemeClr val="bg1"/>
                 </a:solidFill>
               </a:rPr>
             </a:br>
             <a:r>
-              <a:rPr lang="en-GB" sz="5400" dirty="0">
-                <a:solidFill>
-                  <a:schemeClr val="bg1"/>
-                </a:solidFill>
-              </a:rPr>
-              <a:t>And every chain will break</a:t>
+              <a:rPr lang="en-GB" sz="4800" dirty="0">
+                <a:solidFill>
+                  <a:schemeClr val="bg1"/>
+                </a:solidFill>
+              </a:rPr>
+              <a:t>I raise a hallelujah my weapon is a melody</a:t>
             </a:r>
             <a:br>
-              <a:rPr lang="en-GB" sz="5400" dirty="0">
+              <a:rPr lang="en-GB" sz="4800" dirty="0">
                 <a:solidFill>
                   <a:schemeClr val="bg1"/>
                 </a:solidFill>
               </a:rPr>
             </a:br>
             <a:r>
-              <a:rPr lang="en-GB" sz="5400" dirty="0">
-                <a:solidFill>
-                  <a:schemeClr val="bg1"/>
-                </a:solidFill>
-              </a:rPr>
-              <a:t>As broken hearts declare His praise</a:t>
-            </a:r>
-            <a:br>
-              <a:rPr lang="en-GB" sz="5400" dirty="0">
-                <a:solidFill>
-                  <a:schemeClr val="bg1"/>
-                </a:solidFill>
-              </a:rPr>
-            </a:br>
-            <a:r>
-              <a:rPr lang="en-GB" sz="5400" dirty="0">
-                <a:solidFill>
-                  <a:schemeClr val="bg1"/>
-                </a:solidFill>
-              </a:rPr>
-              <a:t>For who can stop the Lord Almighty</a:t>
-            </a:r>
-            <a:endParaRPr lang="en-GB" sz="5000" dirty="0">
-              <a:solidFill>
-                <a:schemeClr val="bg1"/>
-              </a:solidFill>
-            </a:endParaRPr>
+              <a:rPr lang="en-GB" sz="4800" dirty="0">
+                <a:solidFill>
+                  <a:schemeClr val="bg1"/>
+                </a:solidFill>
+              </a:rPr>
+              <a:t>I raise a hallelujah Heaven comes to fight for me</a:t>
+            </a:r>
           </a:p>
         </p:txBody>
       </p:sp>
@@ -4970,7 +5154,7 @@
                   <a:schemeClr val="bg1"/>
                 </a:solidFill>
               </a:rPr>
-              <a:t>1/6</a:t>
+              <a:t>1/7</a:t>
             </a:r>
           </a:p>
         </p:txBody>
@@ -5012,7 +5196,7 @@
         </p:nvSpPr>
         <p:spPr>
           <a:xfrm>
-            <a:off x="323528" y="0"/>
+            <a:off x="323528" y="188640"/>
             <a:ext cx="8640960" cy="6480720"/>
           </a:xfrm>
         </p:spPr>
@@ -5023,139 +5207,89 @@
           <a:lstStyle/>
           <a:p>
             <a:r>
-              <a:rPr lang="en-GB" sz="3700" dirty="0">
-                <a:solidFill>
-                  <a:schemeClr val="bg1"/>
-                </a:solidFill>
-              </a:rPr>
-              <a:t>Our God is the Lion, the Lion of Judah</a:t>
+              <a:rPr lang="en-GB" sz="5400" dirty="0">
+                <a:solidFill>
+                  <a:schemeClr val="bg1"/>
+                </a:solidFill>
+              </a:rPr>
+              <a:t>I’m </a:t>
+            </a:r>
+            <a:r>
+              <a:rPr lang="en-GB" sz="5400" dirty="0" err="1">
+                <a:solidFill>
+                  <a:schemeClr val="bg1"/>
+                </a:solidFill>
+              </a:rPr>
+              <a:t>gonna</a:t>
+            </a:r>
+            <a:r>
+              <a:rPr lang="en-GB" sz="5400" dirty="0">
+                <a:solidFill>
+                  <a:schemeClr val="bg1"/>
+                </a:solidFill>
+              </a:rPr>
+              <a:t> sing in the middle of the storm</a:t>
             </a:r>
             <a:br>
-              <a:rPr lang="en-GB" sz="3700" dirty="0">
+              <a:rPr lang="en-GB" sz="5400" dirty="0">
                 <a:solidFill>
                   <a:schemeClr val="bg1"/>
                 </a:solidFill>
               </a:rPr>
             </a:br>
             <a:r>
-              <a:rPr lang="en-GB" sz="3700" dirty="0">
-                <a:solidFill>
-                  <a:schemeClr val="bg1"/>
-                </a:solidFill>
-              </a:rPr>
-              <a:t>He's roaring with power</a:t>
+              <a:rPr lang="en-GB" sz="5400" dirty="0">
+                <a:solidFill>
+                  <a:schemeClr val="bg1"/>
+                </a:solidFill>
+              </a:rPr>
+              <a:t>Louder and louder you’re </a:t>
+            </a:r>
+            <a:r>
+              <a:rPr lang="en-GB" sz="5400" dirty="0" err="1">
+                <a:solidFill>
+                  <a:schemeClr val="bg1"/>
+                </a:solidFill>
+              </a:rPr>
+              <a:t>gonna</a:t>
+            </a:r>
+            <a:r>
+              <a:rPr lang="en-GB" sz="5400" dirty="0">
+                <a:solidFill>
+                  <a:schemeClr val="bg1"/>
+                </a:solidFill>
+              </a:rPr>
+              <a:t> hear my praises roar</a:t>
             </a:r>
             <a:br>
-              <a:rPr lang="en-GB" sz="3700" dirty="0">
+              <a:rPr lang="en-GB" sz="5400" dirty="0">
                 <a:solidFill>
                   <a:schemeClr val="bg1"/>
                 </a:solidFill>
               </a:rPr>
             </a:br>
             <a:r>
-              <a:rPr lang="en-GB" sz="3700" dirty="0">
-                <a:solidFill>
-                  <a:schemeClr val="bg1"/>
-                </a:solidFill>
-              </a:rPr>
-              <a:t>And fighting our battles</a:t>
+              <a:rPr lang="en-GB" sz="5400" dirty="0">
+                <a:solidFill>
+                  <a:schemeClr val="bg1"/>
+                </a:solidFill>
+              </a:rPr>
+              <a:t>Up from the ashes hope will arise</a:t>
             </a:r>
             <a:br>
-              <a:rPr lang="en-GB" sz="3700" dirty="0">
+              <a:rPr lang="en-GB" sz="5400" dirty="0">
                 <a:solidFill>
                   <a:schemeClr val="bg1"/>
                 </a:solidFill>
               </a:rPr>
             </a:br>
             <a:r>
-              <a:rPr lang="en-GB" sz="3700" dirty="0">
-                <a:solidFill>
-                  <a:schemeClr val="bg1"/>
-                </a:solidFill>
-              </a:rPr>
-              <a:t>And every knee will bow before Him</a:t>
-            </a:r>
-            <a:br>
-              <a:rPr lang="en-GB" sz="3700" dirty="0">
-                <a:solidFill>
-                  <a:schemeClr val="bg1"/>
-                </a:solidFill>
-              </a:rPr>
-            </a:br>
-            <a:br>
-              <a:rPr lang="en-GB" sz="3700" dirty="0">
-                <a:solidFill>
-                  <a:schemeClr val="bg1"/>
-                </a:solidFill>
-              </a:rPr>
-            </a:br>
-            <a:r>
-              <a:rPr lang="en-GB" sz="3700" dirty="0">
-                <a:solidFill>
-                  <a:schemeClr val="bg1"/>
-                </a:solidFill>
-              </a:rPr>
-              <a:t>Our God is the Lamb, the Lamb that was slain</a:t>
-            </a:r>
-            <a:br>
-              <a:rPr lang="en-GB" sz="3700" dirty="0">
-                <a:solidFill>
-                  <a:schemeClr val="bg1"/>
-                </a:solidFill>
-              </a:rPr>
-            </a:br>
-            <a:r>
-              <a:rPr lang="en-GB" sz="3700" dirty="0">
-                <a:solidFill>
-                  <a:schemeClr val="bg1"/>
-                </a:solidFill>
-              </a:rPr>
-              <a:t>For the sins of the world</a:t>
-            </a:r>
-            <a:br>
-              <a:rPr lang="en-GB" sz="3700" dirty="0">
-                <a:solidFill>
-                  <a:schemeClr val="bg1"/>
-                </a:solidFill>
-              </a:rPr>
-            </a:br>
-            <a:r>
-              <a:rPr lang="en-GB" sz="3700" dirty="0">
-                <a:solidFill>
-                  <a:schemeClr val="bg1"/>
-                </a:solidFill>
-              </a:rPr>
-              <a:t>His blood breaks the chains</a:t>
-            </a:r>
-            <a:br>
-              <a:rPr lang="en-GB" sz="3700" dirty="0">
-                <a:solidFill>
-                  <a:schemeClr val="bg1"/>
-                </a:solidFill>
-              </a:rPr>
-            </a:br>
-            <a:r>
-              <a:rPr lang="en-GB" sz="3700" dirty="0">
-                <a:solidFill>
-                  <a:schemeClr val="bg1"/>
-                </a:solidFill>
-              </a:rPr>
-              <a:t>And every knee will bow before the Lion and the Lamb</a:t>
-            </a:r>
-            <a:br>
-              <a:rPr lang="en-GB" sz="3700" dirty="0">
-                <a:solidFill>
-                  <a:schemeClr val="bg1"/>
-                </a:solidFill>
-              </a:rPr>
-            </a:br>
-            <a:r>
-              <a:rPr lang="en-GB" sz="3700" dirty="0">
-                <a:solidFill>
-                  <a:schemeClr val="bg1"/>
-                </a:solidFill>
-              </a:rPr>
-              <a:t>Every knee will bow before Him</a:t>
+              <a:rPr lang="en-GB" sz="5400" dirty="0">
+                <a:solidFill>
+                  <a:schemeClr val="bg1"/>
+                </a:solidFill>
+              </a:rPr>
+              <a:t>Death is defeated the King is alive</a:t>
             </a:r>
           </a:p>
         </p:txBody>
@@ -5188,7 +5322,7 @@
                   <a:schemeClr val="bg1"/>
                 </a:solidFill>
               </a:rPr>
-              <a:t>2/6</a:t>
+              <a:t>2/7</a:t>
             </a:r>
           </a:p>
         </p:txBody>
@@ -5202,6 +5336,935 @@
 </file>
 
 <file path=ppt/slides/slide2.xml><?xml version="1.0" encoding="utf-8"?>
+<p:sld xmlns:a="http://schemas.openxmlformats.org/drawingml/2006/main" xmlns:r="http://schemas.openxmlformats.org/officeDocument/2006/relationships" xmlns:p="http://schemas.openxmlformats.org/presentationml/2006/main">
+  <p:cSld>
+    <p:spTree>
+      <p:nvGrpSpPr>
+        <p:cNvPr id="1" name=""/>
+        <p:cNvGrpSpPr/>
+        <p:nvPr/>
+      </p:nvGrpSpPr>
+      <p:grpSpPr>
+        <a:xfrm>
+          <a:off x="0" y="0"/>
+          <a:ext cx="0" cy="0"/>
+          <a:chOff x="0" y="0"/>
+          <a:chExt cx="0" cy="0"/>
+        </a:xfrm>
+      </p:grpSpPr>
+      <p:sp>
+        <p:nvSpPr>
+          <p:cNvPr id="3" name="Subtitle 2"/>
+          <p:cNvSpPr>
+            <a:spLocks noGrp="1"/>
+          </p:cNvSpPr>
+          <p:nvPr>
+            <p:ph type="subTitle" idx="1"/>
+          </p:nvPr>
+        </p:nvSpPr>
+        <p:spPr>
+          <a:xfrm>
+            <a:off x="323528" y="188640"/>
+            <a:ext cx="8640960" cy="6480720"/>
+          </a:xfrm>
+        </p:spPr>
+        <p:txBody>
+          <a:bodyPr>
+            <a:noAutofit/>
+          </a:bodyPr>
+          <a:lstStyle/>
+          <a:p>
+            <a:endParaRPr lang="en-GB" sz="5400" dirty="0">
+              <a:solidFill>
+                <a:schemeClr val="bg1"/>
+              </a:solidFill>
+            </a:endParaRPr>
+          </a:p>
+          <a:p>
+            <a:r>
+              <a:rPr lang="en-GB" sz="4400" b="0" i="0" dirty="0">
+                <a:solidFill>
+                  <a:srgbClr val="00A3E0"/>
+                </a:solidFill>
+                <a:effectLst/>
+                <a:latin typeface="akagi_probook"/>
+              </a:rPr>
+              <a:t>Turn It Up</a:t>
+            </a:r>
+          </a:p>
+          <a:p>
+            <a:br>
+              <a:rPr lang="en-GB" sz="1200" dirty="0">
+                <a:solidFill>
+                  <a:schemeClr val="bg1"/>
+                </a:solidFill>
+              </a:rPr>
+            </a:br>
+            <a:r>
+              <a:rPr lang="en-GB" sz="1200" dirty="0">
+                <a:solidFill>
+                  <a:schemeClr val="bg1"/>
+                </a:solidFill>
+              </a:rPr>
+              <a:t>CCLI Song # 6621485</a:t>
+            </a:r>
+          </a:p>
+          <a:p>
+            <a:endParaRPr lang="en-GB" sz="1200" dirty="0">
+              <a:solidFill>
+                <a:schemeClr val="bg1"/>
+              </a:solidFill>
+            </a:endParaRPr>
+          </a:p>
+          <a:p>
+            <a:r>
+              <a:rPr lang="en-GB" sz="1200" dirty="0">
+                <a:solidFill>
+                  <a:schemeClr val="bg1"/>
+                </a:solidFill>
+              </a:rPr>
+              <a:t>Andy Harrison</a:t>
+            </a:r>
+          </a:p>
+          <a:p>
+            <a:endParaRPr lang="en-GB" sz="1200" dirty="0">
+              <a:solidFill>
+                <a:schemeClr val="bg1"/>
+              </a:solidFill>
+            </a:endParaRPr>
+          </a:p>
+          <a:p>
+            <a:r>
+              <a:rPr lang="en-GB" sz="1200" dirty="0">
+                <a:solidFill>
+                  <a:schemeClr val="bg1"/>
+                </a:solidFill>
+              </a:rPr>
+              <a:t>© 2012 </a:t>
+            </a:r>
+            <a:r>
+              <a:rPr lang="en-GB" sz="1200" dirty="0" err="1">
+                <a:solidFill>
+                  <a:schemeClr val="bg1"/>
+                </a:solidFill>
+              </a:rPr>
+              <a:t>Planetshakers</a:t>
+            </a:r>
+            <a:r>
+              <a:rPr lang="en-GB" sz="1200" dirty="0">
+                <a:solidFill>
+                  <a:schemeClr val="bg1"/>
+                </a:solidFill>
+              </a:rPr>
+              <a:t> Ministries Int. Inc. (Admin. by Song Solutions www.songsolutions.org)</a:t>
+            </a:r>
+          </a:p>
+          <a:p>
+            <a:r>
+              <a:rPr lang="en-GB" sz="1200" dirty="0">
+                <a:solidFill>
+                  <a:schemeClr val="bg1"/>
+                </a:solidFill>
+              </a:rPr>
+              <a:t>For use solely with the </a:t>
+            </a:r>
+            <a:r>
+              <a:rPr lang="en-GB" sz="1200" dirty="0" err="1">
+                <a:solidFill>
+                  <a:schemeClr val="bg1"/>
+                </a:solidFill>
+              </a:rPr>
+              <a:t>SongSelect</a:t>
+            </a:r>
+            <a:r>
+              <a:rPr lang="en-GB" sz="1200" dirty="0">
+                <a:solidFill>
+                  <a:schemeClr val="bg1"/>
+                </a:solidFill>
+              </a:rPr>
+              <a:t>® Terms of Use. All rights reserved. www.ccli.com</a:t>
+            </a:r>
+          </a:p>
+          <a:p>
+            <a:endParaRPr lang="en-GB" sz="1200" dirty="0">
+              <a:solidFill>
+                <a:schemeClr val="bg1"/>
+              </a:solidFill>
+            </a:endParaRPr>
+          </a:p>
+          <a:p>
+            <a:r>
+              <a:rPr lang="en-GB" sz="1200" dirty="0">
+                <a:solidFill>
+                  <a:schemeClr val="bg1"/>
+                </a:solidFill>
+              </a:rPr>
+              <a:t>CCLI Licence No. 33265</a:t>
+            </a:r>
+          </a:p>
+        </p:txBody>
+      </p:sp>
+    </p:spTree>
+    <p:extLst>
+      <p:ext uri="{BB962C8B-B14F-4D97-AF65-F5344CB8AC3E}">
+        <p14:creationId xmlns:p14="http://schemas.microsoft.com/office/powerpoint/2010/main" val="2940382954"/>
+      </p:ext>
+    </p:extLst>
+  </p:cSld>
+  <p:clrMapOvr>
+    <a:masterClrMapping/>
+  </p:clrMapOvr>
+</p:sld>
+</file>
+
+<file path=ppt/slides/slide20.xml><?xml version="1.0" encoding="utf-8"?>
+<p:sld xmlns:a="http://schemas.openxmlformats.org/drawingml/2006/main" xmlns:r="http://schemas.openxmlformats.org/officeDocument/2006/relationships" xmlns:p="http://schemas.openxmlformats.org/presentationml/2006/main">
+  <p:cSld>
+    <p:spTree>
+      <p:nvGrpSpPr>
+        <p:cNvPr id="1" name=""/>
+        <p:cNvGrpSpPr/>
+        <p:nvPr/>
+      </p:nvGrpSpPr>
+      <p:grpSpPr>
+        <a:xfrm>
+          <a:off x="0" y="0"/>
+          <a:ext cx="0" cy="0"/>
+          <a:chOff x="0" y="0"/>
+          <a:chExt cx="0" cy="0"/>
+        </a:xfrm>
+      </p:grpSpPr>
+      <p:sp>
+        <p:nvSpPr>
+          <p:cNvPr id="3" name="Subtitle 2"/>
+          <p:cNvSpPr>
+            <a:spLocks noGrp="1"/>
+          </p:cNvSpPr>
+          <p:nvPr>
+            <p:ph type="subTitle" idx="1"/>
+          </p:nvPr>
+        </p:nvSpPr>
+        <p:spPr>
+          <a:xfrm>
+            <a:off x="323528" y="188640"/>
+            <a:ext cx="8640960" cy="6480720"/>
+          </a:xfrm>
+        </p:spPr>
+        <p:txBody>
+          <a:bodyPr>
+            <a:noAutofit/>
+          </a:bodyPr>
+          <a:lstStyle/>
+          <a:p>
+            <a:r>
+              <a:rPr lang="en-GB" sz="4800" dirty="0">
+                <a:solidFill>
+                  <a:schemeClr val="bg1"/>
+                </a:solidFill>
+              </a:rPr>
+              <a:t>I raise a hallelujah with everything inside of me</a:t>
+            </a:r>
+            <a:br>
+              <a:rPr lang="en-GB" sz="4800" dirty="0">
+                <a:solidFill>
+                  <a:schemeClr val="bg1"/>
+                </a:solidFill>
+              </a:rPr>
+            </a:br>
+            <a:r>
+              <a:rPr lang="en-GB" sz="4800" dirty="0">
+                <a:solidFill>
+                  <a:schemeClr val="bg1"/>
+                </a:solidFill>
+              </a:rPr>
+              <a:t>I raise a hallelujah I will watch the darkness flee</a:t>
+            </a:r>
+            <a:br>
+              <a:rPr lang="en-GB" sz="4800" dirty="0">
+                <a:solidFill>
+                  <a:schemeClr val="bg1"/>
+                </a:solidFill>
+              </a:rPr>
+            </a:br>
+            <a:r>
+              <a:rPr lang="en-GB" sz="4800" dirty="0">
+                <a:solidFill>
+                  <a:schemeClr val="bg1"/>
+                </a:solidFill>
+              </a:rPr>
+              <a:t>I raise a hallelujah in the middle of the mystery</a:t>
+            </a:r>
+            <a:br>
+              <a:rPr lang="en-GB" sz="4800" dirty="0">
+                <a:solidFill>
+                  <a:schemeClr val="bg1"/>
+                </a:solidFill>
+              </a:rPr>
+            </a:br>
+            <a:r>
+              <a:rPr lang="en-GB" sz="4800" dirty="0">
+                <a:solidFill>
+                  <a:schemeClr val="bg1"/>
+                </a:solidFill>
+              </a:rPr>
+              <a:t>I raise a hallelujah fear you lost your hold on me</a:t>
+            </a:r>
+          </a:p>
+        </p:txBody>
+      </p:sp>
+      <p:sp>
+        <p:nvSpPr>
+          <p:cNvPr id="4" name="TextBox 3"/>
+          <p:cNvSpPr txBox="1"/>
+          <p:nvPr/>
+        </p:nvSpPr>
+        <p:spPr>
+          <a:xfrm>
+            <a:off x="8529729" y="0"/>
+            <a:ext cx="628698" cy="461665"/>
+          </a:xfrm>
+          <a:prstGeom prst="rect">
+            <a:avLst/>
+          </a:prstGeom>
+          <a:noFill/>
+        </p:spPr>
+        <p:txBody>
+          <a:bodyPr wrap="none" rtlCol="0">
+            <a:spAutoFit/>
+          </a:bodyPr>
+          <a:lstStyle/>
+          <a:p>
+            <a:r>
+              <a:rPr lang="en-GB" sz="2400" b="1" dirty="0">
+                <a:solidFill>
+                  <a:schemeClr val="bg1"/>
+                </a:solidFill>
+              </a:rPr>
+              <a:t>3/7</a:t>
+            </a:r>
+          </a:p>
+        </p:txBody>
+      </p:sp>
+    </p:spTree>
+  </p:cSld>
+  <p:clrMapOvr>
+    <a:masterClrMapping/>
+  </p:clrMapOvr>
+</p:sld>
+</file>
+
+<file path=ppt/slides/slide21.xml><?xml version="1.0" encoding="utf-8"?>
+<p:sld xmlns:a="http://schemas.openxmlformats.org/drawingml/2006/main" xmlns:r="http://schemas.openxmlformats.org/officeDocument/2006/relationships" xmlns:p="http://schemas.openxmlformats.org/presentationml/2006/main">
+  <p:cSld>
+    <p:spTree>
+      <p:nvGrpSpPr>
+        <p:cNvPr id="1" name=""/>
+        <p:cNvGrpSpPr/>
+        <p:nvPr/>
+      </p:nvGrpSpPr>
+      <p:grpSpPr>
+        <a:xfrm>
+          <a:off x="0" y="0"/>
+          <a:ext cx="0" cy="0"/>
+          <a:chOff x="0" y="0"/>
+          <a:chExt cx="0" cy="0"/>
+        </a:xfrm>
+      </p:grpSpPr>
+      <p:sp>
+        <p:nvSpPr>
+          <p:cNvPr id="3" name="Subtitle 2"/>
+          <p:cNvSpPr>
+            <a:spLocks noGrp="1"/>
+          </p:cNvSpPr>
+          <p:nvPr>
+            <p:ph type="subTitle" idx="1"/>
+          </p:nvPr>
+        </p:nvSpPr>
+        <p:spPr>
+          <a:xfrm>
+            <a:off x="323528" y="188640"/>
+            <a:ext cx="8640960" cy="6480720"/>
+          </a:xfrm>
+        </p:spPr>
+        <p:txBody>
+          <a:bodyPr>
+            <a:noAutofit/>
+          </a:bodyPr>
+          <a:lstStyle/>
+          <a:p>
+            <a:endParaRPr lang="en-GB" sz="5400" dirty="0">
+              <a:solidFill>
+                <a:schemeClr val="bg1"/>
+              </a:solidFill>
+            </a:endParaRPr>
+          </a:p>
+          <a:p>
+            <a:r>
+              <a:rPr lang="en-GB" sz="5400" dirty="0">
+                <a:solidFill>
+                  <a:schemeClr val="bg1"/>
+                </a:solidFill>
+              </a:rPr>
+              <a:t>Sing a little louder </a:t>
+            </a:r>
+            <a:br>
+              <a:rPr lang="en-GB" sz="5400" dirty="0">
+                <a:solidFill>
+                  <a:schemeClr val="bg1"/>
+                </a:solidFill>
+              </a:rPr>
+            </a:br>
+            <a:r>
+              <a:rPr lang="en-GB" sz="5400" dirty="0">
+                <a:solidFill>
+                  <a:schemeClr val="bg1"/>
+                </a:solidFill>
+              </a:rPr>
+              <a:t>(Sing a little louder)</a:t>
+            </a:r>
+            <a:br>
+              <a:rPr lang="en-GB" sz="5400" dirty="0">
+                <a:solidFill>
+                  <a:schemeClr val="bg1"/>
+                </a:solidFill>
+              </a:rPr>
+            </a:br>
+            <a:r>
+              <a:rPr lang="en-GB" sz="5400" dirty="0">
+                <a:solidFill>
+                  <a:schemeClr val="bg1"/>
+                </a:solidFill>
+              </a:rPr>
+              <a:t>Sing a little louder </a:t>
+            </a:r>
+            <a:br>
+              <a:rPr lang="en-GB" sz="5400" dirty="0">
+                <a:solidFill>
+                  <a:schemeClr val="bg1"/>
+                </a:solidFill>
+              </a:rPr>
+            </a:br>
+            <a:r>
+              <a:rPr lang="en-GB" sz="5400" dirty="0">
+                <a:solidFill>
+                  <a:schemeClr val="bg1"/>
+                </a:solidFill>
+              </a:rPr>
+              <a:t>(Sing a little louder)</a:t>
+            </a:r>
+            <a:br>
+              <a:rPr lang="en-GB" sz="5400" dirty="0">
+                <a:solidFill>
+                  <a:schemeClr val="bg1"/>
+                </a:solidFill>
+              </a:rPr>
+            </a:br>
+            <a:endParaRPr lang="en-GB" sz="5400" dirty="0">
+              <a:solidFill>
+                <a:schemeClr val="bg1"/>
+              </a:solidFill>
+            </a:endParaRPr>
+          </a:p>
+        </p:txBody>
+      </p:sp>
+      <p:sp>
+        <p:nvSpPr>
+          <p:cNvPr id="4" name="TextBox 3"/>
+          <p:cNvSpPr txBox="1"/>
+          <p:nvPr/>
+        </p:nvSpPr>
+        <p:spPr>
+          <a:xfrm>
+            <a:off x="8529729" y="0"/>
+            <a:ext cx="628698" cy="461665"/>
+          </a:xfrm>
+          <a:prstGeom prst="rect">
+            <a:avLst/>
+          </a:prstGeom>
+          <a:noFill/>
+        </p:spPr>
+        <p:txBody>
+          <a:bodyPr wrap="none" rtlCol="0">
+            <a:spAutoFit/>
+          </a:bodyPr>
+          <a:lstStyle/>
+          <a:p>
+            <a:r>
+              <a:rPr lang="en-GB" sz="2400" b="1" dirty="0">
+                <a:solidFill>
+                  <a:schemeClr val="bg1"/>
+                </a:solidFill>
+              </a:rPr>
+              <a:t>4/7</a:t>
+            </a:r>
+          </a:p>
+        </p:txBody>
+      </p:sp>
+    </p:spTree>
+  </p:cSld>
+  <p:clrMapOvr>
+    <a:masterClrMapping/>
+  </p:clrMapOvr>
+</p:sld>
+</file>
+
+<file path=ppt/slides/slide22.xml><?xml version="1.0" encoding="utf-8"?>
+<p:sld xmlns:a="http://schemas.openxmlformats.org/drawingml/2006/main" xmlns:r="http://schemas.openxmlformats.org/officeDocument/2006/relationships" xmlns:p="http://schemas.openxmlformats.org/presentationml/2006/main">
+  <p:cSld>
+    <p:spTree>
+      <p:nvGrpSpPr>
+        <p:cNvPr id="1" name=""/>
+        <p:cNvGrpSpPr/>
+        <p:nvPr/>
+      </p:nvGrpSpPr>
+      <p:grpSpPr>
+        <a:xfrm>
+          <a:off x="0" y="0"/>
+          <a:ext cx="0" cy="0"/>
+          <a:chOff x="0" y="0"/>
+          <a:chExt cx="0" cy="0"/>
+        </a:xfrm>
+      </p:grpSpPr>
+      <p:sp>
+        <p:nvSpPr>
+          <p:cNvPr id="3" name="Subtitle 2"/>
+          <p:cNvSpPr>
+            <a:spLocks noGrp="1"/>
+          </p:cNvSpPr>
+          <p:nvPr>
+            <p:ph type="subTitle" idx="1"/>
+          </p:nvPr>
+        </p:nvSpPr>
+        <p:spPr>
+          <a:xfrm>
+            <a:off x="323528" y="188640"/>
+            <a:ext cx="8640960" cy="6480720"/>
+          </a:xfrm>
+        </p:spPr>
+        <p:txBody>
+          <a:bodyPr>
+            <a:noAutofit/>
+          </a:bodyPr>
+          <a:lstStyle/>
+          <a:p>
+            <a:r>
+              <a:rPr lang="en-GB" sz="5400" dirty="0">
+                <a:solidFill>
+                  <a:schemeClr val="bg1"/>
+                </a:solidFill>
+              </a:rPr>
+              <a:t>Sing a little louder in the presence of my enemies</a:t>
+            </a:r>
+            <a:br>
+              <a:rPr lang="en-GB" sz="5400" dirty="0">
+                <a:solidFill>
+                  <a:schemeClr val="bg1"/>
+                </a:solidFill>
+              </a:rPr>
+            </a:br>
+            <a:r>
+              <a:rPr lang="en-GB" sz="5400" dirty="0">
+                <a:solidFill>
+                  <a:schemeClr val="bg1"/>
+                </a:solidFill>
+              </a:rPr>
+              <a:t>Sing a little louder </a:t>
+            </a:r>
+            <a:r>
+              <a:rPr lang="en-GB" sz="5400" dirty="0" err="1">
+                <a:solidFill>
+                  <a:schemeClr val="bg1"/>
+                </a:solidFill>
+              </a:rPr>
+              <a:t>louder</a:t>
+            </a:r>
+            <a:r>
+              <a:rPr lang="en-GB" sz="5400" dirty="0">
+                <a:solidFill>
+                  <a:schemeClr val="bg1"/>
+                </a:solidFill>
+              </a:rPr>
+              <a:t> than the unbelief</a:t>
+            </a:r>
+            <a:br>
+              <a:rPr lang="en-GB" sz="5400" dirty="0">
+                <a:solidFill>
+                  <a:schemeClr val="bg1"/>
+                </a:solidFill>
+              </a:rPr>
+            </a:br>
+            <a:r>
+              <a:rPr lang="en-GB" sz="5400" dirty="0">
+                <a:solidFill>
+                  <a:schemeClr val="bg1"/>
+                </a:solidFill>
+              </a:rPr>
+              <a:t>Sing a little louder my weapon is a melody</a:t>
+            </a:r>
+            <a:br>
+              <a:rPr lang="en-GB" sz="5400" dirty="0">
+                <a:solidFill>
+                  <a:schemeClr val="bg1"/>
+                </a:solidFill>
+              </a:rPr>
+            </a:br>
+            <a:r>
+              <a:rPr lang="en-GB" sz="5400" dirty="0">
+                <a:solidFill>
+                  <a:schemeClr val="bg1"/>
+                </a:solidFill>
+              </a:rPr>
+              <a:t>Sing a little louder Heaven comes to fight for me</a:t>
+            </a:r>
+          </a:p>
+        </p:txBody>
+      </p:sp>
+      <p:sp>
+        <p:nvSpPr>
+          <p:cNvPr id="4" name="TextBox 3"/>
+          <p:cNvSpPr txBox="1"/>
+          <p:nvPr/>
+        </p:nvSpPr>
+        <p:spPr>
+          <a:xfrm>
+            <a:off x="8529729" y="0"/>
+            <a:ext cx="628698" cy="461665"/>
+          </a:xfrm>
+          <a:prstGeom prst="rect">
+            <a:avLst/>
+          </a:prstGeom>
+          <a:noFill/>
+        </p:spPr>
+        <p:txBody>
+          <a:bodyPr wrap="none" rtlCol="0">
+            <a:spAutoFit/>
+          </a:bodyPr>
+          <a:lstStyle/>
+          <a:p>
+            <a:r>
+              <a:rPr lang="en-GB" sz="2400" b="1" dirty="0">
+                <a:solidFill>
+                  <a:schemeClr val="bg1"/>
+                </a:solidFill>
+              </a:rPr>
+              <a:t>5/7</a:t>
+            </a:r>
+          </a:p>
+        </p:txBody>
+      </p:sp>
+    </p:spTree>
+  </p:cSld>
+  <p:clrMapOvr>
+    <a:masterClrMapping/>
+  </p:clrMapOvr>
+</p:sld>
+</file>
+
+<file path=ppt/slides/slide23.xml><?xml version="1.0" encoding="utf-8"?>
+<p:sld xmlns:a="http://schemas.openxmlformats.org/drawingml/2006/main" xmlns:r="http://schemas.openxmlformats.org/officeDocument/2006/relationships" xmlns:p="http://schemas.openxmlformats.org/presentationml/2006/main">
+  <p:cSld>
+    <p:spTree>
+      <p:nvGrpSpPr>
+        <p:cNvPr id="1" name=""/>
+        <p:cNvGrpSpPr/>
+        <p:nvPr/>
+      </p:nvGrpSpPr>
+      <p:grpSpPr>
+        <a:xfrm>
+          <a:off x="0" y="0"/>
+          <a:ext cx="0" cy="0"/>
+          <a:chOff x="0" y="0"/>
+          <a:chExt cx="0" cy="0"/>
+        </a:xfrm>
+      </p:grpSpPr>
+      <p:sp>
+        <p:nvSpPr>
+          <p:cNvPr id="3" name="Subtitle 2"/>
+          <p:cNvSpPr>
+            <a:spLocks noGrp="1"/>
+          </p:cNvSpPr>
+          <p:nvPr>
+            <p:ph type="subTitle" idx="1"/>
+          </p:nvPr>
+        </p:nvSpPr>
+        <p:spPr>
+          <a:xfrm>
+            <a:off x="323528" y="188640"/>
+            <a:ext cx="8640960" cy="6480720"/>
+          </a:xfrm>
+        </p:spPr>
+        <p:txBody>
+          <a:bodyPr>
+            <a:noAutofit/>
+          </a:bodyPr>
+          <a:lstStyle/>
+          <a:p>
+            <a:r>
+              <a:rPr lang="en-GB" sz="5400" dirty="0">
+                <a:solidFill>
+                  <a:schemeClr val="bg1"/>
+                </a:solidFill>
+              </a:rPr>
+              <a:t>I’m </a:t>
+            </a:r>
+            <a:r>
+              <a:rPr lang="en-GB" sz="5400" dirty="0" err="1">
+                <a:solidFill>
+                  <a:schemeClr val="bg1"/>
+                </a:solidFill>
+              </a:rPr>
+              <a:t>gonna</a:t>
+            </a:r>
+            <a:r>
+              <a:rPr lang="en-GB" sz="5400" dirty="0">
+                <a:solidFill>
+                  <a:schemeClr val="bg1"/>
+                </a:solidFill>
+              </a:rPr>
+              <a:t> sing in the middle of the storm</a:t>
+            </a:r>
+            <a:br>
+              <a:rPr lang="en-GB" sz="5400" dirty="0">
+                <a:solidFill>
+                  <a:schemeClr val="bg1"/>
+                </a:solidFill>
+              </a:rPr>
+            </a:br>
+            <a:r>
+              <a:rPr lang="en-GB" sz="5400" dirty="0">
+                <a:solidFill>
+                  <a:schemeClr val="bg1"/>
+                </a:solidFill>
+              </a:rPr>
+              <a:t>Louder and louder you’re </a:t>
+            </a:r>
+            <a:r>
+              <a:rPr lang="en-GB" sz="5400" dirty="0" err="1">
+                <a:solidFill>
+                  <a:schemeClr val="bg1"/>
+                </a:solidFill>
+              </a:rPr>
+              <a:t>gonna</a:t>
+            </a:r>
+            <a:r>
+              <a:rPr lang="en-GB" sz="5400" dirty="0">
+                <a:solidFill>
+                  <a:schemeClr val="bg1"/>
+                </a:solidFill>
+              </a:rPr>
+              <a:t> hear my praises roar</a:t>
+            </a:r>
+            <a:br>
+              <a:rPr lang="en-GB" sz="5400" dirty="0">
+                <a:solidFill>
+                  <a:schemeClr val="bg1"/>
+                </a:solidFill>
+              </a:rPr>
+            </a:br>
+            <a:r>
+              <a:rPr lang="en-GB" sz="5400" dirty="0">
+                <a:solidFill>
+                  <a:schemeClr val="bg1"/>
+                </a:solidFill>
+              </a:rPr>
+              <a:t>Up from the ashes hope will arise</a:t>
+            </a:r>
+            <a:br>
+              <a:rPr lang="en-GB" sz="5400" dirty="0">
+                <a:solidFill>
+                  <a:schemeClr val="bg1"/>
+                </a:solidFill>
+              </a:rPr>
+            </a:br>
+            <a:r>
+              <a:rPr lang="en-GB" sz="5400" dirty="0">
+                <a:solidFill>
+                  <a:schemeClr val="bg1"/>
+                </a:solidFill>
+              </a:rPr>
+              <a:t>Death is defeated the King is alive</a:t>
+            </a:r>
+          </a:p>
+        </p:txBody>
+      </p:sp>
+      <p:sp>
+        <p:nvSpPr>
+          <p:cNvPr id="4" name="TextBox 3"/>
+          <p:cNvSpPr txBox="1"/>
+          <p:nvPr/>
+        </p:nvSpPr>
+        <p:spPr>
+          <a:xfrm>
+            <a:off x="8529729" y="0"/>
+            <a:ext cx="628698" cy="461665"/>
+          </a:xfrm>
+          <a:prstGeom prst="rect">
+            <a:avLst/>
+          </a:prstGeom>
+          <a:noFill/>
+        </p:spPr>
+        <p:txBody>
+          <a:bodyPr wrap="none" rtlCol="0">
+            <a:spAutoFit/>
+          </a:bodyPr>
+          <a:lstStyle/>
+          <a:p>
+            <a:r>
+              <a:rPr lang="en-GB" sz="2400" b="1" dirty="0">
+                <a:solidFill>
+                  <a:schemeClr val="bg1"/>
+                </a:solidFill>
+              </a:rPr>
+              <a:t>6/7</a:t>
+            </a:r>
+          </a:p>
+        </p:txBody>
+      </p:sp>
+    </p:spTree>
+  </p:cSld>
+  <p:clrMapOvr>
+    <a:masterClrMapping/>
+  </p:clrMapOvr>
+</p:sld>
+</file>
+
+<file path=ppt/slides/slide24.xml><?xml version="1.0" encoding="utf-8"?>
+<p:sld xmlns:a="http://schemas.openxmlformats.org/drawingml/2006/main" xmlns:r="http://schemas.openxmlformats.org/officeDocument/2006/relationships" xmlns:p="http://schemas.openxmlformats.org/presentationml/2006/main">
+  <p:cSld>
+    <p:spTree>
+      <p:nvGrpSpPr>
+        <p:cNvPr id="1" name=""/>
+        <p:cNvGrpSpPr/>
+        <p:nvPr/>
+      </p:nvGrpSpPr>
+      <p:grpSpPr>
+        <a:xfrm>
+          <a:off x="0" y="0"/>
+          <a:ext cx="0" cy="0"/>
+          <a:chOff x="0" y="0"/>
+          <a:chExt cx="0" cy="0"/>
+        </a:xfrm>
+      </p:grpSpPr>
+      <p:sp>
+        <p:nvSpPr>
+          <p:cNvPr id="3" name="Subtitle 2"/>
+          <p:cNvSpPr>
+            <a:spLocks noGrp="1"/>
+          </p:cNvSpPr>
+          <p:nvPr>
+            <p:ph type="subTitle" idx="1"/>
+          </p:nvPr>
+        </p:nvSpPr>
+        <p:spPr>
+          <a:xfrm>
+            <a:off x="323528" y="188640"/>
+            <a:ext cx="8640960" cy="6480720"/>
+          </a:xfrm>
+        </p:spPr>
+        <p:txBody>
+          <a:bodyPr>
+            <a:noAutofit/>
+          </a:bodyPr>
+          <a:lstStyle/>
+          <a:p>
+            <a:r>
+              <a:rPr lang="en-GB" sz="4800" dirty="0">
+                <a:solidFill>
+                  <a:schemeClr val="bg1"/>
+                </a:solidFill>
+              </a:rPr>
+              <a:t>I raise a hallelujah in the presence of my enemies</a:t>
+            </a:r>
+            <a:br>
+              <a:rPr lang="en-GB" sz="4800" dirty="0">
+                <a:solidFill>
+                  <a:schemeClr val="bg1"/>
+                </a:solidFill>
+              </a:rPr>
+            </a:br>
+            <a:r>
+              <a:rPr lang="en-GB" sz="4800" dirty="0">
+                <a:solidFill>
+                  <a:schemeClr val="bg1"/>
+                </a:solidFill>
+              </a:rPr>
+              <a:t>I raise a hallelujah louder than the unbelief</a:t>
+            </a:r>
+            <a:br>
+              <a:rPr lang="en-GB" sz="4800" dirty="0">
+                <a:solidFill>
+                  <a:schemeClr val="bg1"/>
+                </a:solidFill>
+              </a:rPr>
+            </a:br>
+            <a:r>
+              <a:rPr lang="en-GB" sz="4800" dirty="0">
+                <a:solidFill>
+                  <a:schemeClr val="bg1"/>
+                </a:solidFill>
+              </a:rPr>
+              <a:t>I raise a hallelujah my weapon is a melody</a:t>
+            </a:r>
+            <a:br>
+              <a:rPr lang="en-GB" sz="4800" dirty="0">
+                <a:solidFill>
+                  <a:schemeClr val="bg1"/>
+                </a:solidFill>
+              </a:rPr>
+            </a:br>
+            <a:r>
+              <a:rPr lang="en-GB" sz="4800" dirty="0">
+                <a:solidFill>
+                  <a:schemeClr val="bg1"/>
+                </a:solidFill>
+              </a:rPr>
+              <a:t>I raise a hallelujah Heaven comes to fight for me</a:t>
+            </a:r>
+          </a:p>
+        </p:txBody>
+      </p:sp>
+      <p:sp>
+        <p:nvSpPr>
+          <p:cNvPr id="4" name="TextBox 3"/>
+          <p:cNvSpPr txBox="1"/>
+          <p:nvPr/>
+        </p:nvSpPr>
+        <p:spPr>
+          <a:xfrm>
+            <a:off x="8529729" y="0"/>
+            <a:ext cx="628698" cy="461665"/>
+          </a:xfrm>
+          <a:prstGeom prst="rect">
+            <a:avLst/>
+          </a:prstGeom>
+          <a:noFill/>
+        </p:spPr>
+        <p:txBody>
+          <a:bodyPr wrap="none" rtlCol="0">
+            <a:spAutoFit/>
+          </a:bodyPr>
+          <a:lstStyle/>
+          <a:p>
+            <a:r>
+              <a:rPr lang="en-GB" sz="2400" b="1" dirty="0">
+                <a:solidFill>
+                  <a:schemeClr val="bg1"/>
+                </a:solidFill>
+              </a:rPr>
+              <a:t>7/7</a:t>
+            </a:r>
+          </a:p>
+        </p:txBody>
+      </p:sp>
+    </p:spTree>
+  </p:cSld>
+  <p:clrMapOvr>
+    <a:masterClrMapping/>
+  </p:clrMapOvr>
+</p:sld>
+</file>
+
+<file path=ppt/slides/slide25.xml><?xml version="1.0" encoding="utf-8"?>
 <p:sld xmlns:a="http://schemas.openxmlformats.org/drawingml/2006/main" xmlns:r="http://schemas.openxmlformats.org/officeDocument/2006/relationships" xmlns:p="http://schemas.openxmlformats.org/presentationml/2006/main">
   <p:cSld>
     <p:spTree>
@@ -5250,1038 +6313,9 @@
     </p:spTree>
     <p:extLst>
       <p:ext uri="{BB962C8B-B14F-4D97-AF65-F5344CB8AC3E}">
-        <p14:creationId xmlns:p14="http://schemas.microsoft.com/office/powerpoint/2010/main" val="3484319137"/>
+        <p14:creationId xmlns:p14="http://schemas.microsoft.com/office/powerpoint/2010/main" val="592388496"/>
       </p:ext>
     </p:extLst>
-  </p:cSld>
-  <p:clrMapOvr>
-    <a:masterClrMapping/>
-  </p:clrMapOvr>
-</p:sld>
-</file>
-
-<file path=ppt/slides/slide20.xml><?xml version="1.0" encoding="utf-8"?>
-<p:sld xmlns:a="http://schemas.openxmlformats.org/drawingml/2006/main" xmlns:r="http://schemas.openxmlformats.org/officeDocument/2006/relationships" xmlns:p="http://schemas.openxmlformats.org/presentationml/2006/main">
-  <p:cSld>
-    <p:spTree>
-      <p:nvGrpSpPr>
-        <p:cNvPr id="1" name=""/>
-        <p:cNvGrpSpPr/>
-        <p:nvPr/>
-      </p:nvGrpSpPr>
-      <p:grpSpPr>
-        <a:xfrm>
-          <a:off x="0" y="0"/>
-          <a:ext cx="0" cy="0"/>
-          <a:chOff x="0" y="0"/>
-          <a:chExt cx="0" cy="0"/>
-        </a:xfrm>
-      </p:grpSpPr>
-      <p:sp>
-        <p:nvSpPr>
-          <p:cNvPr id="3" name="Subtitle 2"/>
-          <p:cNvSpPr>
-            <a:spLocks noGrp="1"/>
-          </p:cNvSpPr>
-          <p:nvPr>
-            <p:ph type="subTitle" idx="1"/>
-          </p:nvPr>
-        </p:nvSpPr>
-        <p:spPr>
-          <a:xfrm>
-            <a:off x="323528" y="116632"/>
-            <a:ext cx="8640960" cy="6480720"/>
-          </a:xfrm>
-        </p:spPr>
-        <p:txBody>
-          <a:bodyPr>
-            <a:noAutofit/>
-          </a:bodyPr>
-          <a:lstStyle/>
-          <a:p>
-            <a:r>
-              <a:rPr lang="en-GB" sz="4800" dirty="0">
-                <a:solidFill>
-                  <a:schemeClr val="bg1"/>
-                </a:solidFill>
-              </a:rPr>
-              <a:t>So open up the gates</a:t>
-            </a:r>
-            <a:br>
-              <a:rPr lang="en-GB" sz="4800" dirty="0">
-                <a:solidFill>
-                  <a:schemeClr val="bg1"/>
-                </a:solidFill>
-              </a:rPr>
-            </a:br>
-            <a:r>
-              <a:rPr lang="en-GB" sz="4800" dirty="0">
-                <a:solidFill>
-                  <a:schemeClr val="bg1"/>
-                </a:solidFill>
-              </a:rPr>
-              <a:t>Make way before the King of kings</a:t>
-            </a:r>
-            <a:br>
-              <a:rPr lang="en-GB" sz="4800" dirty="0">
-                <a:solidFill>
-                  <a:schemeClr val="bg1"/>
-                </a:solidFill>
-              </a:rPr>
-            </a:br>
-            <a:r>
-              <a:rPr lang="en-GB" sz="4800" dirty="0">
-                <a:solidFill>
-                  <a:schemeClr val="bg1"/>
-                </a:solidFill>
-              </a:rPr>
-              <a:t>The God who comes to save</a:t>
-            </a:r>
-            <a:br>
-              <a:rPr lang="en-GB" sz="4800" dirty="0">
-                <a:solidFill>
-                  <a:schemeClr val="bg1"/>
-                </a:solidFill>
-              </a:rPr>
-            </a:br>
-            <a:r>
-              <a:rPr lang="en-GB" sz="4800" dirty="0">
-                <a:solidFill>
-                  <a:schemeClr val="bg1"/>
-                </a:solidFill>
-              </a:rPr>
-              <a:t>Is here to set the captives free</a:t>
-            </a:r>
-            <a:br>
-              <a:rPr lang="en-GB" sz="4800" dirty="0">
-                <a:solidFill>
-                  <a:schemeClr val="bg1"/>
-                </a:solidFill>
-              </a:rPr>
-            </a:br>
-            <a:r>
-              <a:rPr lang="en-GB" sz="4800" dirty="0">
-                <a:solidFill>
-                  <a:schemeClr val="bg1"/>
-                </a:solidFill>
-              </a:rPr>
-              <a:t>For who can stop the Lord Almighty</a:t>
-            </a:r>
-            <a:br>
-              <a:rPr lang="en-GB" sz="4800" dirty="0">
-                <a:solidFill>
-                  <a:schemeClr val="bg1"/>
-                </a:solidFill>
-              </a:rPr>
-            </a:br>
-            <a:endParaRPr lang="en-GB" sz="4600" dirty="0">
-              <a:solidFill>
-                <a:schemeClr val="bg1"/>
-              </a:solidFill>
-            </a:endParaRPr>
-          </a:p>
-        </p:txBody>
-      </p:sp>
-      <p:sp>
-        <p:nvSpPr>
-          <p:cNvPr id="4" name="TextBox 3"/>
-          <p:cNvSpPr txBox="1"/>
-          <p:nvPr/>
-        </p:nvSpPr>
-        <p:spPr>
-          <a:xfrm>
-            <a:off x="8529729" y="0"/>
-            <a:ext cx="628698" cy="461665"/>
-          </a:xfrm>
-          <a:prstGeom prst="rect">
-            <a:avLst/>
-          </a:prstGeom>
-          <a:noFill/>
-        </p:spPr>
-        <p:txBody>
-          <a:bodyPr wrap="none" rtlCol="0">
-            <a:spAutoFit/>
-          </a:bodyPr>
-          <a:lstStyle/>
-          <a:p>
-            <a:r>
-              <a:rPr lang="en-GB" sz="2400" b="1" dirty="0">
-                <a:solidFill>
-                  <a:schemeClr val="bg1"/>
-                </a:solidFill>
-              </a:rPr>
-              <a:t>3/6</a:t>
-            </a:r>
-          </a:p>
-        </p:txBody>
-      </p:sp>
-    </p:spTree>
-  </p:cSld>
-  <p:clrMapOvr>
-    <a:masterClrMapping/>
-  </p:clrMapOvr>
-</p:sld>
-</file>
-
-<file path=ppt/slides/slide21.xml><?xml version="1.0" encoding="utf-8"?>
-<p:sld xmlns:a="http://schemas.openxmlformats.org/drawingml/2006/main" xmlns:r="http://schemas.openxmlformats.org/officeDocument/2006/relationships" xmlns:p="http://schemas.openxmlformats.org/presentationml/2006/main">
-  <p:cSld>
-    <p:spTree>
-      <p:nvGrpSpPr>
-        <p:cNvPr id="1" name=""/>
-        <p:cNvGrpSpPr/>
-        <p:nvPr/>
-      </p:nvGrpSpPr>
-      <p:grpSpPr>
-        <a:xfrm>
-          <a:off x="0" y="0"/>
-          <a:ext cx="0" cy="0"/>
-          <a:chOff x="0" y="0"/>
-          <a:chExt cx="0" cy="0"/>
-        </a:xfrm>
-      </p:grpSpPr>
-      <p:sp>
-        <p:nvSpPr>
-          <p:cNvPr id="3" name="Subtitle 2"/>
-          <p:cNvSpPr>
-            <a:spLocks noGrp="1"/>
-          </p:cNvSpPr>
-          <p:nvPr>
-            <p:ph type="subTitle" idx="1"/>
-          </p:nvPr>
-        </p:nvSpPr>
-        <p:spPr>
-          <a:xfrm>
-            <a:off x="323528" y="0"/>
-            <a:ext cx="8640960" cy="6480720"/>
-          </a:xfrm>
-        </p:spPr>
-        <p:txBody>
-          <a:bodyPr>
-            <a:noAutofit/>
-          </a:bodyPr>
-          <a:lstStyle/>
-          <a:p>
-            <a:r>
-              <a:rPr lang="en-GB" sz="3700" dirty="0">
-                <a:solidFill>
-                  <a:schemeClr val="bg1"/>
-                </a:solidFill>
-              </a:rPr>
-              <a:t>Our God is the Lion, the Lion of Judah</a:t>
-            </a:r>
-            <a:br>
-              <a:rPr lang="en-GB" sz="3700" dirty="0">
-                <a:solidFill>
-                  <a:schemeClr val="bg1"/>
-                </a:solidFill>
-              </a:rPr>
-            </a:br>
-            <a:r>
-              <a:rPr lang="en-GB" sz="3700" dirty="0">
-                <a:solidFill>
-                  <a:schemeClr val="bg1"/>
-                </a:solidFill>
-              </a:rPr>
-              <a:t>He's roaring with power</a:t>
-            </a:r>
-            <a:br>
-              <a:rPr lang="en-GB" sz="3700" dirty="0">
-                <a:solidFill>
-                  <a:schemeClr val="bg1"/>
-                </a:solidFill>
-              </a:rPr>
-            </a:br>
-            <a:r>
-              <a:rPr lang="en-GB" sz="3700" dirty="0">
-                <a:solidFill>
-                  <a:schemeClr val="bg1"/>
-                </a:solidFill>
-              </a:rPr>
-              <a:t>And fighting our battles</a:t>
-            </a:r>
-            <a:br>
-              <a:rPr lang="en-GB" sz="3700" dirty="0">
-                <a:solidFill>
-                  <a:schemeClr val="bg1"/>
-                </a:solidFill>
-              </a:rPr>
-            </a:br>
-            <a:r>
-              <a:rPr lang="en-GB" sz="3700" dirty="0">
-                <a:solidFill>
-                  <a:schemeClr val="bg1"/>
-                </a:solidFill>
-              </a:rPr>
-              <a:t>And every knee will bow before Him</a:t>
-            </a:r>
-            <a:br>
-              <a:rPr lang="en-GB" sz="3700" dirty="0">
-                <a:solidFill>
-                  <a:schemeClr val="bg1"/>
-                </a:solidFill>
-              </a:rPr>
-            </a:br>
-            <a:br>
-              <a:rPr lang="en-GB" sz="3700" dirty="0">
-                <a:solidFill>
-                  <a:schemeClr val="bg1"/>
-                </a:solidFill>
-              </a:rPr>
-            </a:br>
-            <a:r>
-              <a:rPr lang="en-GB" sz="3700" dirty="0">
-                <a:solidFill>
-                  <a:schemeClr val="bg1"/>
-                </a:solidFill>
-              </a:rPr>
-              <a:t>Our God is the Lamb, the Lamb that was slain</a:t>
-            </a:r>
-            <a:br>
-              <a:rPr lang="en-GB" sz="3700" dirty="0">
-                <a:solidFill>
-                  <a:schemeClr val="bg1"/>
-                </a:solidFill>
-              </a:rPr>
-            </a:br>
-            <a:r>
-              <a:rPr lang="en-GB" sz="3700" dirty="0">
-                <a:solidFill>
-                  <a:schemeClr val="bg1"/>
-                </a:solidFill>
-              </a:rPr>
-              <a:t>For the sins of the world</a:t>
-            </a:r>
-            <a:br>
-              <a:rPr lang="en-GB" sz="3700" dirty="0">
-                <a:solidFill>
-                  <a:schemeClr val="bg1"/>
-                </a:solidFill>
-              </a:rPr>
-            </a:br>
-            <a:r>
-              <a:rPr lang="en-GB" sz="3700" dirty="0">
-                <a:solidFill>
-                  <a:schemeClr val="bg1"/>
-                </a:solidFill>
-              </a:rPr>
-              <a:t>His blood breaks the chains</a:t>
-            </a:r>
-            <a:br>
-              <a:rPr lang="en-GB" sz="3700" dirty="0">
-                <a:solidFill>
-                  <a:schemeClr val="bg1"/>
-                </a:solidFill>
-              </a:rPr>
-            </a:br>
-            <a:r>
-              <a:rPr lang="en-GB" sz="3700" dirty="0">
-                <a:solidFill>
-                  <a:schemeClr val="bg1"/>
-                </a:solidFill>
-              </a:rPr>
-              <a:t>And every knee will bow before the Lion and the Lamb</a:t>
-            </a:r>
-            <a:br>
-              <a:rPr lang="en-GB" sz="3700" dirty="0">
-                <a:solidFill>
-                  <a:schemeClr val="bg1"/>
-                </a:solidFill>
-              </a:rPr>
-            </a:br>
-            <a:r>
-              <a:rPr lang="en-GB" sz="3700" dirty="0">
-                <a:solidFill>
-                  <a:schemeClr val="bg1"/>
-                </a:solidFill>
-              </a:rPr>
-              <a:t>Every knee will bow before Him</a:t>
-            </a:r>
-          </a:p>
-        </p:txBody>
-      </p:sp>
-      <p:sp>
-        <p:nvSpPr>
-          <p:cNvPr id="4" name="TextBox 3"/>
-          <p:cNvSpPr txBox="1"/>
-          <p:nvPr/>
-        </p:nvSpPr>
-        <p:spPr>
-          <a:xfrm>
-            <a:off x="8529729" y="0"/>
-            <a:ext cx="628698" cy="461665"/>
-          </a:xfrm>
-          <a:prstGeom prst="rect">
-            <a:avLst/>
-          </a:prstGeom>
-          <a:noFill/>
-        </p:spPr>
-        <p:txBody>
-          <a:bodyPr wrap="none" rtlCol="0">
-            <a:spAutoFit/>
-          </a:bodyPr>
-          <a:lstStyle/>
-          <a:p>
-            <a:r>
-              <a:rPr lang="en-GB" sz="2400" b="1" dirty="0">
-                <a:solidFill>
-                  <a:schemeClr val="bg1"/>
-                </a:solidFill>
-              </a:rPr>
-              <a:t>4/6</a:t>
-            </a:r>
-          </a:p>
-        </p:txBody>
-      </p:sp>
-    </p:spTree>
-  </p:cSld>
-  <p:clrMapOvr>
-    <a:masterClrMapping/>
-  </p:clrMapOvr>
-</p:sld>
-</file>
-
-<file path=ppt/slides/slide22.xml><?xml version="1.0" encoding="utf-8"?>
-<p:sld xmlns:a="http://schemas.openxmlformats.org/drawingml/2006/main" xmlns:r="http://schemas.openxmlformats.org/officeDocument/2006/relationships" xmlns:p="http://schemas.openxmlformats.org/presentationml/2006/main">
-  <p:cSld>
-    <p:spTree>
-      <p:nvGrpSpPr>
-        <p:cNvPr id="1" name=""/>
-        <p:cNvGrpSpPr/>
-        <p:nvPr/>
-      </p:nvGrpSpPr>
-      <p:grpSpPr>
-        <a:xfrm>
-          <a:off x="0" y="0"/>
-          <a:ext cx="0" cy="0"/>
-          <a:chOff x="0" y="0"/>
-          <a:chExt cx="0" cy="0"/>
-        </a:xfrm>
-      </p:grpSpPr>
-      <p:sp>
-        <p:nvSpPr>
-          <p:cNvPr id="3" name="Subtitle 2"/>
-          <p:cNvSpPr>
-            <a:spLocks noGrp="1"/>
-          </p:cNvSpPr>
-          <p:nvPr>
-            <p:ph type="subTitle" idx="1"/>
-          </p:nvPr>
-        </p:nvSpPr>
-        <p:spPr>
-          <a:xfrm>
-            <a:off x="323528" y="116632"/>
-            <a:ext cx="8640960" cy="6480720"/>
-          </a:xfrm>
-        </p:spPr>
-        <p:txBody>
-          <a:bodyPr>
-            <a:noAutofit/>
-          </a:bodyPr>
-          <a:lstStyle/>
-          <a:p>
-            <a:endParaRPr lang="en-GB" sz="4800" dirty="0">
-              <a:solidFill>
-                <a:schemeClr val="bg1"/>
-              </a:solidFill>
-            </a:endParaRPr>
-          </a:p>
-          <a:p>
-            <a:endParaRPr lang="en-GB" sz="4800" dirty="0">
-              <a:solidFill>
-                <a:schemeClr val="bg1"/>
-              </a:solidFill>
-            </a:endParaRPr>
-          </a:p>
-          <a:p>
-            <a:endParaRPr lang="en-GB" sz="4800" dirty="0">
-              <a:solidFill>
-                <a:schemeClr val="bg1"/>
-              </a:solidFill>
-            </a:endParaRPr>
-          </a:p>
-          <a:p>
-            <a:r>
-              <a:rPr lang="en-GB" sz="4400" dirty="0">
-                <a:solidFill>
-                  <a:schemeClr val="bg1"/>
-                </a:solidFill>
-              </a:rPr>
-              <a:t>Who can stop the Lord Almighty</a:t>
-            </a:r>
-            <a:br>
-              <a:rPr lang="en-GB" sz="4400" dirty="0">
-                <a:solidFill>
-                  <a:schemeClr val="bg1"/>
-                </a:solidFill>
-              </a:rPr>
-            </a:br>
-            <a:r>
-              <a:rPr lang="en-GB" sz="4400" dirty="0">
-                <a:solidFill>
-                  <a:schemeClr val="bg1"/>
-                </a:solidFill>
-              </a:rPr>
-              <a:t>Who can stop the Lord (Almighty)</a:t>
-            </a:r>
-            <a:br>
-              <a:rPr lang="en-GB" sz="4400" dirty="0">
-                <a:solidFill>
-                  <a:schemeClr val="bg1"/>
-                </a:solidFill>
-              </a:rPr>
-            </a:br>
-            <a:endParaRPr lang="en-GB" sz="4400" dirty="0">
-              <a:solidFill>
-                <a:schemeClr val="bg1"/>
-              </a:solidFill>
-            </a:endParaRPr>
-          </a:p>
-          <a:p>
-            <a:endParaRPr lang="en-GB" sz="4600" dirty="0">
-              <a:solidFill>
-                <a:schemeClr val="bg1"/>
-              </a:solidFill>
-            </a:endParaRPr>
-          </a:p>
-        </p:txBody>
-      </p:sp>
-      <p:sp>
-        <p:nvSpPr>
-          <p:cNvPr id="4" name="TextBox 3"/>
-          <p:cNvSpPr txBox="1"/>
-          <p:nvPr/>
-        </p:nvSpPr>
-        <p:spPr>
-          <a:xfrm>
-            <a:off x="8529729" y="0"/>
-            <a:ext cx="628698" cy="461665"/>
-          </a:xfrm>
-          <a:prstGeom prst="rect">
-            <a:avLst/>
-          </a:prstGeom>
-          <a:noFill/>
-        </p:spPr>
-        <p:txBody>
-          <a:bodyPr wrap="none" rtlCol="0">
-            <a:spAutoFit/>
-          </a:bodyPr>
-          <a:lstStyle/>
-          <a:p>
-            <a:r>
-              <a:rPr lang="en-GB" sz="2400" b="1" dirty="0">
-                <a:solidFill>
-                  <a:schemeClr val="bg1"/>
-                </a:solidFill>
-              </a:rPr>
-              <a:t>5/6</a:t>
-            </a:r>
-          </a:p>
-        </p:txBody>
-      </p:sp>
-    </p:spTree>
-  </p:cSld>
-  <p:clrMapOvr>
-    <a:masterClrMapping/>
-  </p:clrMapOvr>
-</p:sld>
-</file>
-
-<file path=ppt/slides/slide23.xml><?xml version="1.0" encoding="utf-8"?>
-<p:sld xmlns:a="http://schemas.openxmlformats.org/drawingml/2006/main" xmlns:r="http://schemas.openxmlformats.org/officeDocument/2006/relationships" xmlns:p="http://schemas.openxmlformats.org/presentationml/2006/main">
-  <p:cSld>
-    <p:spTree>
-      <p:nvGrpSpPr>
-        <p:cNvPr id="1" name=""/>
-        <p:cNvGrpSpPr/>
-        <p:nvPr/>
-      </p:nvGrpSpPr>
-      <p:grpSpPr>
-        <a:xfrm>
-          <a:off x="0" y="0"/>
-          <a:ext cx="0" cy="0"/>
-          <a:chOff x="0" y="0"/>
-          <a:chExt cx="0" cy="0"/>
-        </a:xfrm>
-      </p:grpSpPr>
-      <p:sp>
-        <p:nvSpPr>
-          <p:cNvPr id="3" name="Subtitle 2"/>
-          <p:cNvSpPr>
-            <a:spLocks noGrp="1"/>
-          </p:cNvSpPr>
-          <p:nvPr>
-            <p:ph type="subTitle" idx="1"/>
-          </p:nvPr>
-        </p:nvSpPr>
-        <p:spPr>
-          <a:xfrm>
-            <a:off x="323528" y="0"/>
-            <a:ext cx="8640960" cy="6480720"/>
-          </a:xfrm>
-        </p:spPr>
-        <p:txBody>
-          <a:bodyPr>
-            <a:noAutofit/>
-          </a:bodyPr>
-          <a:lstStyle/>
-          <a:p>
-            <a:r>
-              <a:rPr lang="en-GB" sz="3700" dirty="0">
-                <a:solidFill>
-                  <a:schemeClr val="bg1"/>
-                </a:solidFill>
-              </a:rPr>
-              <a:t>Our God is the Lion, the Lion of Judah</a:t>
-            </a:r>
-            <a:br>
-              <a:rPr lang="en-GB" sz="3700" dirty="0">
-                <a:solidFill>
-                  <a:schemeClr val="bg1"/>
-                </a:solidFill>
-              </a:rPr>
-            </a:br>
-            <a:r>
-              <a:rPr lang="en-GB" sz="3700" dirty="0">
-                <a:solidFill>
-                  <a:schemeClr val="bg1"/>
-                </a:solidFill>
-              </a:rPr>
-              <a:t>He's roaring with power</a:t>
-            </a:r>
-            <a:br>
-              <a:rPr lang="en-GB" sz="3700" dirty="0">
-                <a:solidFill>
-                  <a:schemeClr val="bg1"/>
-                </a:solidFill>
-              </a:rPr>
-            </a:br>
-            <a:r>
-              <a:rPr lang="en-GB" sz="3700" dirty="0">
-                <a:solidFill>
-                  <a:schemeClr val="bg1"/>
-                </a:solidFill>
-              </a:rPr>
-              <a:t>And fighting our battles</a:t>
-            </a:r>
-            <a:br>
-              <a:rPr lang="en-GB" sz="3700" dirty="0">
-                <a:solidFill>
-                  <a:schemeClr val="bg1"/>
-                </a:solidFill>
-              </a:rPr>
-            </a:br>
-            <a:r>
-              <a:rPr lang="en-GB" sz="3700" dirty="0">
-                <a:solidFill>
-                  <a:schemeClr val="bg1"/>
-                </a:solidFill>
-              </a:rPr>
-              <a:t>And every knee will bow before Him</a:t>
-            </a:r>
-            <a:br>
-              <a:rPr lang="en-GB" sz="3700" dirty="0">
-                <a:solidFill>
-                  <a:schemeClr val="bg1"/>
-                </a:solidFill>
-              </a:rPr>
-            </a:br>
-            <a:br>
-              <a:rPr lang="en-GB" sz="3700" dirty="0">
-                <a:solidFill>
-                  <a:schemeClr val="bg1"/>
-                </a:solidFill>
-              </a:rPr>
-            </a:br>
-            <a:r>
-              <a:rPr lang="en-GB" sz="3700" dirty="0">
-                <a:solidFill>
-                  <a:schemeClr val="bg1"/>
-                </a:solidFill>
-              </a:rPr>
-              <a:t>Our God is the Lamb, the Lamb that was slain</a:t>
-            </a:r>
-            <a:br>
-              <a:rPr lang="en-GB" sz="3700" dirty="0">
-                <a:solidFill>
-                  <a:schemeClr val="bg1"/>
-                </a:solidFill>
-              </a:rPr>
-            </a:br>
-            <a:r>
-              <a:rPr lang="en-GB" sz="3700" dirty="0">
-                <a:solidFill>
-                  <a:schemeClr val="bg1"/>
-                </a:solidFill>
-              </a:rPr>
-              <a:t>For the sins of the world</a:t>
-            </a:r>
-            <a:br>
-              <a:rPr lang="en-GB" sz="3700" dirty="0">
-                <a:solidFill>
-                  <a:schemeClr val="bg1"/>
-                </a:solidFill>
-              </a:rPr>
-            </a:br>
-            <a:r>
-              <a:rPr lang="en-GB" sz="3700" dirty="0">
-                <a:solidFill>
-                  <a:schemeClr val="bg1"/>
-                </a:solidFill>
-              </a:rPr>
-              <a:t>His blood breaks the chains</a:t>
-            </a:r>
-            <a:br>
-              <a:rPr lang="en-GB" sz="3700" dirty="0">
-                <a:solidFill>
-                  <a:schemeClr val="bg1"/>
-                </a:solidFill>
-              </a:rPr>
-            </a:br>
-            <a:r>
-              <a:rPr lang="en-GB" sz="3700" dirty="0">
-                <a:solidFill>
-                  <a:schemeClr val="bg1"/>
-                </a:solidFill>
-              </a:rPr>
-              <a:t>And every knee will bow before the Lion and the Lamb</a:t>
-            </a:r>
-            <a:br>
-              <a:rPr lang="en-GB" sz="3700" dirty="0">
-                <a:solidFill>
-                  <a:schemeClr val="bg1"/>
-                </a:solidFill>
-              </a:rPr>
-            </a:br>
-            <a:r>
-              <a:rPr lang="en-GB" sz="3700" dirty="0">
-                <a:solidFill>
-                  <a:schemeClr val="bg1"/>
-                </a:solidFill>
-              </a:rPr>
-              <a:t>Every knee will bow before Him</a:t>
-            </a:r>
-          </a:p>
-        </p:txBody>
-      </p:sp>
-      <p:sp>
-        <p:nvSpPr>
-          <p:cNvPr id="4" name="TextBox 3"/>
-          <p:cNvSpPr txBox="1"/>
-          <p:nvPr/>
-        </p:nvSpPr>
-        <p:spPr>
-          <a:xfrm>
-            <a:off x="8529729" y="0"/>
-            <a:ext cx="628698" cy="461665"/>
-          </a:xfrm>
-          <a:prstGeom prst="rect">
-            <a:avLst/>
-          </a:prstGeom>
-          <a:noFill/>
-        </p:spPr>
-        <p:txBody>
-          <a:bodyPr wrap="none" rtlCol="0">
-            <a:spAutoFit/>
-          </a:bodyPr>
-          <a:lstStyle/>
-          <a:p>
-            <a:r>
-              <a:rPr lang="en-GB" sz="2400" b="1" dirty="0">
-                <a:solidFill>
-                  <a:schemeClr val="bg1"/>
-                </a:solidFill>
-              </a:rPr>
-              <a:t>6/6</a:t>
-            </a:r>
-          </a:p>
-        </p:txBody>
-      </p:sp>
-    </p:spTree>
-  </p:cSld>
-  <p:clrMapOvr>
-    <a:masterClrMapping/>
-  </p:clrMapOvr>
-</p:sld>
-</file>
-
-<file path=ppt/slides/slide24.xml><?xml version="1.0" encoding="utf-8"?>
-<p:sld xmlns:a="http://schemas.openxmlformats.org/drawingml/2006/main" xmlns:r="http://schemas.openxmlformats.org/officeDocument/2006/relationships" xmlns:p="http://schemas.openxmlformats.org/presentationml/2006/main">
-  <p:cSld>
-    <p:spTree>
-      <p:nvGrpSpPr>
-        <p:cNvPr id="1" name=""/>
-        <p:cNvGrpSpPr/>
-        <p:nvPr/>
-      </p:nvGrpSpPr>
-      <p:grpSpPr>
-        <a:xfrm>
-          <a:off x="0" y="0"/>
-          <a:ext cx="0" cy="0"/>
-          <a:chOff x="0" y="0"/>
-          <a:chExt cx="0" cy="0"/>
-        </a:xfrm>
-      </p:grpSpPr>
-      <p:sp>
-        <p:nvSpPr>
-          <p:cNvPr id="3" name="Subtitle 2"/>
-          <p:cNvSpPr>
-            <a:spLocks noGrp="1"/>
-          </p:cNvSpPr>
-          <p:nvPr>
-            <p:ph type="subTitle" idx="1"/>
-          </p:nvPr>
-        </p:nvSpPr>
-        <p:spPr>
-          <a:xfrm>
-            <a:off x="323528" y="188640"/>
-            <a:ext cx="8640960" cy="6480720"/>
-          </a:xfrm>
-        </p:spPr>
-        <p:txBody>
-          <a:bodyPr>
-            <a:noAutofit/>
-          </a:bodyPr>
-          <a:lstStyle/>
-          <a:p>
-            <a:endParaRPr lang="en-GB" sz="5400" dirty="0">
-              <a:solidFill>
-                <a:schemeClr val="bg1"/>
-              </a:solidFill>
-            </a:endParaRPr>
-          </a:p>
-          <a:p>
-            <a:r>
-              <a:rPr lang="en-GB" sz="8800" dirty="0"/>
-              <a:t>Raise A Hallelujah</a:t>
-            </a:r>
-          </a:p>
-          <a:p>
-            <a:r>
-              <a:rPr lang="en-GB" sz="1200" dirty="0"/>
-              <a:t> </a:t>
-            </a:r>
-          </a:p>
-          <a:p>
-            <a:endParaRPr lang="en-GB" sz="1200" dirty="0"/>
-          </a:p>
-          <a:p>
-            <a:r>
-              <a:rPr lang="en-GB" sz="1200" dirty="0"/>
-              <a:t>CCLI Song # 7119315</a:t>
-            </a:r>
-          </a:p>
-          <a:p>
-            <a:r>
-              <a:rPr lang="en-GB" sz="1200" dirty="0"/>
-              <a:t>Jake Stevens | Jonathan David </a:t>
-            </a:r>
-            <a:r>
-              <a:rPr lang="en-GB" sz="1200" dirty="0" err="1"/>
-              <a:t>Helser</a:t>
-            </a:r>
-            <a:r>
-              <a:rPr lang="en-GB" sz="1200" dirty="0"/>
-              <a:t> | Melissa </a:t>
-            </a:r>
-            <a:r>
-              <a:rPr lang="en-GB" sz="1200" dirty="0" err="1"/>
-              <a:t>Helser</a:t>
-            </a:r>
-            <a:r>
-              <a:rPr lang="en-GB" sz="1200" dirty="0"/>
-              <a:t> | Molly Skaggs</a:t>
-            </a:r>
-          </a:p>
-          <a:p>
-            <a:r>
-              <a:rPr lang="en-GB" sz="1200" dirty="0"/>
-              <a:t>© 2018 Bethel Music Publishing (Admin. by Song Solutions)</a:t>
-            </a:r>
-          </a:p>
-          <a:p>
-            <a:r>
-              <a:rPr lang="en-GB" sz="1200" i="1" dirty="0"/>
-              <a:t>For use solely with the </a:t>
-            </a:r>
-            <a:r>
-              <a:rPr lang="en-GB" sz="1200" i="1" dirty="0" err="1"/>
-              <a:t>SongSelect</a:t>
-            </a:r>
-            <a:r>
-              <a:rPr lang="en-GB" sz="1200" i="1" dirty="0"/>
-              <a:t>® </a:t>
-            </a:r>
-            <a:r>
-              <a:rPr lang="en-GB" sz="1200" i="1" dirty="0">
-                <a:hlinkClick r:id="rId2"/>
-              </a:rPr>
-              <a:t>Terms of Use</a:t>
-            </a:r>
-            <a:r>
-              <a:rPr lang="en-GB" sz="1200" i="1" dirty="0"/>
-              <a:t>. All rights reserved. </a:t>
-            </a:r>
-            <a:r>
-              <a:rPr lang="en-GB" sz="1200" i="1" dirty="0">
-                <a:hlinkClick r:id="rId3"/>
-              </a:rPr>
-              <a:t>www.ccli.com</a:t>
-            </a:r>
-            <a:endParaRPr lang="en-GB" sz="1200" i="1" dirty="0"/>
-          </a:p>
-          <a:p>
-            <a:r>
-              <a:rPr lang="en-GB" sz="1200" dirty="0"/>
-              <a:t>CCLI Licence No. 33265</a:t>
-            </a:r>
-          </a:p>
-          <a:p>
-            <a:endParaRPr lang="en-GB" sz="1200" dirty="0">
-              <a:solidFill>
-                <a:schemeClr val="bg1"/>
-              </a:solidFill>
-            </a:endParaRPr>
-          </a:p>
-        </p:txBody>
-      </p:sp>
-    </p:spTree>
-  </p:cSld>
-  <p:clrMapOvr>
-    <a:masterClrMapping/>
-  </p:clrMapOvr>
-</p:sld>
-</file>
-
-<file path=ppt/slides/slide25.xml><?xml version="1.0" encoding="utf-8"?>
-<p:sld xmlns:a="http://schemas.openxmlformats.org/drawingml/2006/main" xmlns:r="http://schemas.openxmlformats.org/officeDocument/2006/relationships" xmlns:p="http://schemas.openxmlformats.org/presentationml/2006/main">
-  <p:cSld>
-    <p:spTree>
-      <p:nvGrpSpPr>
-        <p:cNvPr id="1" name=""/>
-        <p:cNvGrpSpPr/>
-        <p:nvPr/>
-      </p:nvGrpSpPr>
-      <p:grpSpPr>
-        <a:xfrm>
-          <a:off x="0" y="0"/>
-          <a:ext cx="0" cy="0"/>
-          <a:chOff x="0" y="0"/>
-          <a:chExt cx="0" cy="0"/>
-        </a:xfrm>
-      </p:grpSpPr>
-      <p:sp>
-        <p:nvSpPr>
-          <p:cNvPr id="3" name="Subtitle 2"/>
-          <p:cNvSpPr>
-            <a:spLocks noGrp="1"/>
-          </p:cNvSpPr>
-          <p:nvPr>
-            <p:ph type="subTitle" idx="1"/>
-          </p:nvPr>
-        </p:nvSpPr>
-        <p:spPr>
-          <a:xfrm>
-            <a:off x="323528" y="188640"/>
-            <a:ext cx="8640960" cy="6480720"/>
-          </a:xfrm>
-        </p:spPr>
-        <p:txBody>
-          <a:bodyPr>
-            <a:noAutofit/>
-          </a:bodyPr>
-          <a:lstStyle/>
-          <a:p>
-            <a:r>
-              <a:rPr lang="en-GB" sz="4800" dirty="0">
-                <a:solidFill>
-                  <a:schemeClr val="bg1"/>
-                </a:solidFill>
-              </a:rPr>
-              <a:t>I raise a hallelujah in the presence of my enemies</a:t>
-            </a:r>
-            <a:br>
-              <a:rPr lang="en-GB" sz="4800" dirty="0">
-                <a:solidFill>
-                  <a:schemeClr val="bg1"/>
-                </a:solidFill>
-              </a:rPr>
-            </a:br>
-            <a:r>
-              <a:rPr lang="en-GB" sz="4800" dirty="0">
-                <a:solidFill>
-                  <a:schemeClr val="bg1"/>
-                </a:solidFill>
-              </a:rPr>
-              <a:t>I raise a hallelujah louder than the unbelief</a:t>
-            </a:r>
-            <a:br>
-              <a:rPr lang="en-GB" sz="4800" dirty="0">
-                <a:solidFill>
-                  <a:schemeClr val="bg1"/>
-                </a:solidFill>
-              </a:rPr>
-            </a:br>
-            <a:r>
-              <a:rPr lang="en-GB" sz="4800" dirty="0">
-                <a:solidFill>
-                  <a:schemeClr val="bg1"/>
-                </a:solidFill>
-              </a:rPr>
-              <a:t>I raise a hallelujah my weapon is a melody</a:t>
-            </a:r>
-            <a:br>
-              <a:rPr lang="en-GB" sz="4800" dirty="0">
-                <a:solidFill>
-                  <a:schemeClr val="bg1"/>
-                </a:solidFill>
-              </a:rPr>
-            </a:br>
-            <a:r>
-              <a:rPr lang="en-GB" sz="4800" dirty="0">
-                <a:solidFill>
-                  <a:schemeClr val="bg1"/>
-                </a:solidFill>
-              </a:rPr>
-              <a:t>I raise a hallelujah Heaven comes to fight for me</a:t>
-            </a:r>
-          </a:p>
-        </p:txBody>
-      </p:sp>
-      <p:sp>
-        <p:nvSpPr>
-          <p:cNvPr id="4" name="TextBox 3"/>
-          <p:cNvSpPr txBox="1"/>
-          <p:nvPr/>
-        </p:nvSpPr>
-        <p:spPr>
-          <a:xfrm>
-            <a:off x="8529729" y="0"/>
-            <a:ext cx="628698" cy="461665"/>
-          </a:xfrm>
-          <a:prstGeom prst="rect">
-            <a:avLst/>
-          </a:prstGeom>
-          <a:noFill/>
-        </p:spPr>
-        <p:txBody>
-          <a:bodyPr wrap="none" rtlCol="0">
-            <a:spAutoFit/>
-          </a:bodyPr>
-          <a:lstStyle/>
-          <a:p>
-            <a:r>
-              <a:rPr lang="en-GB" sz="2400" b="1" dirty="0">
-                <a:solidFill>
-                  <a:schemeClr val="bg1"/>
-                </a:solidFill>
-              </a:rPr>
-              <a:t>1/7</a:t>
-            </a:r>
-          </a:p>
-        </p:txBody>
-      </p:sp>
-    </p:spTree>
   </p:cSld>
   <p:clrMapOvr>
     <a:masterClrMapping/>
@@ -6328,128 +6362,92 @@
           </a:bodyPr>
           <a:lstStyle/>
           <a:p>
-            <a:r>
-              <a:rPr lang="en-GB" sz="5400" dirty="0">
-                <a:solidFill>
-                  <a:schemeClr val="bg1"/>
-                </a:solidFill>
-              </a:rPr>
-              <a:t>I’m </a:t>
-            </a:r>
-            <a:r>
-              <a:rPr lang="en-GB" sz="5400" dirty="0" err="1">
-                <a:solidFill>
-                  <a:schemeClr val="bg1"/>
-                </a:solidFill>
-              </a:rPr>
-              <a:t>gonna</a:t>
-            </a:r>
-            <a:r>
-              <a:rPr lang="en-GB" sz="5400" dirty="0">
-                <a:solidFill>
-                  <a:schemeClr val="bg1"/>
-                </a:solidFill>
-              </a:rPr>
-              <a:t> sing in the middle of the storm</a:t>
+            <a:endParaRPr lang="en-GB" sz="5400" dirty="0">
+              <a:solidFill>
+                <a:schemeClr val="bg1"/>
+              </a:solidFill>
+            </a:endParaRPr>
+          </a:p>
+          <a:p>
+            <a:r>
+              <a:rPr lang="en-GB" sz="6600" b="0" i="0" dirty="0">
+                <a:solidFill>
+                  <a:srgbClr val="00A3E0"/>
+                </a:solidFill>
+                <a:effectLst/>
+                <a:latin typeface="akagi_probook"/>
+              </a:rPr>
+              <a:t>I Love You Lord</a:t>
             </a:r>
             <a:br>
-              <a:rPr lang="en-GB" sz="5400" dirty="0">
-                <a:solidFill>
-                  <a:schemeClr val="bg1"/>
-                </a:solidFill>
+              <a:rPr lang="en-GB" sz="6600" b="0" i="0" dirty="0">
+                <a:solidFill>
+                  <a:srgbClr val="00A3E0"/>
+                </a:solidFill>
+                <a:effectLst/>
+                <a:latin typeface="akagi_probook"/>
               </a:rPr>
             </a:br>
             <a:r>
-              <a:rPr lang="en-GB" sz="5400" dirty="0">
-                <a:solidFill>
-                  <a:schemeClr val="bg1"/>
-                </a:solidFill>
-              </a:rPr>
-              <a:t>Louder and louder you’re </a:t>
-            </a:r>
-            <a:r>
-              <a:rPr lang="en-GB" sz="5400" dirty="0" err="1">
-                <a:solidFill>
-                  <a:schemeClr val="bg1"/>
-                </a:solidFill>
-              </a:rPr>
-              <a:t>gonna</a:t>
-            </a:r>
-            <a:r>
-              <a:rPr lang="en-GB" sz="5400" dirty="0">
-                <a:solidFill>
-                  <a:schemeClr val="bg1"/>
-                </a:solidFill>
-              </a:rPr>
-              <a:t> hear my praises roar</a:t>
-            </a:r>
+              <a:rPr lang="en-GB" sz="6600" b="0" i="0" dirty="0">
+                <a:solidFill>
+                  <a:srgbClr val="00A3E0"/>
+                </a:solidFill>
+                <a:effectLst/>
+                <a:latin typeface="akagi_probook"/>
+              </a:rPr>
+              <a:t>(To My King)</a:t>
+            </a:r>
+          </a:p>
+          <a:p>
             <a:br>
-              <a:rPr lang="en-GB" sz="5400" dirty="0">
+              <a:rPr lang="en-GB" sz="1200" dirty="0">
                 <a:solidFill>
                   <a:schemeClr val="bg1"/>
                 </a:solidFill>
               </a:rPr>
             </a:br>
             <a:r>
-              <a:rPr lang="en-GB" sz="5400" dirty="0">
-                <a:solidFill>
-                  <a:schemeClr val="bg1"/>
-                </a:solidFill>
-              </a:rPr>
-              <a:t>Up from the ashes hope will arise</a:t>
-            </a:r>
-            <a:br>
-              <a:rPr lang="en-GB" sz="5400" dirty="0">
-                <a:solidFill>
-                  <a:schemeClr val="bg1"/>
-                </a:solidFill>
-              </a:rPr>
-            </a:br>
-            <a:r>
-              <a:rPr lang="en-GB" sz="5400" dirty="0">
-                <a:solidFill>
-                  <a:schemeClr val="bg1"/>
-                </a:solidFill>
-              </a:rPr>
-              <a:t>Death is defeated the King is alive</a:t>
-            </a:r>
-          </a:p>
-        </p:txBody>
-      </p:sp>
-      <p:sp>
-        <p:nvSpPr>
-          <p:cNvPr id="4" name="TextBox 3"/>
-          <p:cNvSpPr txBox="1"/>
-          <p:nvPr/>
-        </p:nvSpPr>
-        <p:spPr>
-          <a:xfrm>
-            <a:off x="8529729" y="0"/>
-            <a:ext cx="628698" cy="461665"/>
-          </a:xfrm>
-          <a:prstGeom prst="rect">
-            <a:avLst/>
-          </a:prstGeom>
-          <a:noFill/>
-        </p:spPr>
-        <p:txBody>
-          <a:bodyPr wrap="none" rtlCol="0">
-            <a:spAutoFit/>
-          </a:bodyPr>
-          <a:lstStyle/>
-          <a:p>
-            <a:r>
-              <a:rPr lang="en-GB" sz="2400" b="1" dirty="0">
-                <a:solidFill>
-                  <a:schemeClr val="bg1"/>
-                </a:solidFill>
-              </a:rPr>
-              <a:t>2/7</a:t>
+              <a:rPr lang="en-GB" sz="1200" dirty="0" err="1">
+                <a:solidFill>
+                  <a:schemeClr val="bg1"/>
+                </a:solidFill>
+              </a:rPr>
+              <a:t>Gatherhouse</a:t>
+            </a:r>
+            <a:r>
+              <a:rPr lang="en-GB" sz="1200" dirty="0">
+                <a:solidFill>
+                  <a:schemeClr val="bg1"/>
+                </a:solidFill>
+              </a:rPr>
+              <a:t> Music, Ryan Kennedy, </a:t>
+            </a:r>
+            <a:r>
+              <a:rPr lang="en-GB" sz="1200" dirty="0" err="1">
+                <a:solidFill>
+                  <a:schemeClr val="bg1"/>
+                </a:solidFill>
+              </a:rPr>
+              <a:t>Durell</a:t>
+            </a:r>
+            <a:r>
+              <a:rPr lang="en-GB" sz="1200" dirty="0">
+                <a:solidFill>
+                  <a:schemeClr val="bg1"/>
+                </a:solidFill>
+              </a:rPr>
+              <a:t> Comedy</a:t>
             </a:r>
           </a:p>
         </p:txBody>
       </p:sp>
     </p:spTree>
+    <p:extLst>
+      <p:ext uri="{BB962C8B-B14F-4D97-AF65-F5344CB8AC3E}">
+        <p14:creationId xmlns:p14="http://schemas.microsoft.com/office/powerpoint/2010/main" val="2633692750"/>
+      </p:ext>
+    </p:extLst>
   </p:cSld>
   <p:clrMapOvr>
     <a:masterClrMapping/>
@@ -6497,57 +6495,72 @@
           <a:lstStyle/>
           <a:p>
             <a:r>
-              <a:rPr lang="en-GB" sz="4800" dirty="0">
-                <a:solidFill>
-                  <a:schemeClr val="bg1"/>
-                </a:solidFill>
-              </a:rPr>
-              <a:t>I raise a hallelujah with everything inside of me</a:t>
-            </a:r>
-            <a:br>
-              <a:rPr lang="en-GB" sz="4800" dirty="0">
-                <a:solidFill>
-                  <a:schemeClr val="bg1"/>
-                </a:solidFill>
-              </a:rPr>
-            </a:br>
-            <a:r>
-              <a:rPr lang="en-GB" sz="4800" dirty="0">
-                <a:solidFill>
-                  <a:schemeClr val="bg1"/>
-                </a:solidFill>
-              </a:rPr>
-              <a:t>I raise a hallelujah I will watch the darkness flee</a:t>
-            </a:r>
-            <a:br>
-              <a:rPr lang="en-GB" sz="4800" dirty="0">
-                <a:solidFill>
-                  <a:schemeClr val="bg1"/>
-                </a:solidFill>
-              </a:rPr>
-            </a:br>
-            <a:r>
-              <a:rPr lang="en-GB" sz="4800" dirty="0">
-                <a:solidFill>
-                  <a:schemeClr val="bg1"/>
-                </a:solidFill>
-              </a:rPr>
-              <a:t>I raise a hallelujah in the middle of the mystery</a:t>
-            </a:r>
-            <a:br>
-              <a:rPr lang="en-GB" sz="4800" dirty="0">
-                <a:solidFill>
-                  <a:schemeClr val="bg1"/>
-                </a:solidFill>
-              </a:rPr>
-            </a:br>
-            <a:r>
-              <a:rPr lang="en-GB" sz="4800" dirty="0">
-                <a:solidFill>
-                  <a:schemeClr val="bg1"/>
-                </a:solidFill>
-              </a:rPr>
-              <a:t>I raise a hallelujah fear you lost your hold on me</a:t>
+              <a:rPr lang="en-GB" sz="4400" dirty="0">
+                <a:solidFill>
+                  <a:schemeClr val="bg1"/>
+                </a:solidFill>
+              </a:rPr>
+              <a:t>You invite me</a:t>
+            </a:r>
+          </a:p>
+          <a:p>
+            <a:r>
+              <a:rPr lang="en-GB" sz="4400" dirty="0">
+                <a:solidFill>
+                  <a:schemeClr val="bg1"/>
+                </a:solidFill>
+              </a:rPr>
+              <a:t>To sit down at Your table</a:t>
+            </a:r>
+          </a:p>
+          <a:p>
+            <a:r>
+              <a:rPr lang="en-GB" sz="4400" dirty="0">
+                <a:solidFill>
+                  <a:schemeClr val="bg1"/>
+                </a:solidFill>
+              </a:rPr>
+              <a:t>Where I can taste and I can see</a:t>
+            </a:r>
+          </a:p>
+          <a:p>
+            <a:r>
+              <a:rPr lang="en-GB" sz="4400" dirty="0">
+                <a:solidFill>
+                  <a:schemeClr val="bg1"/>
+                </a:solidFill>
+              </a:rPr>
+              <a:t>That You are good</a:t>
+            </a:r>
+          </a:p>
+          <a:p>
+            <a:r>
+              <a:rPr lang="en-GB" sz="4400" dirty="0">
+                <a:solidFill>
+                  <a:schemeClr val="bg1"/>
+                </a:solidFill>
+              </a:rPr>
+              <a:t>and You are always faithful</a:t>
+            </a:r>
+          </a:p>
+          <a:p>
+            <a:r>
+              <a:rPr lang="en-GB" sz="4400" dirty="0">
+                <a:solidFill>
+                  <a:schemeClr val="bg1"/>
+                </a:solidFill>
+              </a:rPr>
+              <a:t>To welcome me</a:t>
+            </a:r>
+          </a:p>
+          <a:p>
+            <a:r>
+              <a:rPr lang="en-GB" sz="4400" dirty="0">
+                <a:solidFill>
+                  <a:schemeClr val="bg1"/>
+                </a:solidFill>
+              </a:rPr>
+              <a:t>The least of these</a:t>
             </a:r>
           </a:p>
         </p:txBody>
@@ -6580,12 +6593,17 @@
                   <a:schemeClr val="bg1"/>
                 </a:solidFill>
               </a:rPr>
-              <a:t>3/7</a:t>
+              <a:t>1/6</a:t>
             </a:r>
           </a:p>
         </p:txBody>
       </p:sp>
     </p:spTree>
+    <p:extLst>
+      <p:ext uri="{BB962C8B-B14F-4D97-AF65-F5344CB8AC3E}">
+        <p14:creationId xmlns:p14="http://schemas.microsoft.com/office/powerpoint/2010/main" val="2565024500"/>
+      </p:ext>
+    </p:extLst>
   </p:cSld>
   <p:clrMapOvr>
     <a:masterClrMapping/>
@@ -6632,78 +6650,44 @@
           </a:bodyPr>
           <a:lstStyle/>
           <a:p>
-            <a:endParaRPr lang="en-GB" sz="5400" dirty="0">
-              <a:solidFill>
-                <a:schemeClr val="bg1"/>
-              </a:solidFill>
-            </a:endParaRPr>
-          </a:p>
-          <a:p>
-            <a:r>
-              <a:rPr lang="en-GB" sz="5400" dirty="0">
-                <a:solidFill>
-                  <a:schemeClr val="bg1"/>
-                </a:solidFill>
-              </a:rPr>
-              <a:t>Sing a little louder </a:t>
-            </a:r>
-            <a:br>
-              <a:rPr lang="en-GB" sz="5400" dirty="0">
-                <a:solidFill>
-                  <a:schemeClr val="bg1"/>
-                </a:solidFill>
-              </a:rPr>
-            </a:br>
-            <a:r>
-              <a:rPr lang="en-GB" sz="5400" dirty="0">
-                <a:solidFill>
-                  <a:schemeClr val="bg1"/>
-                </a:solidFill>
-              </a:rPr>
-              <a:t>(Sing a little louder)</a:t>
-            </a:r>
-            <a:br>
-              <a:rPr lang="en-GB" sz="5400" dirty="0">
-                <a:solidFill>
-                  <a:schemeClr val="bg1"/>
-                </a:solidFill>
-              </a:rPr>
-            </a:br>
-            <a:r>
-              <a:rPr lang="en-GB" sz="5400" dirty="0">
-                <a:solidFill>
-                  <a:schemeClr val="bg1"/>
-                </a:solidFill>
-              </a:rPr>
-              <a:t>Sing a little louder </a:t>
-            </a:r>
-            <a:br>
-              <a:rPr lang="en-GB" sz="5400" dirty="0">
-                <a:solidFill>
-                  <a:schemeClr val="bg1"/>
-                </a:solidFill>
-              </a:rPr>
-            </a:br>
-            <a:r>
-              <a:rPr lang="en-GB" sz="5400" dirty="0">
-                <a:solidFill>
-                  <a:schemeClr val="bg1"/>
-                </a:solidFill>
-              </a:rPr>
-              <a:t>(Sing a little louder)</a:t>
-            </a:r>
-            <a:br>
-              <a:rPr lang="en-GB" sz="5400" dirty="0">
-                <a:solidFill>
-                  <a:schemeClr val="bg1"/>
-                </a:solidFill>
-              </a:rPr>
-            </a:br>
-            <a:endParaRPr lang="en-GB" sz="5400" dirty="0">
-              <a:solidFill>
-                <a:schemeClr val="bg1"/>
-              </a:solidFill>
-            </a:endParaRPr>
+            <a:r>
+              <a:rPr lang="en-GB" sz="4400" dirty="0">
+                <a:solidFill>
+                  <a:schemeClr val="bg1"/>
+                </a:solidFill>
+              </a:rPr>
+              <a:t>You bring beauty out of the ashes</a:t>
+            </a:r>
+          </a:p>
+          <a:p>
+            <a:r>
+              <a:rPr lang="en-GB" sz="4400" dirty="0">
+                <a:solidFill>
+                  <a:schemeClr val="bg1"/>
+                </a:solidFill>
+              </a:rPr>
+              <a:t>To restore and to redeem</a:t>
+            </a:r>
+          </a:p>
+          <a:p>
+            <a:r>
+              <a:rPr lang="en-GB" sz="4400" dirty="0">
+                <a:solidFill>
+                  <a:schemeClr val="bg1"/>
+                </a:solidFill>
+              </a:rPr>
+              <a:t>So I have come to pour out all my oil</a:t>
+            </a:r>
+          </a:p>
+          <a:p>
+            <a:r>
+              <a:rPr lang="en-GB" sz="4400" dirty="0">
+                <a:solidFill>
+                  <a:schemeClr val="bg1"/>
+                </a:solidFill>
+              </a:rPr>
+              <a:t>All I have, this offering</a:t>
+            </a:r>
           </a:p>
         </p:txBody>
       </p:sp>
@@ -6735,12 +6719,17 @@
                   <a:schemeClr val="bg1"/>
                 </a:solidFill>
               </a:rPr>
-              <a:t>4/7</a:t>
+              <a:t>2/6</a:t>
             </a:r>
           </a:p>
         </p:txBody>
       </p:sp>
     </p:spTree>
+    <p:extLst>
+      <p:ext uri="{BB962C8B-B14F-4D97-AF65-F5344CB8AC3E}">
+        <p14:creationId xmlns:p14="http://schemas.microsoft.com/office/powerpoint/2010/main" val="3963401040"/>
+      </p:ext>
+    </p:extLst>
   </p:cSld>
   <p:clrMapOvr>
     <a:masterClrMapping/>
@@ -6788,73 +6777,84 @@
           <a:lstStyle/>
           <a:p>
             <a:r>
-              <a:rPr lang="en-GB" sz="5400" dirty="0">
-                <a:solidFill>
-                  <a:schemeClr val="bg1"/>
-                </a:solidFill>
-              </a:rPr>
-              <a:t>Sing a little louder in the presence of my enemies</a:t>
-            </a:r>
-            <a:br>
-              <a:rPr lang="en-GB" sz="5400" dirty="0">
-                <a:solidFill>
-                  <a:schemeClr val="bg1"/>
-                </a:solidFill>
-              </a:rPr>
-            </a:br>
-            <a:r>
-              <a:rPr lang="en-GB" sz="5400" dirty="0">
-                <a:solidFill>
-                  <a:schemeClr val="bg1"/>
-                </a:solidFill>
-              </a:rPr>
-              <a:t>Sing a little louder </a:t>
-            </a:r>
-            <a:r>
-              <a:rPr lang="en-GB" sz="5400" dirty="0" err="1">
-                <a:solidFill>
-                  <a:schemeClr val="bg1"/>
-                </a:solidFill>
-              </a:rPr>
-              <a:t>louder</a:t>
-            </a:r>
-            <a:r>
-              <a:rPr lang="en-GB" sz="5400" dirty="0">
-                <a:solidFill>
-                  <a:schemeClr val="bg1"/>
-                </a:solidFill>
-              </a:rPr>
-              <a:t> than the unbelief</a:t>
-            </a:r>
-            <a:br>
-              <a:rPr lang="en-GB" sz="5400" dirty="0">
-                <a:solidFill>
-                  <a:schemeClr val="bg1"/>
-                </a:solidFill>
-              </a:rPr>
-            </a:br>
-            <a:r>
-              <a:rPr lang="en-GB" sz="5400" dirty="0">
-                <a:solidFill>
-                  <a:schemeClr val="bg1"/>
-                </a:solidFill>
-              </a:rPr>
-              <a:t>Sing a little louder my weapon is a melody</a:t>
-            </a:r>
-            <a:br>
-              <a:rPr lang="en-GB" sz="5400" dirty="0">
-                <a:solidFill>
-                  <a:schemeClr val="bg1"/>
-                </a:solidFill>
-              </a:rPr>
-            </a:br>
-            <a:r>
-              <a:rPr lang="en-GB" sz="5400" dirty="0">
-                <a:solidFill>
-                  <a:schemeClr val="bg1"/>
-                </a:solidFill>
-              </a:rPr>
-              <a:t>Sing a little louder Heaven comes to fight for me</a:t>
+              <a:rPr lang="en-GB" sz="4400" dirty="0">
+                <a:solidFill>
+                  <a:schemeClr val="bg1"/>
+                </a:solidFill>
+              </a:rPr>
+              <a:t>I love You Lord, I love You</a:t>
+            </a:r>
+          </a:p>
+          <a:p>
+            <a:r>
+              <a:rPr lang="en-GB" sz="4400" dirty="0">
+                <a:solidFill>
+                  <a:schemeClr val="bg1"/>
+                </a:solidFill>
+              </a:rPr>
+              <a:t>And I want to sing a sweet </a:t>
+            </a:r>
+            <a:r>
+              <a:rPr lang="en-GB" sz="4400" dirty="0" err="1">
+                <a:solidFill>
+                  <a:schemeClr val="bg1"/>
+                </a:solidFill>
+              </a:rPr>
+              <a:t>sweet</a:t>
+            </a:r>
+            <a:r>
+              <a:rPr lang="en-GB" sz="4400" dirty="0">
+                <a:solidFill>
+                  <a:schemeClr val="bg1"/>
+                </a:solidFill>
+              </a:rPr>
+              <a:t> melody</a:t>
+            </a:r>
+          </a:p>
+          <a:p>
+            <a:r>
+              <a:rPr lang="en-GB" sz="4400" dirty="0">
+                <a:solidFill>
+                  <a:schemeClr val="bg1"/>
+                </a:solidFill>
+              </a:rPr>
+              <a:t>To tell You, that I love You</a:t>
+            </a:r>
+          </a:p>
+          <a:p>
+            <a:r>
+              <a:rPr lang="en-GB" sz="4400" dirty="0">
+                <a:solidFill>
+                  <a:schemeClr val="bg1"/>
+                </a:solidFill>
+              </a:rPr>
+              <a:t>Let it be a sweet </a:t>
+            </a:r>
+            <a:r>
+              <a:rPr lang="en-GB" sz="4400" dirty="0" err="1">
+                <a:solidFill>
+                  <a:schemeClr val="bg1"/>
+                </a:solidFill>
+              </a:rPr>
+              <a:t>sweet</a:t>
+            </a:r>
+            <a:r>
+              <a:rPr lang="en-GB" sz="4400" dirty="0">
+                <a:solidFill>
+                  <a:schemeClr val="bg1"/>
+                </a:solidFill>
+              </a:rPr>
+              <a:t> melody</a:t>
+            </a:r>
+          </a:p>
+          <a:p>
+            <a:r>
+              <a:rPr lang="en-GB" sz="4400" dirty="0">
+                <a:solidFill>
+                  <a:schemeClr val="bg1"/>
+                </a:solidFill>
+              </a:rPr>
+              <a:t>To my King</a:t>
             </a:r>
           </a:p>
         </p:txBody>
@@ -6887,12 +6887,17 @@
                   <a:schemeClr val="bg1"/>
                 </a:solidFill>
               </a:rPr>
-              <a:t>5/7</a:t>
+              <a:t>3/6</a:t>
             </a:r>
           </a:p>
         </p:txBody>
       </p:sp>
     </p:spTree>
+    <p:extLst>
+      <p:ext uri="{BB962C8B-B14F-4D97-AF65-F5344CB8AC3E}">
+        <p14:creationId xmlns:p14="http://schemas.microsoft.com/office/powerpoint/2010/main" val="184211131"/>
+      </p:ext>
+    </p:extLst>
   </p:cSld>
   <p:clrMapOvr>
     <a:masterClrMapping/>
@@ -6939,132 +6944,76 @@
           </a:bodyPr>
           <a:lstStyle/>
           <a:p>
-            <a:endParaRPr lang="en-GB" sz="5400" dirty="0">
-              <a:solidFill>
-                <a:schemeClr val="bg1"/>
-              </a:solidFill>
-            </a:endParaRPr>
-          </a:p>
-          <a:p>
-            <a:r>
-              <a:rPr lang="en-GB" sz="4400" b="0" i="0" dirty="0">
-                <a:solidFill>
-                  <a:srgbClr val="00A3E0"/>
-                </a:solidFill>
-                <a:effectLst/>
-                <a:latin typeface="akagi_probook"/>
-              </a:rPr>
-              <a:t>Turn It Up</a:t>
-            </a:r>
-          </a:p>
-          <a:p>
-            <a:br>
-              <a:rPr lang="en-GB" sz="1200" dirty="0">
-                <a:solidFill>
-                  <a:schemeClr val="bg1"/>
-                </a:solidFill>
-              </a:rPr>
-            </a:br>
-            <a:r>
-              <a:rPr lang="en-GB" sz="1200" dirty="0">
-                <a:solidFill>
-                  <a:schemeClr val="bg1"/>
-                </a:solidFill>
-              </a:rPr>
-              <a:t>CCLI Song # 6621485</a:t>
-            </a:r>
-          </a:p>
-          <a:p>
-            <a:endParaRPr lang="en-GB" sz="1200" dirty="0">
-              <a:solidFill>
-                <a:schemeClr val="bg1"/>
-              </a:solidFill>
-            </a:endParaRPr>
-          </a:p>
-          <a:p>
-            <a:r>
-              <a:rPr lang="en-GB" sz="1200" dirty="0">
-                <a:solidFill>
-                  <a:schemeClr val="bg1"/>
-                </a:solidFill>
-              </a:rPr>
-              <a:t>Andy Harrison</a:t>
-            </a:r>
-          </a:p>
-          <a:p>
-            <a:endParaRPr lang="en-GB" sz="1200" dirty="0">
-              <a:solidFill>
-                <a:schemeClr val="bg1"/>
-              </a:solidFill>
-            </a:endParaRPr>
-          </a:p>
-          <a:p>
-            <a:r>
-              <a:rPr lang="en-GB" sz="1200" dirty="0">
-                <a:solidFill>
-                  <a:schemeClr val="bg1"/>
-                </a:solidFill>
-              </a:rPr>
-              <a:t>© 2012 </a:t>
-            </a:r>
-            <a:r>
-              <a:rPr lang="en-GB" sz="1200" dirty="0" err="1">
-                <a:solidFill>
-                  <a:schemeClr val="bg1"/>
-                </a:solidFill>
-              </a:rPr>
-              <a:t>Planetshakers</a:t>
-            </a:r>
-            <a:r>
-              <a:rPr lang="en-GB" sz="1200" dirty="0">
-                <a:solidFill>
-                  <a:schemeClr val="bg1"/>
-                </a:solidFill>
-              </a:rPr>
-              <a:t> Ministries Int. Inc. (Admin. by Song Solutions www.songsolutions.org)</a:t>
-            </a:r>
-          </a:p>
-          <a:p>
-            <a:r>
-              <a:rPr lang="en-GB" sz="1200" dirty="0">
-                <a:solidFill>
-                  <a:schemeClr val="bg1"/>
-                </a:solidFill>
-              </a:rPr>
-              <a:t>For use solely with the </a:t>
-            </a:r>
-            <a:r>
-              <a:rPr lang="en-GB" sz="1200" dirty="0" err="1">
-                <a:solidFill>
-                  <a:schemeClr val="bg1"/>
-                </a:solidFill>
-              </a:rPr>
-              <a:t>SongSelect</a:t>
-            </a:r>
-            <a:r>
-              <a:rPr lang="en-GB" sz="1200" dirty="0">
-                <a:solidFill>
-                  <a:schemeClr val="bg1"/>
-                </a:solidFill>
-              </a:rPr>
-              <a:t>® Terms of Use. All rights reserved. www.ccli.com</a:t>
-            </a:r>
-          </a:p>
-          <a:p>
-            <a:endParaRPr lang="en-GB" sz="1200" dirty="0">
-              <a:solidFill>
-                <a:schemeClr val="bg1"/>
-              </a:solidFill>
-            </a:endParaRPr>
-          </a:p>
-          <a:p>
-            <a:r>
-              <a:rPr lang="en-GB" sz="1200" dirty="0">
-                <a:solidFill>
-                  <a:schemeClr val="bg1"/>
-                </a:solidFill>
-              </a:rPr>
-              <a:t>CCLI Licence No. 33265</a:t>
+            <a:r>
+              <a:rPr lang="en-GB" sz="4000" dirty="0">
+                <a:solidFill>
+                  <a:schemeClr val="bg1"/>
+                </a:solidFill>
+              </a:rPr>
+              <a:t>You are here as we lift You up</a:t>
+            </a:r>
+          </a:p>
+          <a:p>
+            <a:r>
+              <a:rPr lang="en-GB" sz="4000" dirty="0">
+                <a:solidFill>
+                  <a:schemeClr val="bg1"/>
+                </a:solidFill>
+              </a:rPr>
+              <a:t>You are riding on our praise</a:t>
+            </a:r>
+          </a:p>
+          <a:p>
+            <a:r>
+              <a:rPr lang="en-GB" sz="4000" dirty="0">
+                <a:solidFill>
+                  <a:schemeClr val="bg1"/>
+                </a:solidFill>
+              </a:rPr>
+              <a:t>Be enthroned over everything</a:t>
+            </a:r>
+          </a:p>
+          <a:p>
+            <a:r>
+              <a:rPr lang="en-GB" sz="4000" dirty="0">
+                <a:solidFill>
+                  <a:schemeClr val="bg1"/>
+                </a:solidFill>
+              </a:rPr>
+              <a:t>You are seated in our praise</a:t>
+            </a:r>
+          </a:p>
+        </p:txBody>
+      </p:sp>
+      <p:sp>
+        <p:nvSpPr>
+          <p:cNvPr id="4" name="TextBox 3"/>
+          <p:cNvSpPr txBox="1"/>
+          <p:nvPr/>
+        </p:nvSpPr>
+        <p:spPr>
+          <a:xfrm>
+            <a:off x="8529729" y="0"/>
+            <a:ext cx="628698" cy="461665"/>
+          </a:xfrm>
+          <a:prstGeom prst="rect">
+            <a:avLst/>
+          </a:prstGeom>
+          <a:noFill/>
+        </p:spPr>
+        <p:txBody>
+          <a:bodyPr wrap="none" rtlCol="0">
+            <a:spAutoFit/>
+          </a:bodyPr>
+          <a:lstStyle/>
+          <a:p>
+            <a:r>
+              <a:rPr lang="en-GB" sz="2400" b="1" dirty="0">
+                <a:solidFill>
+                  <a:schemeClr val="bg1"/>
+                </a:solidFill>
+              </a:rPr>
+              <a:t>1/7</a:t>
             </a:r>
           </a:p>
         </p:txBody>
@@ -7072,7 +7021,7 @@
     </p:spTree>
     <p:extLst>
       <p:ext uri="{BB962C8B-B14F-4D97-AF65-F5344CB8AC3E}">
-        <p14:creationId xmlns:p14="http://schemas.microsoft.com/office/powerpoint/2010/main" val="2940382954"/>
+        <p14:creationId xmlns:p14="http://schemas.microsoft.com/office/powerpoint/2010/main" val="2175635830"/>
       </p:ext>
     </p:extLst>
   </p:cSld>
@@ -7122,89 +7071,42 @@
           <a:lstStyle/>
           <a:p>
             <a:r>
-              <a:rPr lang="en-GB" sz="5400" dirty="0">
-                <a:solidFill>
-                  <a:schemeClr val="bg1"/>
-                </a:solidFill>
-              </a:rPr>
-              <a:t>I’m </a:t>
-            </a:r>
-            <a:r>
-              <a:rPr lang="en-GB" sz="5400" dirty="0" err="1">
-                <a:solidFill>
-                  <a:schemeClr val="bg1"/>
-                </a:solidFill>
-              </a:rPr>
-              <a:t>gonna</a:t>
-            </a:r>
-            <a:r>
-              <a:rPr lang="en-GB" sz="5400" dirty="0">
-                <a:solidFill>
-                  <a:schemeClr val="bg1"/>
-                </a:solidFill>
-              </a:rPr>
-              <a:t> sing in the middle of the storm</a:t>
-            </a:r>
-            <a:br>
-              <a:rPr lang="en-GB" sz="5400" dirty="0">
-                <a:solidFill>
-                  <a:schemeClr val="bg1"/>
-                </a:solidFill>
-              </a:rPr>
-            </a:br>
-            <a:r>
-              <a:rPr lang="en-GB" sz="5400" dirty="0">
-                <a:solidFill>
-                  <a:schemeClr val="bg1"/>
-                </a:solidFill>
-              </a:rPr>
-              <a:t>Louder and louder you’re </a:t>
-            </a:r>
-            <a:r>
-              <a:rPr lang="en-GB" sz="5400" dirty="0" err="1">
-                <a:solidFill>
-                  <a:schemeClr val="bg1"/>
-                </a:solidFill>
-              </a:rPr>
-              <a:t>gonna</a:t>
-            </a:r>
-            <a:r>
-              <a:rPr lang="en-GB" sz="5400" dirty="0">
-                <a:solidFill>
-                  <a:schemeClr val="bg1"/>
-                </a:solidFill>
-              </a:rPr>
-              <a:t> hear my praises roar</a:t>
-            </a:r>
-            <a:br>
-              <a:rPr lang="en-GB" sz="5400" dirty="0">
-                <a:solidFill>
-                  <a:schemeClr val="bg1"/>
-                </a:solidFill>
-              </a:rPr>
-            </a:br>
-            <a:r>
-              <a:rPr lang="en-GB" sz="5400" dirty="0">
-                <a:solidFill>
-                  <a:schemeClr val="bg1"/>
-                </a:solidFill>
-              </a:rPr>
-              <a:t>Up from the ashes hope will arise</a:t>
-            </a:r>
-            <a:br>
-              <a:rPr lang="en-GB" sz="5400" dirty="0">
-                <a:solidFill>
-                  <a:schemeClr val="bg1"/>
-                </a:solidFill>
-              </a:rPr>
-            </a:br>
-            <a:r>
-              <a:rPr lang="en-GB" sz="5400" dirty="0">
-                <a:solidFill>
-                  <a:schemeClr val="bg1"/>
-                </a:solidFill>
-              </a:rPr>
-              <a:t>Death is defeated the King is alive</a:t>
+              <a:rPr lang="en-GB" sz="4400" dirty="0">
+                <a:solidFill>
+                  <a:schemeClr val="bg1"/>
+                </a:solidFill>
+              </a:rPr>
+              <a:t>You inhabit the praises of Your people</a:t>
+            </a:r>
+          </a:p>
+          <a:p>
+            <a:r>
+              <a:rPr lang="en-GB" sz="4400" dirty="0">
+                <a:solidFill>
+                  <a:schemeClr val="bg1"/>
+                </a:solidFill>
+              </a:rPr>
+              <a:t>So I know You're here, right now</a:t>
+            </a:r>
+          </a:p>
+          <a:p>
+            <a:r>
+              <a:rPr lang="en-GB" sz="4400" dirty="0">
+                <a:solidFill>
+                  <a:schemeClr val="bg1"/>
+                </a:solidFill>
+              </a:rPr>
+              <a:t>With Your Spirit stirring all around me</a:t>
+            </a:r>
+          </a:p>
+          <a:p>
+            <a:r>
+              <a:rPr lang="en-GB" sz="4400" dirty="0">
+                <a:solidFill>
+                  <a:schemeClr val="bg1"/>
+                </a:solidFill>
+              </a:rPr>
+              <a:t>Before Your glory, I bow</a:t>
             </a:r>
           </a:p>
         </p:txBody>
@@ -7237,12 +7139,17 @@
                   <a:schemeClr val="bg1"/>
                 </a:solidFill>
               </a:rPr>
-              <a:t>6/7</a:t>
+              <a:t>4/6</a:t>
             </a:r>
           </a:p>
         </p:txBody>
       </p:sp>
     </p:spTree>
+    <p:extLst>
+      <p:ext uri="{BB962C8B-B14F-4D97-AF65-F5344CB8AC3E}">
+        <p14:creationId xmlns:p14="http://schemas.microsoft.com/office/powerpoint/2010/main" val="2699212561"/>
+      </p:ext>
+    </p:extLst>
   </p:cSld>
   <p:clrMapOvr>
     <a:masterClrMapping/>
@@ -7290,57 +7197,72 @@
           <a:lstStyle/>
           <a:p>
             <a:r>
-              <a:rPr lang="en-GB" sz="4800" dirty="0">
-                <a:solidFill>
-                  <a:schemeClr val="bg1"/>
-                </a:solidFill>
-              </a:rPr>
-              <a:t>I raise a hallelujah in the presence of my enemies</a:t>
-            </a:r>
-            <a:br>
-              <a:rPr lang="en-GB" sz="4800" dirty="0">
-                <a:solidFill>
-                  <a:schemeClr val="bg1"/>
-                </a:solidFill>
-              </a:rPr>
-            </a:br>
-            <a:r>
-              <a:rPr lang="en-GB" sz="4800" dirty="0">
-                <a:solidFill>
-                  <a:schemeClr val="bg1"/>
-                </a:solidFill>
-              </a:rPr>
-              <a:t>I raise a hallelujah louder than the unbelief</a:t>
-            </a:r>
-            <a:br>
-              <a:rPr lang="en-GB" sz="4800" dirty="0">
-                <a:solidFill>
-                  <a:schemeClr val="bg1"/>
-                </a:solidFill>
-              </a:rPr>
-            </a:br>
-            <a:r>
-              <a:rPr lang="en-GB" sz="4800" dirty="0">
-                <a:solidFill>
-                  <a:schemeClr val="bg1"/>
-                </a:solidFill>
-              </a:rPr>
-              <a:t>I raise a hallelujah my weapon is a melody</a:t>
-            </a:r>
-            <a:br>
-              <a:rPr lang="en-GB" sz="4800" dirty="0">
-                <a:solidFill>
-                  <a:schemeClr val="bg1"/>
-                </a:solidFill>
-              </a:rPr>
-            </a:br>
-            <a:r>
-              <a:rPr lang="en-GB" sz="4800" dirty="0">
-                <a:solidFill>
-                  <a:schemeClr val="bg1"/>
-                </a:solidFill>
-              </a:rPr>
-              <a:t>I raise a hallelujah Heaven comes to fight for me</a:t>
+              <a:rPr lang="en-GB" sz="4400" dirty="0">
+                <a:solidFill>
+                  <a:schemeClr val="bg1"/>
+                </a:solidFill>
+              </a:rPr>
+              <a:t>In my coming and my going</a:t>
+            </a:r>
+          </a:p>
+          <a:p>
+            <a:r>
+              <a:rPr lang="en-GB" sz="4400" dirty="0">
+                <a:solidFill>
+                  <a:schemeClr val="bg1"/>
+                </a:solidFill>
+              </a:rPr>
+              <a:t>I will praise You</a:t>
+            </a:r>
+          </a:p>
+          <a:p>
+            <a:r>
+              <a:rPr lang="en-GB" sz="4400" dirty="0">
+                <a:solidFill>
+                  <a:schemeClr val="bg1"/>
+                </a:solidFill>
+              </a:rPr>
+              <a:t>From the evening through the morning</a:t>
+            </a:r>
+          </a:p>
+          <a:p>
+            <a:r>
+              <a:rPr lang="en-GB" sz="4400" dirty="0">
+                <a:solidFill>
+                  <a:schemeClr val="bg1"/>
+                </a:solidFill>
+              </a:rPr>
+              <a:t>I will praise You</a:t>
+            </a:r>
+          </a:p>
+          <a:p>
+            <a:r>
+              <a:rPr lang="en-GB" sz="4400" dirty="0">
+                <a:solidFill>
+                  <a:schemeClr val="bg1"/>
+                </a:solidFill>
+              </a:rPr>
+              <a:t>When I rise and when I fall</a:t>
+            </a:r>
+          </a:p>
+          <a:p>
+            <a:r>
+              <a:rPr lang="en-GB" sz="4400" dirty="0">
+                <a:solidFill>
+                  <a:schemeClr val="bg1"/>
+                </a:solidFill>
+              </a:rPr>
+              <a:t>I will praise You through it all</a:t>
+            </a:r>
+          </a:p>
+          <a:p>
+            <a:r>
+              <a:rPr lang="en-GB" sz="4400" dirty="0">
+                <a:solidFill>
+                  <a:schemeClr val="bg1"/>
+                </a:solidFill>
+              </a:rPr>
+              <a:t>I will sing a love song to my King</a:t>
             </a:r>
           </a:p>
         </p:txBody>
@@ -7373,12 +7295,17 @@
                   <a:schemeClr val="bg1"/>
                 </a:solidFill>
               </a:rPr>
-              <a:t>7/7</a:t>
+              <a:t>5/6</a:t>
             </a:r>
           </a:p>
         </p:txBody>
       </p:sp>
     </p:spTree>
+    <p:extLst>
+      <p:ext uri="{BB962C8B-B14F-4D97-AF65-F5344CB8AC3E}">
+        <p14:creationId xmlns:p14="http://schemas.microsoft.com/office/powerpoint/2010/main" val="79117966"/>
+      </p:ext>
+    </p:extLst>
   </p:cSld>
   <p:clrMapOvr>
     <a:masterClrMapping/>
@@ -7425,162 +7352,106 @@
           </a:bodyPr>
           <a:lstStyle/>
           <a:p>
-            <a:endParaRPr lang="en-GB" sz="5400" dirty="0">
-              <a:solidFill>
-                <a:schemeClr val="bg1"/>
-              </a:solidFill>
-            </a:endParaRPr>
-          </a:p>
-          <a:p>
-            <a:r>
-              <a:rPr lang="en-GB" sz="4400" b="0" i="0" dirty="0">
-                <a:solidFill>
-                  <a:srgbClr val="00A3E0"/>
-                </a:solidFill>
-                <a:effectLst/>
-                <a:latin typeface="akagi_probook"/>
-              </a:rPr>
-              <a:t>In Jesus Name</a:t>
-            </a:r>
-          </a:p>
-          <a:p>
-            <a:br>
-              <a:rPr lang="en-GB" sz="1200" dirty="0">
-                <a:solidFill>
-                  <a:schemeClr val="bg1"/>
-                </a:solidFill>
-              </a:rPr>
-            </a:br>
-            <a:r>
-              <a:rPr lang="en-GB" sz="1200" dirty="0">
-                <a:solidFill>
-                  <a:schemeClr val="bg1"/>
-                </a:solidFill>
-              </a:rPr>
-              <a:t>CCLI Song # 6454638</a:t>
-            </a:r>
-          </a:p>
-          <a:p>
-            <a:endParaRPr lang="en-GB" sz="1200" dirty="0">
-              <a:solidFill>
-                <a:schemeClr val="bg1"/>
-              </a:solidFill>
-            </a:endParaRPr>
-          </a:p>
-          <a:p>
-            <a:r>
-              <a:rPr lang="en-GB" sz="1200" dirty="0">
-                <a:solidFill>
-                  <a:schemeClr val="bg1"/>
-                </a:solidFill>
-              </a:rPr>
-              <a:t>Darlene </a:t>
-            </a:r>
-            <a:r>
-              <a:rPr lang="en-GB" sz="1200" dirty="0" err="1">
-                <a:solidFill>
-                  <a:schemeClr val="bg1"/>
-                </a:solidFill>
-              </a:rPr>
-              <a:t>Zschech</a:t>
-            </a:r>
-            <a:r>
-              <a:rPr lang="en-GB" sz="1200" dirty="0">
-                <a:solidFill>
-                  <a:schemeClr val="bg1"/>
-                </a:solidFill>
-              </a:rPr>
-              <a:t> | Israel Houghton</a:t>
-            </a:r>
-          </a:p>
-          <a:p>
-            <a:endParaRPr lang="en-GB" sz="1200" dirty="0">
-              <a:solidFill>
-                <a:schemeClr val="bg1"/>
-              </a:solidFill>
-            </a:endParaRPr>
-          </a:p>
-          <a:p>
-            <a:r>
-              <a:rPr lang="en-GB" sz="1200" dirty="0">
-                <a:solidFill>
-                  <a:schemeClr val="bg1"/>
-                </a:solidFill>
-              </a:rPr>
-              <a:t>© 2013 EWI (Admin. by Integrity Music Ltd)</a:t>
-            </a:r>
-          </a:p>
-          <a:p>
-            <a:r>
-              <a:rPr lang="en-GB" sz="1200" dirty="0">
-                <a:solidFill>
-                  <a:schemeClr val="bg1"/>
-                </a:solidFill>
-              </a:rPr>
-              <a:t>Integrity Worship Music (Admin. by Integrity Music Ltd)</a:t>
-            </a:r>
-          </a:p>
-          <a:p>
-            <a:r>
-              <a:rPr lang="en-GB" sz="1200" dirty="0">
-                <a:solidFill>
-                  <a:schemeClr val="bg1"/>
-                </a:solidFill>
-              </a:rPr>
-              <a:t>Integrity's Praise! Music (Admin. by Integrity Music Ltd)</a:t>
-            </a:r>
-          </a:p>
-          <a:p>
-            <a:r>
-              <a:rPr lang="en-GB" sz="1200" dirty="0">
-                <a:solidFill>
-                  <a:schemeClr val="bg1"/>
-                </a:solidFill>
-              </a:rPr>
-              <a:t>Sound Of The New Breed (Admin. by Integrity Music Ltd)</a:t>
-            </a:r>
-          </a:p>
-          <a:p>
-            <a:r>
-              <a:rPr lang="en-GB" sz="1200" dirty="0">
-                <a:solidFill>
-                  <a:schemeClr val="bg1"/>
-                </a:solidFill>
-              </a:rPr>
-              <a:t>For use solely with the </a:t>
-            </a:r>
-            <a:r>
-              <a:rPr lang="en-GB" sz="1200" dirty="0" err="1">
-                <a:solidFill>
-                  <a:schemeClr val="bg1"/>
-                </a:solidFill>
-              </a:rPr>
-              <a:t>SongSelect</a:t>
-            </a:r>
-            <a:r>
-              <a:rPr lang="en-GB" sz="1200" dirty="0">
-                <a:solidFill>
-                  <a:schemeClr val="bg1"/>
-                </a:solidFill>
-              </a:rPr>
-              <a:t>® Terms of Use. All rights reserved. www.ccli.com</a:t>
-            </a:r>
-          </a:p>
-          <a:p>
-            <a:endParaRPr lang="en-GB" sz="1200" dirty="0">
-              <a:solidFill>
-                <a:schemeClr val="bg1"/>
-              </a:solidFill>
-            </a:endParaRPr>
-          </a:p>
-          <a:p>
-            <a:r>
-              <a:rPr lang="en-GB" sz="1200" dirty="0">
-                <a:solidFill>
-                  <a:schemeClr val="bg1"/>
-                </a:solidFill>
-              </a:rPr>
-              <a:t>CCLI Licence No. 33265</a:t>
+            <a:r>
+              <a:rPr lang="en-GB" sz="4400" dirty="0">
+                <a:solidFill>
+                  <a:schemeClr val="bg1"/>
+                </a:solidFill>
+              </a:rPr>
+              <a:t>When I'm lonely and I'm doubting</a:t>
+            </a:r>
+          </a:p>
+          <a:p>
+            <a:r>
+              <a:rPr lang="en-GB" sz="4400" dirty="0">
+                <a:solidFill>
+                  <a:schemeClr val="bg1"/>
+                </a:solidFill>
+              </a:rPr>
+              <a:t>I will praise You</a:t>
+            </a:r>
+          </a:p>
+          <a:p>
+            <a:r>
+              <a:rPr lang="en-GB" sz="4400" dirty="0">
+                <a:solidFill>
+                  <a:schemeClr val="bg1"/>
+                </a:solidFill>
+              </a:rPr>
+              <a:t>On the mountain when I'm shouting</a:t>
+            </a:r>
+          </a:p>
+          <a:p>
+            <a:r>
+              <a:rPr lang="en-GB" sz="4400" dirty="0">
+                <a:solidFill>
+                  <a:schemeClr val="bg1"/>
+                </a:solidFill>
+              </a:rPr>
+              <a:t>I will praise You</a:t>
+            </a:r>
+          </a:p>
+          <a:p>
+            <a:r>
+              <a:rPr lang="en-GB" sz="4400" dirty="0">
+                <a:solidFill>
+                  <a:schemeClr val="bg1"/>
+                </a:solidFill>
+              </a:rPr>
+              <a:t>When I rise and when I fall</a:t>
+            </a:r>
+          </a:p>
+          <a:p>
+            <a:r>
+              <a:rPr lang="en-GB" sz="4400" dirty="0">
+                <a:solidFill>
+                  <a:schemeClr val="bg1"/>
+                </a:solidFill>
+              </a:rPr>
+              <a:t>I will praise You through it all</a:t>
+            </a:r>
+          </a:p>
+          <a:p>
+            <a:r>
+              <a:rPr lang="en-GB" sz="4400" dirty="0">
+                <a:solidFill>
+                  <a:schemeClr val="bg1"/>
+                </a:solidFill>
+              </a:rPr>
+              <a:t>I will sing a love song to my King</a:t>
+            </a:r>
+          </a:p>
+        </p:txBody>
+      </p:sp>
+      <p:sp>
+        <p:nvSpPr>
+          <p:cNvPr id="4" name="TextBox 3"/>
+          <p:cNvSpPr txBox="1"/>
+          <p:nvPr/>
+        </p:nvSpPr>
+        <p:spPr>
+          <a:xfrm>
+            <a:off x="8529729" y="0"/>
+            <a:ext cx="628698" cy="461665"/>
+          </a:xfrm>
+          <a:prstGeom prst="rect">
+            <a:avLst/>
+          </a:prstGeom>
+          <a:noFill/>
+        </p:spPr>
+        <p:txBody>
+          <a:bodyPr wrap="none" rtlCol="0">
+            <a:spAutoFit/>
+          </a:bodyPr>
+          <a:lstStyle/>
+          <a:p>
+            <a:r>
+              <a:rPr lang="en-GB" sz="2400" b="1" dirty="0">
+                <a:solidFill>
+                  <a:schemeClr val="bg1"/>
+                </a:solidFill>
+              </a:rPr>
+              <a:t>6/6</a:t>
             </a:r>
           </a:p>
         </p:txBody>
@@ -7588,7 +7459,7 @@
     </p:spTree>
     <p:extLst>
       <p:ext uri="{BB962C8B-B14F-4D97-AF65-F5344CB8AC3E}">
-        <p14:creationId xmlns:p14="http://schemas.microsoft.com/office/powerpoint/2010/main" val="2338716717"/>
+        <p14:creationId xmlns:p14="http://schemas.microsoft.com/office/powerpoint/2010/main" val="3964888748"/>
       </p:ext>
     </p:extLst>
   </p:cSld>
@@ -7637,96 +7508,156 @@
           </a:bodyPr>
           <a:lstStyle/>
           <a:p>
-            <a:r>
-              <a:rPr lang="en-GB" sz="4000" dirty="0">
-                <a:solidFill>
-                  <a:schemeClr val="bg1"/>
-                </a:solidFill>
-              </a:rPr>
-              <a:t>God is fighting for us God is on our side</a:t>
-            </a:r>
-          </a:p>
-          <a:p>
-            <a:r>
-              <a:rPr lang="en-GB" sz="4000" dirty="0">
-                <a:solidFill>
-                  <a:schemeClr val="bg1"/>
-                </a:solidFill>
-              </a:rPr>
-              <a:t>He has overcome yes</a:t>
-            </a:r>
-          </a:p>
-          <a:p>
-            <a:r>
-              <a:rPr lang="en-GB" sz="4000" dirty="0">
-                <a:solidFill>
-                  <a:schemeClr val="bg1"/>
-                </a:solidFill>
-              </a:rPr>
-              <a:t>He has overcome</a:t>
-            </a:r>
-          </a:p>
-          <a:p>
-            <a:r>
-              <a:rPr lang="en-GB" sz="4000" dirty="0">
-                <a:solidFill>
-                  <a:schemeClr val="bg1"/>
-                </a:solidFill>
-              </a:rPr>
-              <a:t>We will not be shaken we will not be moved</a:t>
-            </a:r>
-          </a:p>
-          <a:p>
-            <a:r>
-              <a:rPr lang="en-GB" sz="4000" dirty="0">
-                <a:solidFill>
-                  <a:schemeClr val="bg1"/>
-                </a:solidFill>
-              </a:rPr>
-              <a:t>Jesus You are here (oh)</a:t>
-            </a:r>
-          </a:p>
-          <a:p>
-            <a:r>
-              <a:rPr lang="en-GB" sz="4000" dirty="0">
-                <a:solidFill>
-                  <a:schemeClr val="bg1"/>
-                </a:solidFill>
-              </a:rPr>
-              <a:t>(REPEAT)</a:t>
-            </a:r>
-          </a:p>
-        </p:txBody>
-      </p:sp>
-      <p:sp>
-        <p:nvSpPr>
-          <p:cNvPr id="4" name="TextBox 3"/>
-          <p:cNvSpPr txBox="1"/>
-          <p:nvPr/>
-        </p:nvSpPr>
-        <p:spPr>
-          <a:xfrm>
-            <a:off x="8529729" y="0"/>
-            <a:ext cx="628698" cy="461665"/>
-          </a:xfrm>
-          <a:prstGeom prst="rect">
-            <a:avLst/>
-          </a:prstGeom>
-          <a:noFill/>
-        </p:spPr>
-        <p:txBody>
-          <a:bodyPr wrap="none" rtlCol="0">
-            <a:spAutoFit/>
-          </a:bodyPr>
-          <a:lstStyle/>
-          <a:p>
-            <a:r>
-              <a:rPr lang="en-GB" sz="2400" b="1" dirty="0">
-                <a:solidFill>
-                  <a:schemeClr val="bg1"/>
-                </a:solidFill>
-              </a:rPr>
-              <a:t>1/5</a:t>
+            <a:endParaRPr lang="en-GB" sz="6600" dirty="0">
+              <a:solidFill>
+                <a:srgbClr val="00A3E0"/>
+              </a:solidFill>
+              <a:latin typeface="akagi_probook"/>
+            </a:endParaRPr>
+          </a:p>
+          <a:p>
+            <a:r>
+              <a:rPr lang="en-GB" sz="6600" dirty="0">
+                <a:solidFill>
+                  <a:srgbClr val="00A3E0"/>
+                </a:solidFill>
+                <a:latin typeface="akagi_probook"/>
+              </a:rPr>
+              <a:t>Goodness Of God</a:t>
+            </a:r>
+          </a:p>
+          <a:p>
+            <a:endParaRPr lang="en-GB" sz="1200" dirty="0">
+              <a:solidFill>
+                <a:schemeClr val="bg1"/>
+              </a:solidFill>
+            </a:endParaRPr>
+          </a:p>
+          <a:p>
+            <a:r>
+              <a:rPr lang="en-GB" sz="1200" dirty="0">
+                <a:solidFill>
+                  <a:schemeClr val="bg1"/>
+                </a:solidFill>
+              </a:rPr>
+              <a:t>CCLI Song # 7117726</a:t>
+            </a:r>
+          </a:p>
+          <a:p>
+            <a:endParaRPr lang="en-GB" sz="1200" dirty="0">
+              <a:solidFill>
+                <a:schemeClr val="bg1"/>
+              </a:solidFill>
+            </a:endParaRPr>
+          </a:p>
+          <a:p>
+            <a:r>
+              <a:rPr lang="en-GB" sz="1200" dirty="0">
+                <a:solidFill>
+                  <a:schemeClr val="bg1"/>
+                </a:solidFill>
+              </a:rPr>
+              <a:t>Ben Fielding | Brian Johnson | Ed Cash | Jason Ingram | Jenn Johnson</a:t>
+            </a:r>
+          </a:p>
+          <a:p>
+            <a:endParaRPr lang="en-GB" sz="1200" dirty="0">
+              <a:solidFill>
+                <a:schemeClr val="bg1"/>
+              </a:solidFill>
+            </a:endParaRPr>
+          </a:p>
+          <a:p>
+            <a:r>
+              <a:rPr lang="en-GB" sz="1200" dirty="0">
+                <a:solidFill>
+                  <a:schemeClr val="bg1"/>
+                </a:solidFill>
+              </a:rPr>
+              <a:t>© 2018 Capitol CMG Paragon (Admin. by Capitol CMG Publishing)</a:t>
+            </a:r>
+          </a:p>
+          <a:p>
+            <a:r>
+              <a:rPr lang="en-GB" sz="1200" dirty="0">
+                <a:solidFill>
+                  <a:schemeClr val="bg1"/>
+                </a:solidFill>
+              </a:rPr>
+              <a:t>Fellow Ships Music (Admin. by Essential Music Publishing LLC)</a:t>
+            </a:r>
+          </a:p>
+          <a:p>
+            <a:r>
+              <a:rPr lang="en-GB" sz="1200" dirty="0">
+                <a:solidFill>
+                  <a:schemeClr val="bg1"/>
+                </a:solidFill>
+              </a:rPr>
+              <a:t>So Essential Tunes (Admin. by Essential Music Publishing LLC)</a:t>
+            </a:r>
+          </a:p>
+          <a:p>
+            <a:r>
+              <a:rPr lang="en-GB" sz="1200" dirty="0">
+                <a:solidFill>
+                  <a:schemeClr val="bg1"/>
+                </a:solidFill>
+              </a:rPr>
+              <a:t>SHOUT! Music Publishing Australia (Admin. by SHOUT! Music Publishing UK)</a:t>
+            </a:r>
+          </a:p>
+          <a:p>
+            <a:r>
+              <a:rPr lang="en-GB" sz="1200" dirty="0">
+                <a:solidFill>
+                  <a:schemeClr val="bg1"/>
+                </a:solidFill>
+              </a:rPr>
+              <a:t>Bethel Music Publishing (Admin. by Song Solutions)</a:t>
+            </a:r>
+          </a:p>
+          <a:p>
+            <a:r>
+              <a:rPr lang="en-GB" sz="1200" dirty="0">
+                <a:solidFill>
+                  <a:schemeClr val="bg1"/>
+                </a:solidFill>
+              </a:rPr>
+              <a:t>For use solely with the </a:t>
+            </a:r>
+            <a:r>
+              <a:rPr lang="en-GB" sz="1200" dirty="0" err="1">
+                <a:solidFill>
+                  <a:schemeClr val="bg1"/>
+                </a:solidFill>
+              </a:rPr>
+              <a:t>SongSelect</a:t>
+            </a:r>
+            <a:r>
+              <a:rPr lang="en-GB" sz="1200" dirty="0">
+                <a:solidFill>
+                  <a:schemeClr val="bg1"/>
+                </a:solidFill>
+              </a:rPr>
+              <a:t>® Terms of Use. All rights reserved. www.ccli.com</a:t>
+            </a:r>
+          </a:p>
+          <a:p>
+            <a:endParaRPr lang="en-GB" sz="1200" dirty="0">
+              <a:solidFill>
+                <a:schemeClr val="bg1"/>
+              </a:solidFill>
+            </a:endParaRPr>
+          </a:p>
+          <a:p>
+            <a:r>
+              <a:rPr lang="en-GB" sz="1200" dirty="0">
+                <a:solidFill>
+                  <a:schemeClr val="bg1"/>
+                </a:solidFill>
+              </a:rPr>
+              <a:t>CCLI Licence No. 33265</a:t>
             </a:r>
           </a:p>
         </p:txBody>
@@ -7734,7 +7665,7 @@
     </p:spTree>
     <p:extLst>
       <p:ext uri="{BB962C8B-B14F-4D97-AF65-F5344CB8AC3E}">
-        <p14:creationId xmlns:p14="http://schemas.microsoft.com/office/powerpoint/2010/main" val="921494099"/>
+        <p14:creationId xmlns:p14="http://schemas.microsoft.com/office/powerpoint/2010/main" val="2214866038"/>
       </p:ext>
     </p:extLst>
   </p:cSld>
@@ -7784,52 +7715,72 @@
           <a:lstStyle/>
           <a:p>
             <a:r>
-              <a:rPr lang="en-GB" sz="4000" dirty="0">
-                <a:solidFill>
-                  <a:schemeClr val="bg1"/>
-                </a:solidFill>
-              </a:rPr>
-              <a:t>Carrying our burdens covering our shame</a:t>
-            </a:r>
-          </a:p>
-          <a:p>
-            <a:r>
-              <a:rPr lang="en-GB" sz="4000" dirty="0">
-                <a:solidFill>
-                  <a:schemeClr val="bg1"/>
-                </a:solidFill>
-              </a:rPr>
-              <a:t>He has overcome yes</a:t>
-            </a:r>
-          </a:p>
-          <a:p>
-            <a:r>
-              <a:rPr lang="en-GB" sz="4000" dirty="0">
-                <a:solidFill>
-                  <a:schemeClr val="bg1"/>
-                </a:solidFill>
-              </a:rPr>
-              <a:t>He has overcome</a:t>
-            </a:r>
-          </a:p>
-          <a:p>
-            <a:r>
-              <a:rPr lang="en-GB" sz="4000" dirty="0">
-                <a:solidFill>
-                  <a:schemeClr val="bg1"/>
-                </a:solidFill>
-              </a:rPr>
-              <a:t>We will not be shaken we will not be moved</a:t>
-            </a:r>
-          </a:p>
-          <a:p>
-            <a:r>
-              <a:rPr lang="en-GB" sz="4000" dirty="0">
-                <a:solidFill>
-                  <a:schemeClr val="bg1"/>
-                </a:solidFill>
-              </a:rPr>
-              <a:t>Jesus You are here</a:t>
+              <a:rPr lang="en-GB" sz="4400" dirty="0">
+                <a:solidFill>
+                  <a:schemeClr val="bg1"/>
+                </a:solidFill>
+              </a:rPr>
+              <a:t>I love You Lord</a:t>
+            </a:r>
+          </a:p>
+          <a:p>
+            <a:r>
+              <a:rPr lang="en-GB" sz="4400" dirty="0">
+                <a:solidFill>
+                  <a:schemeClr val="bg1"/>
+                </a:solidFill>
+              </a:rPr>
+              <a:t>Oh Your mercy never fails me</a:t>
+            </a:r>
+          </a:p>
+          <a:p>
+            <a:r>
+              <a:rPr lang="en-GB" sz="4400" dirty="0">
+                <a:solidFill>
+                  <a:schemeClr val="bg1"/>
+                </a:solidFill>
+              </a:rPr>
+              <a:t>All my days</a:t>
+            </a:r>
+          </a:p>
+          <a:p>
+            <a:r>
+              <a:rPr lang="en-GB" sz="4400" dirty="0">
+                <a:solidFill>
+                  <a:schemeClr val="bg1"/>
+                </a:solidFill>
+              </a:rPr>
+              <a:t>I've been held in Your hands</a:t>
+            </a:r>
+          </a:p>
+          <a:p>
+            <a:r>
+              <a:rPr lang="en-GB" sz="4400" dirty="0">
+                <a:solidFill>
+                  <a:schemeClr val="bg1"/>
+                </a:solidFill>
+              </a:rPr>
+              <a:t>From the moment that I wake up</a:t>
+            </a:r>
+          </a:p>
+          <a:p>
+            <a:r>
+              <a:rPr lang="en-GB" sz="4400" dirty="0">
+                <a:solidFill>
+                  <a:schemeClr val="bg1"/>
+                </a:solidFill>
+              </a:rPr>
+              <a:t>Until I lay my head</a:t>
+            </a:r>
+          </a:p>
+          <a:p>
+            <a:r>
+              <a:rPr lang="en-GB" sz="4400" dirty="0">
+                <a:solidFill>
+                  <a:schemeClr val="bg1"/>
+                </a:solidFill>
+              </a:rPr>
+              <a:t>I will sing of the goodness of God</a:t>
             </a:r>
           </a:p>
         </p:txBody>
@@ -7862,7 +7813,7 @@
                   <a:schemeClr val="bg1"/>
                 </a:solidFill>
               </a:rPr>
-              <a:t>2/5</a:t>
+              <a:t>1/4</a:t>
             </a:r>
           </a:p>
         </p:txBody>
@@ -7870,7 +7821,7 @@
     </p:spTree>
     <p:extLst>
       <p:ext uri="{BB962C8B-B14F-4D97-AF65-F5344CB8AC3E}">
-        <p14:creationId xmlns:p14="http://schemas.microsoft.com/office/powerpoint/2010/main" val="747613308"/>
+        <p14:creationId xmlns:p14="http://schemas.microsoft.com/office/powerpoint/2010/main" val="2508534383"/>
       </p:ext>
     </p:extLst>
   </p:cSld>
@@ -7920,48 +7871,58 @@
           <a:lstStyle/>
           <a:p>
             <a:r>
-              <a:rPr lang="en-GB" sz="4000" dirty="0">
-                <a:solidFill>
-                  <a:schemeClr val="bg1"/>
-                </a:solidFill>
-              </a:rPr>
-              <a:t>I will live I will not die</a:t>
-            </a:r>
-          </a:p>
-          <a:p>
-            <a:r>
-              <a:rPr lang="en-GB" sz="4000" dirty="0">
-                <a:solidFill>
-                  <a:schemeClr val="bg1"/>
-                </a:solidFill>
-              </a:rPr>
-              <a:t>The resurrection </a:t>
-            </a:r>
-            <a:r>
-              <a:rPr lang="en-GB" sz="4000" dirty="0" err="1">
-                <a:solidFill>
-                  <a:schemeClr val="bg1"/>
-                </a:solidFill>
-              </a:rPr>
-              <a:t>pow'r</a:t>
-            </a:r>
-            <a:r>
-              <a:rPr lang="en-GB" sz="4000" dirty="0">
-                <a:solidFill>
-                  <a:schemeClr val="bg1"/>
-                </a:solidFill>
-              </a:rPr>
-              <a:t> of Christ alive in me</a:t>
-            </a:r>
-          </a:p>
-          <a:p>
-            <a:r>
-              <a:rPr lang="en-GB" sz="4000" dirty="0">
-                <a:solidFill>
-                  <a:schemeClr val="bg1"/>
-                </a:solidFill>
-              </a:rPr>
-              <a:t>And I am free in Jesus' Name</a:t>
+              <a:rPr lang="en-GB" sz="5000" dirty="0">
+                <a:solidFill>
+                  <a:schemeClr val="bg1"/>
+                </a:solidFill>
+              </a:rPr>
+              <a:t>All my life You have been faithful</a:t>
+            </a:r>
+          </a:p>
+          <a:p>
+            <a:r>
+              <a:rPr lang="en-GB" sz="5000" dirty="0">
+                <a:solidFill>
+                  <a:schemeClr val="bg1"/>
+                </a:solidFill>
+              </a:rPr>
+              <a:t>All my life You have been so </a:t>
+            </a:r>
+            <a:r>
+              <a:rPr lang="en-GB" sz="5000" dirty="0" err="1">
+                <a:solidFill>
+                  <a:schemeClr val="bg1"/>
+                </a:solidFill>
+              </a:rPr>
+              <a:t>so</a:t>
+            </a:r>
+            <a:r>
+              <a:rPr lang="en-GB" sz="5000" dirty="0">
+                <a:solidFill>
+                  <a:schemeClr val="bg1"/>
+                </a:solidFill>
+              </a:rPr>
+              <a:t> good</a:t>
+            </a:r>
+          </a:p>
+          <a:p>
+            <a:r>
+              <a:rPr lang="en-GB" sz="5000" dirty="0">
+                <a:solidFill>
+                  <a:schemeClr val="bg1"/>
+                </a:solidFill>
+              </a:rPr>
+              <a:t>With every breath that I am able</a:t>
+            </a:r>
+          </a:p>
+          <a:p>
+            <a:r>
+              <a:rPr lang="en-GB" sz="5000" dirty="0">
+                <a:solidFill>
+                  <a:schemeClr val="bg1"/>
+                </a:solidFill>
+              </a:rPr>
+              <a:t>I will sing of the goodness of God</a:t>
             </a:r>
           </a:p>
         </p:txBody>
@@ -7994,7 +7955,7 @@
                   <a:schemeClr val="bg1"/>
                 </a:solidFill>
               </a:rPr>
-              <a:t>3/5</a:t>
+              <a:t>2/4</a:t>
             </a:r>
           </a:p>
         </p:txBody>
@@ -8002,7 +7963,7 @@
     </p:spTree>
     <p:extLst>
       <p:ext uri="{BB962C8B-B14F-4D97-AF65-F5344CB8AC3E}">
-        <p14:creationId xmlns:p14="http://schemas.microsoft.com/office/powerpoint/2010/main" val="1981149983"/>
+        <p14:creationId xmlns:p14="http://schemas.microsoft.com/office/powerpoint/2010/main" val="2859563930"/>
       </p:ext>
     </p:extLst>
   </p:cSld>
@@ -8052,32 +8013,72 @@
           <a:lstStyle/>
           <a:p>
             <a:r>
-              <a:rPr lang="en-GB" sz="4000" dirty="0">
-                <a:solidFill>
-                  <a:schemeClr val="bg1"/>
-                </a:solidFill>
-              </a:rPr>
-              <a:t>I will live I will not die</a:t>
-            </a:r>
-          </a:p>
-          <a:p>
-            <a:r>
-              <a:rPr lang="en-GB" sz="4000" dirty="0">
-                <a:solidFill>
-                  <a:schemeClr val="bg1"/>
-                </a:solidFill>
-              </a:rPr>
-              <a:t>I will declare and lift You high</a:t>
-            </a:r>
-          </a:p>
-          <a:p>
-            <a:r>
-              <a:rPr lang="en-GB" sz="4000" dirty="0">
-                <a:solidFill>
-                  <a:schemeClr val="bg1"/>
-                </a:solidFill>
-              </a:rPr>
-              <a:t>Christ revealed and I am healed in Jesus' Name</a:t>
+              <a:rPr lang="en-GB" sz="4800" dirty="0">
+                <a:solidFill>
+                  <a:schemeClr val="bg1"/>
+                </a:solidFill>
+              </a:rPr>
+              <a:t>I love Your voice</a:t>
+            </a:r>
+          </a:p>
+          <a:p>
+            <a:r>
+              <a:rPr lang="en-GB" sz="4800" dirty="0">
+                <a:solidFill>
+                  <a:schemeClr val="bg1"/>
+                </a:solidFill>
+              </a:rPr>
+              <a:t>You have led me through the fire</a:t>
+            </a:r>
+          </a:p>
+          <a:p>
+            <a:r>
+              <a:rPr lang="en-GB" sz="4800" dirty="0">
+                <a:solidFill>
+                  <a:schemeClr val="bg1"/>
+                </a:solidFill>
+              </a:rPr>
+              <a:t>In darkest night</a:t>
+            </a:r>
+          </a:p>
+          <a:p>
+            <a:r>
+              <a:rPr lang="en-GB" sz="4800" dirty="0">
+                <a:solidFill>
+                  <a:schemeClr val="bg1"/>
+                </a:solidFill>
+              </a:rPr>
+              <a:t>You are close like no other</a:t>
+            </a:r>
+          </a:p>
+          <a:p>
+            <a:r>
+              <a:rPr lang="en-GB" sz="4800" dirty="0">
+                <a:solidFill>
+                  <a:schemeClr val="bg1"/>
+                </a:solidFill>
+              </a:rPr>
+              <a:t>I've known You as a father</a:t>
+            </a:r>
+          </a:p>
+          <a:p>
+            <a:r>
+              <a:rPr lang="en-GB" sz="4800" dirty="0">
+                <a:solidFill>
+                  <a:schemeClr val="bg1"/>
+                </a:solidFill>
+              </a:rPr>
+              <a:t>I've known You as a friend</a:t>
+            </a:r>
+          </a:p>
+          <a:p>
+            <a:r>
+              <a:rPr lang="en-GB" sz="4800" dirty="0">
+                <a:solidFill>
+                  <a:schemeClr val="bg1"/>
+                </a:solidFill>
+              </a:rPr>
+              <a:t>I have lived in the goodness of God</a:t>
             </a:r>
           </a:p>
         </p:txBody>
@@ -8110,7 +8111,7 @@
                   <a:schemeClr val="bg1"/>
                 </a:solidFill>
               </a:rPr>
-              <a:t>4/5</a:t>
+              <a:t>3/4</a:t>
             </a:r>
           </a:p>
         </p:txBody>
@@ -8118,7 +8119,7 @@
     </p:spTree>
     <p:extLst>
       <p:ext uri="{BB962C8B-B14F-4D97-AF65-F5344CB8AC3E}">
-        <p14:creationId xmlns:p14="http://schemas.microsoft.com/office/powerpoint/2010/main" val="3139464052"/>
+        <p14:creationId xmlns:p14="http://schemas.microsoft.com/office/powerpoint/2010/main" val="1898522980"/>
       </p:ext>
     </p:extLst>
   </p:cSld>
@@ -8173,7 +8174,7 @@
                   <a:schemeClr val="bg1"/>
                 </a:solidFill>
               </a:rPr>
-              <a:t>God is fighting for us pushing back the darkness</a:t>
+              <a:t>Your goodness is running after</a:t>
             </a:r>
           </a:p>
           <a:p>
@@ -8183,7 +8184,7 @@
                   <a:schemeClr val="bg1"/>
                 </a:solidFill>
               </a:rPr>
-              <a:t>Lighting up the Kingdom that cannot be shaken</a:t>
+              <a:t>It’s running after me</a:t>
             </a:r>
           </a:p>
           <a:p>
@@ -8193,7 +8194,7 @@
                   <a:schemeClr val="bg1"/>
                 </a:solidFill>
               </a:rPr>
-              <a:t>In the Name of Jesus enemy's defeated</a:t>
+              <a:t>Your goodness is running after</a:t>
             </a:r>
           </a:p>
           <a:p>
@@ -8203,7 +8204,7 @@
                   <a:schemeClr val="bg1"/>
                 </a:solidFill>
               </a:rPr>
-              <a:t>And we will shout it out shout it out</a:t>
+              <a:t>It’s running after me</a:t>
             </a:r>
           </a:p>
           <a:p>
@@ -8213,7 +8214,47 @@
                   <a:schemeClr val="bg1"/>
                 </a:solidFill>
               </a:rPr>
-              <a:t>(REPEAT)</a:t>
+              <a:t>With my life laid down</a:t>
+            </a:r>
+          </a:p>
+          <a:p>
+            <a:r>
+              <a:rPr lang="en-GB" sz="4000" dirty="0">
+                <a:solidFill>
+                  <a:schemeClr val="bg1"/>
+                </a:solidFill>
+              </a:rPr>
+              <a:t>I’m surrendered now</a:t>
+            </a:r>
+          </a:p>
+          <a:p>
+            <a:r>
+              <a:rPr lang="en-GB" sz="4000" dirty="0">
+                <a:solidFill>
+                  <a:schemeClr val="bg1"/>
+                </a:solidFill>
+              </a:rPr>
+              <a:t>I give You everything</a:t>
+            </a:r>
+          </a:p>
+          <a:p>
+            <a:r>
+              <a:rPr lang="en-GB" sz="4000" dirty="0">
+                <a:solidFill>
+                  <a:schemeClr val="bg1"/>
+                </a:solidFill>
+              </a:rPr>
+              <a:t>Your goodness is running after</a:t>
+            </a:r>
+          </a:p>
+          <a:p>
+            <a:r>
+              <a:rPr lang="en-GB" sz="4000" dirty="0">
+                <a:solidFill>
+                  <a:schemeClr val="bg1"/>
+                </a:solidFill>
+              </a:rPr>
+              <a:t>It's running after me</a:t>
             </a:r>
           </a:p>
         </p:txBody>
@@ -8246,7 +8287,7 @@
                   <a:schemeClr val="bg1"/>
                 </a:solidFill>
               </a:rPr>
-              <a:t>5/5</a:t>
+              <a:t>4/4</a:t>
             </a:r>
           </a:p>
         </p:txBody>
@@ -8254,7 +8295,7 @@
     </p:spTree>
     <p:extLst>
       <p:ext uri="{BB962C8B-B14F-4D97-AF65-F5344CB8AC3E}">
-        <p14:creationId xmlns:p14="http://schemas.microsoft.com/office/powerpoint/2010/main" val="3756570759"/>
+        <p14:creationId xmlns:p14="http://schemas.microsoft.com/office/powerpoint/2010/main" val="857765679"/>
       </p:ext>
     </p:extLst>
   </p:cSld>
@@ -8311,33 +8352,14 @@
           </a:p>
           <a:p>
             <a:r>
-              <a:rPr lang="en-GB" sz="6600" b="0" i="0" dirty="0">
+              <a:rPr lang="en-GB" sz="4400" b="0" i="0" dirty="0">
                 <a:solidFill>
                   <a:srgbClr val="00A3E0"/>
                 </a:solidFill>
                 <a:effectLst/>
                 <a:latin typeface="akagi_probook"/>
               </a:rPr>
-              <a:t>I Love You Lord</a:t>
-            </a:r>
-            <a:br>
-              <a:rPr lang="en-GB" sz="6600" b="0" i="0" dirty="0">
-                <a:solidFill>
-                  <a:srgbClr val="00A3E0"/>
-                </a:solidFill>
-                <a:effectLst/>
-                <a:latin typeface="akagi_probook"/>
-              </a:rPr>
-            </a:br>
-            <a:r>
-              <a:rPr lang="en-GB" sz="6600" b="0" i="0" dirty="0">
-                <a:solidFill>
-                  <a:srgbClr val="00A3E0"/>
-                </a:solidFill>
-                <a:effectLst/>
-                <a:latin typeface="akagi_probook"/>
-              </a:rPr>
-              <a:t>(To My King)</a:t>
+              <a:t>Still</a:t>
             </a:r>
           </a:p>
           <a:p>
@@ -8349,12 +8371,64 @@
               </a:rPr>
             </a:br>
             <a:r>
+              <a:rPr lang="en-GB" sz="1200" dirty="0">
+                <a:solidFill>
+                  <a:schemeClr val="bg1"/>
+                </a:solidFill>
+              </a:rPr>
+              <a:t>CCLI Song # 3940963</a:t>
+            </a:r>
+          </a:p>
+          <a:p>
+            <a:endParaRPr lang="en-GB" sz="1200" dirty="0">
+              <a:solidFill>
+                <a:schemeClr val="bg1"/>
+              </a:solidFill>
+            </a:endParaRPr>
+          </a:p>
+          <a:p>
+            <a:r>
+              <a:rPr lang="en-GB" sz="1200" dirty="0">
+                <a:solidFill>
+                  <a:schemeClr val="bg1"/>
+                </a:solidFill>
+              </a:rPr>
+              <a:t>Reuben Morgan</a:t>
+            </a:r>
+          </a:p>
+          <a:p>
+            <a:endParaRPr lang="en-GB" sz="1200" dirty="0">
+              <a:solidFill>
+                <a:schemeClr val="bg1"/>
+              </a:solidFill>
+            </a:endParaRPr>
+          </a:p>
+          <a:p>
+            <a:r>
+              <a:rPr lang="en-GB" sz="1200" dirty="0">
+                <a:solidFill>
+                  <a:schemeClr val="bg1"/>
+                </a:solidFill>
+              </a:rPr>
+              <a:t>© 2002 Hillsong Music Publishing Australia (Admin. by Hillsong Music Publishing UK)</a:t>
+            </a:r>
+          </a:p>
+          <a:p>
+            <a:r>
+              <a:rPr lang="en-GB" sz="1200" dirty="0">
+                <a:solidFill>
+                  <a:schemeClr val="bg1"/>
+                </a:solidFill>
+              </a:rPr>
+              <a:t>For use solely with the </a:t>
+            </a:r>
+            <a:r>
               <a:rPr lang="en-GB" sz="1200" dirty="0" err="1">
                 <a:solidFill>
                   <a:schemeClr val="bg1"/>
                 </a:solidFill>
               </a:rPr>
-              <a:t>Gatherhouse</a:t>
+              <a:t>SongSelect</a:t>
             </a:r>
             <a:r>
               <a:rPr lang="en-GB" sz="1200" dirty="0">
@@ -8362,23 +8436,24 @@
                   <a:schemeClr val="bg1"/>
                 </a:solidFill>
               </a:rPr>
-              <a:t> Music, Ryan Kennedy, </a:t>
-            </a:r>
-            <a:r>
-              <a:rPr lang="en-GB" sz="1200" dirty="0" err="1">
-                <a:solidFill>
-                  <a:schemeClr val="bg1"/>
-                </a:solidFill>
-              </a:rPr>
-              <a:t>Durell</a:t>
-            </a:r>
+              <a:t>® Terms of Use. All rights reserved. www.ccli.com</a:t>
+            </a:r>
+          </a:p>
+          <a:p>
+            <a:endParaRPr lang="en-GB" sz="1200" dirty="0">
+              <a:solidFill>
+                <a:schemeClr val="bg1"/>
+              </a:solidFill>
+            </a:endParaRPr>
+          </a:p>
+          <a:p>
             <a:r>
               <a:rPr lang="en-GB" sz="1200" dirty="0">
                 <a:solidFill>
                   <a:schemeClr val="bg1"/>
                 </a:solidFill>
               </a:rPr>
-              <a:t> Comedy</a:t>
+              <a:t>CCLI Licence No. 33265</a:t>
             </a:r>
           </a:p>
         </p:txBody>
@@ -8386,7 +8461,7 @@
     </p:spTree>
     <p:extLst>
       <p:ext uri="{BB962C8B-B14F-4D97-AF65-F5344CB8AC3E}">
-        <p14:creationId xmlns:p14="http://schemas.microsoft.com/office/powerpoint/2010/main" val="2633692750"/>
+        <p14:creationId xmlns:p14="http://schemas.microsoft.com/office/powerpoint/2010/main" val="768387991"/>
       </p:ext>
     </p:extLst>
   </p:cSld>
@@ -8436,72 +8511,42 @@
           <a:lstStyle/>
           <a:p>
             <a:r>
-              <a:rPr lang="en-GB" sz="4400" dirty="0">
-                <a:solidFill>
-                  <a:schemeClr val="bg1"/>
-                </a:solidFill>
-              </a:rPr>
-              <a:t>You invite me</a:t>
-            </a:r>
-          </a:p>
-          <a:p>
-            <a:r>
-              <a:rPr lang="en-GB" sz="4400" dirty="0">
-                <a:solidFill>
-                  <a:schemeClr val="bg1"/>
-                </a:solidFill>
-              </a:rPr>
-              <a:t>To sit down at Your table</a:t>
-            </a:r>
-          </a:p>
-          <a:p>
-            <a:r>
-              <a:rPr lang="en-GB" sz="4400" dirty="0">
-                <a:solidFill>
-                  <a:schemeClr val="bg1"/>
-                </a:solidFill>
-              </a:rPr>
-              <a:t>Where I can taste and I can see</a:t>
-            </a:r>
-          </a:p>
-          <a:p>
-            <a:r>
-              <a:rPr lang="en-GB" sz="4400" dirty="0">
-                <a:solidFill>
-                  <a:schemeClr val="bg1"/>
-                </a:solidFill>
-              </a:rPr>
-              <a:t>That You are good</a:t>
-            </a:r>
-          </a:p>
-          <a:p>
-            <a:r>
-              <a:rPr lang="en-GB" sz="4400" dirty="0">
-                <a:solidFill>
-                  <a:schemeClr val="bg1"/>
-                </a:solidFill>
-              </a:rPr>
-              <a:t>and You are always faithful</a:t>
-            </a:r>
-          </a:p>
-          <a:p>
-            <a:r>
-              <a:rPr lang="en-GB" sz="4400" dirty="0">
-                <a:solidFill>
-                  <a:schemeClr val="bg1"/>
-                </a:solidFill>
-              </a:rPr>
-              <a:t>To welcome me</a:t>
-            </a:r>
-          </a:p>
-          <a:p>
-            <a:r>
-              <a:rPr lang="en-GB" sz="4400" dirty="0">
-                <a:solidFill>
-                  <a:schemeClr val="bg1"/>
-                </a:solidFill>
-              </a:rPr>
-              <a:t>The least of these</a:t>
+              <a:rPr lang="en-GB" sz="4000" dirty="0">
+                <a:solidFill>
+                  <a:schemeClr val="bg1"/>
+                </a:solidFill>
+              </a:rPr>
+              <a:t>Hide me now</a:t>
+            </a:r>
+          </a:p>
+          <a:p>
+            <a:r>
+              <a:rPr lang="en-GB" sz="4000" dirty="0">
+                <a:solidFill>
+                  <a:schemeClr val="bg1"/>
+                </a:solidFill>
+              </a:rPr>
+              <a:t>Under Your wings</a:t>
+            </a:r>
+          </a:p>
+          <a:p>
+            <a:r>
+              <a:rPr lang="en-GB" sz="4000" dirty="0">
+                <a:solidFill>
+                  <a:schemeClr val="bg1"/>
+                </a:solidFill>
+              </a:rPr>
+              <a:t>Cover me</a:t>
+            </a:r>
+          </a:p>
+          <a:p>
+            <a:r>
+              <a:rPr lang="en-GB" sz="4000" dirty="0">
+                <a:solidFill>
+                  <a:schemeClr val="bg1"/>
+                </a:solidFill>
+              </a:rPr>
+              <a:t>Within Your mighty hand</a:t>
             </a:r>
           </a:p>
         </p:txBody>
@@ -8534,7 +8579,7 @@
                   <a:schemeClr val="bg1"/>
                 </a:solidFill>
               </a:rPr>
-              <a:t>1/6</a:t>
+              <a:t>1/3</a:t>
             </a:r>
           </a:p>
         </p:txBody>
@@ -8542,7 +8587,7 @@
     </p:spTree>
     <p:extLst>
       <p:ext uri="{BB962C8B-B14F-4D97-AF65-F5344CB8AC3E}">
-        <p14:creationId xmlns:p14="http://schemas.microsoft.com/office/powerpoint/2010/main" val="2565024500"/>
+        <p14:creationId xmlns:p14="http://schemas.microsoft.com/office/powerpoint/2010/main" val="3281651247"/>
       </p:ext>
     </p:extLst>
   </p:cSld>
@@ -8597,7 +8642,7 @@
                   <a:schemeClr val="bg1"/>
                 </a:solidFill>
               </a:rPr>
-              <a:t>You are here as we lift You up</a:t>
+              <a:t>This is prophetic I can feel it in the air</a:t>
             </a:r>
           </a:p>
           <a:p>
@@ -8607,7 +8652,7 @@
                   <a:schemeClr val="bg1"/>
                 </a:solidFill>
               </a:rPr>
-              <a:t>You are riding on our praise</a:t>
+              <a:t>We lift our praise and You change the atmosphere</a:t>
             </a:r>
           </a:p>
           <a:p>
@@ -8617,7 +8662,7 @@
                   <a:schemeClr val="bg1"/>
                 </a:solidFill>
               </a:rPr>
-              <a:t>Be enthroned over everything</a:t>
+              <a:t>With hearts open now everybody singing out</a:t>
             </a:r>
           </a:p>
           <a:p>
@@ -8627,7 +8672,7 @@
                   <a:schemeClr val="bg1"/>
                 </a:solidFill>
               </a:rPr>
-              <a:t>You are seated in our praise</a:t>
+              <a:t>Oh, Oh, Oh</a:t>
             </a:r>
           </a:p>
         </p:txBody>
@@ -8660,7 +8705,7 @@
                   <a:schemeClr val="bg1"/>
                 </a:solidFill>
               </a:rPr>
-              <a:t>1/6</a:t>
+              <a:t>2/7</a:t>
             </a:r>
           </a:p>
         </p:txBody>
@@ -8668,7 +8713,7 @@
     </p:spTree>
     <p:extLst>
       <p:ext uri="{BB962C8B-B14F-4D97-AF65-F5344CB8AC3E}">
-        <p14:creationId xmlns:p14="http://schemas.microsoft.com/office/powerpoint/2010/main" val="2175635830"/>
+        <p14:creationId xmlns:p14="http://schemas.microsoft.com/office/powerpoint/2010/main" val="2989488391"/>
       </p:ext>
     </p:extLst>
   </p:cSld>
@@ -8718,42 +8763,82 @@
           <a:lstStyle/>
           <a:p>
             <a:r>
-              <a:rPr lang="en-GB" sz="4400" dirty="0">
-                <a:solidFill>
-                  <a:schemeClr val="bg1"/>
-                </a:solidFill>
-              </a:rPr>
-              <a:t>You bring beauty out of the ashes</a:t>
-            </a:r>
-          </a:p>
-          <a:p>
-            <a:r>
-              <a:rPr lang="en-GB" sz="4400" dirty="0">
-                <a:solidFill>
-                  <a:schemeClr val="bg1"/>
-                </a:solidFill>
-              </a:rPr>
-              <a:t>To restore and to redeem</a:t>
-            </a:r>
-          </a:p>
-          <a:p>
-            <a:r>
-              <a:rPr lang="en-GB" sz="4400" dirty="0">
-                <a:solidFill>
-                  <a:schemeClr val="bg1"/>
-                </a:solidFill>
-              </a:rPr>
-              <a:t>So I have come to pour out all my oil</a:t>
-            </a:r>
-          </a:p>
-          <a:p>
-            <a:r>
-              <a:rPr lang="en-GB" sz="4400" dirty="0">
-                <a:solidFill>
-                  <a:schemeClr val="bg1"/>
-                </a:solidFill>
-              </a:rPr>
-              <a:t>All I have, this offering</a:t>
+              <a:rPr lang="en-GB" sz="4000" dirty="0">
+                <a:solidFill>
+                  <a:schemeClr val="bg1"/>
+                </a:solidFill>
+              </a:rPr>
+              <a:t>When the oceans rise</a:t>
+            </a:r>
+          </a:p>
+          <a:p>
+            <a:r>
+              <a:rPr lang="en-GB" sz="4000" dirty="0">
+                <a:solidFill>
+                  <a:schemeClr val="bg1"/>
+                </a:solidFill>
+              </a:rPr>
+              <a:t>And thunders roar</a:t>
+            </a:r>
+          </a:p>
+          <a:p>
+            <a:r>
+              <a:rPr lang="en-GB" sz="4000" dirty="0">
+                <a:solidFill>
+                  <a:schemeClr val="bg1"/>
+                </a:solidFill>
+              </a:rPr>
+              <a:t>I will soar with You</a:t>
+            </a:r>
+          </a:p>
+          <a:p>
+            <a:r>
+              <a:rPr lang="en-GB" sz="4000" dirty="0">
+                <a:solidFill>
+                  <a:schemeClr val="bg1"/>
+                </a:solidFill>
+              </a:rPr>
+              <a:t>Above the storm</a:t>
+            </a:r>
+          </a:p>
+          <a:p>
+            <a:r>
+              <a:rPr lang="en-GB" sz="4000" dirty="0">
+                <a:solidFill>
+                  <a:schemeClr val="bg1"/>
+                </a:solidFill>
+              </a:rPr>
+              <a:t>Father You are King</a:t>
+            </a:r>
+          </a:p>
+          <a:p>
+            <a:r>
+              <a:rPr lang="en-GB" sz="4000" dirty="0">
+                <a:solidFill>
+                  <a:schemeClr val="bg1"/>
+                </a:solidFill>
+              </a:rPr>
+              <a:t>Over the flood</a:t>
+            </a:r>
+          </a:p>
+          <a:p>
+            <a:r>
+              <a:rPr lang="en-GB" sz="4000" dirty="0">
+                <a:solidFill>
+                  <a:schemeClr val="bg1"/>
+                </a:solidFill>
+              </a:rPr>
+              <a:t>I will be still and know</a:t>
+            </a:r>
+          </a:p>
+          <a:p>
+            <a:r>
+              <a:rPr lang="en-GB" sz="4000" dirty="0">
+                <a:solidFill>
+                  <a:schemeClr val="bg1"/>
+                </a:solidFill>
+              </a:rPr>
+              <a:t>You are God</a:t>
             </a:r>
           </a:p>
         </p:txBody>
@@ -8786,7 +8871,7 @@
                   <a:schemeClr val="bg1"/>
                 </a:solidFill>
               </a:rPr>
-              <a:t>2/6</a:t>
+              <a:t>2/3</a:t>
             </a:r>
           </a:p>
         </p:txBody>
@@ -8794,7 +8879,7 @@
     </p:spTree>
     <p:extLst>
       <p:ext uri="{BB962C8B-B14F-4D97-AF65-F5344CB8AC3E}">
-        <p14:creationId xmlns:p14="http://schemas.microsoft.com/office/powerpoint/2010/main" val="3963401040"/>
+        <p14:creationId xmlns:p14="http://schemas.microsoft.com/office/powerpoint/2010/main" val="1732927864"/>
       </p:ext>
     </p:extLst>
   </p:cSld>
@@ -8844,2042 +8929,6 @@
           <a:lstStyle/>
           <a:p>
             <a:r>
-              <a:rPr lang="en-GB" sz="4400" dirty="0">
-                <a:solidFill>
-                  <a:schemeClr val="bg1"/>
-                </a:solidFill>
-              </a:rPr>
-              <a:t>I love You Lord, I love You</a:t>
-            </a:r>
-          </a:p>
-          <a:p>
-            <a:r>
-              <a:rPr lang="en-GB" sz="4400" dirty="0">
-                <a:solidFill>
-                  <a:schemeClr val="bg1"/>
-                </a:solidFill>
-              </a:rPr>
-              <a:t>And I want to sing a sweet </a:t>
-            </a:r>
-            <a:r>
-              <a:rPr lang="en-GB" sz="4400" dirty="0" err="1">
-                <a:solidFill>
-                  <a:schemeClr val="bg1"/>
-                </a:solidFill>
-              </a:rPr>
-              <a:t>sweet</a:t>
-            </a:r>
-            <a:r>
-              <a:rPr lang="en-GB" sz="4400" dirty="0">
-                <a:solidFill>
-                  <a:schemeClr val="bg1"/>
-                </a:solidFill>
-              </a:rPr>
-              <a:t> melody</a:t>
-            </a:r>
-          </a:p>
-          <a:p>
-            <a:r>
-              <a:rPr lang="en-GB" sz="4400" dirty="0">
-                <a:solidFill>
-                  <a:schemeClr val="bg1"/>
-                </a:solidFill>
-              </a:rPr>
-              <a:t>To tell You, that I love You</a:t>
-            </a:r>
-          </a:p>
-          <a:p>
-            <a:r>
-              <a:rPr lang="en-GB" sz="4400" dirty="0">
-                <a:solidFill>
-                  <a:schemeClr val="bg1"/>
-                </a:solidFill>
-              </a:rPr>
-              <a:t>Let it be a sweet </a:t>
-            </a:r>
-            <a:r>
-              <a:rPr lang="en-GB" sz="4400" dirty="0" err="1">
-                <a:solidFill>
-                  <a:schemeClr val="bg1"/>
-                </a:solidFill>
-              </a:rPr>
-              <a:t>sweet</a:t>
-            </a:r>
-            <a:r>
-              <a:rPr lang="en-GB" sz="4400" dirty="0">
-                <a:solidFill>
-                  <a:schemeClr val="bg1"/>
-                </a:solidFill>
-              </a:rPr>
-              <a:t> melody</a:t>
-            </a:r>
-          </a:p>
-          <a:p>
-            <a:r>
-              <a:rPr lang="en-GB" sz="4400" dirty="0">
-                <a:solidFill>
-                  <a:schemeClr val="bg1"/>
-                </a:solidFill>
-              </a:rPr>
-              <a:t>To my King</a:t>
-            </a:r>
-          </a:p>
-        </p:txBody>
-      </p:sp>
-      <p:sp>
-        <p:nvSpPr>
-          <p:cNvPr id="4" name="TextBox 3"/>
-          <p:cNvSpPr txBox="1"/>
-          <p:nvPr/>
-        </p:nvSpPr>
-        <p:spPr>
-          <a:xfrm>
-            <a:off x="8529729" y="0"/>
-            <a:ext cx="628698" cy="461665"/>
-          </a:xfrm>
-          <a:prstGeom prst="rect">
-            <a:avLst/>
-          </a:prstGeom>
-          <a:noFill/>
-        </p:spPr>
-        <p:txBody>
-          <a:bodyPr wrap="none" rtlCol="0">
-            <a:spAutoFit/>
-          </a:bodyPr>
-          <a:lstStyle/>
-          <a:p>
-            <a:r>
-              <a:rPr lang="en-GB" sz="2400" b="1" dirty="0">
-                <a:solidFill>
-                  <a:schemeClr val="bg1"/>
-                </a:solidFill>
-              </a:rPr>
-              <a:t>3/6</a:t>
-            </a:r>
-          </a:p>
-        </p:txBody>
-      </p:sp>
-    </p:spTree>
-    <p:extLst>
-      <p:ext uri="{BB962C8B-B14F-4D97-AF65-F5344CB8AC3E}">
-        <p14:creationId xmlns:p14="http://schemas.microsoft.com/office/powerpoint/2010/main" val="184211131"/>
-      </p:ext>
-    </p:extLst>
-  </p:cSld>
-  <p:clrMapOvr>
-    <a:masterClrMapping/>
-  </p:clrMapOvr>
-</p:sld>
-</file>
-
-<file path=ppt/slides/slide42.xml><?xml version="1.0" encoding="utf-8"?>
-<p:sld xmlns:a="http://schemas.openxmlformats.org/drawingml/2006/main" xmlns:r="http://schemas.openxmlformats.org/officeDocument/2006/relationships" xmlns:p="http://schemas.openxmlformats.org/presentationml/2006/main">
-  <p:cSld>
-    <p:spTree>
-      <p:nvGrpSpPr>
-        <p:cNvPr id="1" name=""/>
-        <p:cNvGrpSpPr/>
-        <p:nvPr/>
-      </p:nvGrpSpPr>
-      <p:grpSpPr>
-        <a:xfrm>
-          <a:off x="0" y="0"/>
-          <a:ext cx="0" cy="0"/>
-          <a:chOff x="0" y="0"/>
-          <a:chExt cx="0" cy="0"/>
-        </a:xfrm>
-      </p:grpSpPr>
-      <p:sp>
-        <p:nvSpPr>
-          <p:cNvPr id="3" name="Subtitle 2"/>
-          <p:cNvSpPr>
-            <a:spLocks noGrp="1"/>
-          </p:cNvSpPr>
-          <p:nvPr>
-            <p:ph type="subTitle" idx="1"/>
-          </p:nvPr>
-        </p:nvSpPr>
-        <p:spPr>
-          <a:xfrm>
-            <a:off x="323528" y="188640"/>
-            <a:ext cx="8640960" cy="6480720"/>
-          </a:xfrm>
-        </p:spPr>
-        <p:txBody>
-          <a:bodyPr>
-            <a:noAutofit/>
-          </a:bodyPr>
-          <a:lstStyle/>
-          <a:p>
-            <a:r>
-              <a:rPr lang="en-GB" sz="4400" dirty="0">
-                <a:solidFill>
-                  <a:schemeClr val="bg1"/>
-                </a:solidFill>
-              </a:rPr>
-              <a:t>You inhabit the praises of Your people</a:t>
-            </a:r>
-          </a:p>
-          <a:p>
-            <a:r>
-              <a:rPr lang="en-GB" sz="4400" dirty="0">
-                <a:solidFill>
-                  <a:schemeClr val="bg1"/>
-                </a:solidFill>
-              </a:rPr>
-              <a:t>So I know You're here, right now</a:t>
-            </a:r>
-          </a:p>
-          <a:p>
-            <a:r>
-              <a:rPr lang="en-GB" sz="4400" dirty="0">
-                <a:solidFill>
-                  <a:schemeClr val="bg1"/>
-                </a:solidFill>
-              </a:rPr>
-              <a:t>With Your Spirit stirring all around me</a:t>
-            </a:r>
-          </a:p>
-          <a:p>
-            <a:r>
-              <a:rPr lang="en-GB" sz="4400" dirty="0">
-                <a:solidFill>
-                  <a:schemeClr val="bg1"/>
-                </a:solidFill>
-              </a:rPr>
-              <a:t>Before Your glory, I bow</a:t>
-            </a:r>
-          </a:p>
-        </p:txBody>
-      </p:sp>
-      <p:sp>
-        <p:nvSpPr>
-          <p:cNvPr id="4" name="TextBox 3"/>
-          <p:cNvSpPr txBox="1"/>
-          <p:nvPr/>
-        </p:nvSpPr>
-        <p:spPr>
-          <a:xfrm>
-            <a:off x="8529729" y="0"/>
-            <a:ext cx="628698" cy="461665"/>
-          </a:xfrm>
-          <a:prstGeom prst="rect">
-            <a:avLst/>
-          </a:prstGeom>
-          <a:noFill/>
-        </p:spPr>
-        <p:txBody>
-          <a:bodyPr wrap="none" rtlCol="0">
-            <a:spAutoFit/>
-          </a:bodyPr>
-          <a:lstStyle/>
-          <a:p>
-            <a:r>
-              <a:rPr lang="en-GB" sz="2400" b="1" dirty="0">
-                <a:solidFill>
-                  <a:schemeClr val="bg1"/>
-                </a:solidFill>
-              </a:rPr>
-              <a:t>4/6</a:t>
-            </a:r>
-          </a:p>
-        </p:txBody>
-      </p:sp>
-    </p:spTree>
-    <p:extLst>
-      <p:ext uri="{BB962C8B-B14F-4D97-AF65-F5344CB8AC3E}">
-        <p14:creationId xmlns:p14="http://schemas.microsoft.com/office/powerpoint/2010/main" val="2699212561"/>
-      </p:ext>
-    </p:extLst>
-  </p:cSld>
-  <p:clrMapOvr>
-    <a:masterClrMapping/>
-  </p:clrMapOvr>
-</p:sld>
-</file>
-
-<file path=ppt/slides/slide43.xml><?xml version="1.0" encoding="utf-8"?>
-<p:sld xmlns:a="http://schemas.openxmlformats.org/drawingml/2006/main" xmlns:r="http://schemas.openxmlformats.org/officeDocument/2006/relationships" xmlns:p="http://schemas.openxmlformats.org/presentationml/2006/main">
-  <p:cSld>
-    <p:spTree>
-      <p:nvGrpSpPr>
-        <p:cNvPr id="1" name=""/>
-        <p:cNvGrpSpPr/>
-        <p:nvPr/>
-      </p:nvGrpSpPr>
-      <p:grpSpPr>
-        <a:xfrm>
-          <a:off x="0" y="0"/>
-          <a:ext cx="0" cy="0"/>
-          <a:chOff x="0" y="0"/>
-          <a:chExt cx="0" cy="0"/>
-        </a:xfrm>
-      </p:grpSpPr>
-      <p:sp>
-        <p:nvSpPr>
-          <p:cNvPr id="3" name="Subtitle 2"/>
-          <p:cNvSpPr>
-            <a:spLocks noGrp="1"/>
-          </p:cNvSpPr>
-          <p:nvPr>
-            <p:ph type="subTitle" idx="1"/>
-          </p:nvPr>
-        </p:nvSpPr>
-        <p:spPr>
-          <a:xfrm>
-            <a:off x="323528" y="188640"/>
-            <a:ext cx="8640960" cy="6480720"/>
-          </a:xfrm>
-        </p:spPr>
-        <p:txBody>
-          <a:bodyPr>
-            <a:noAutofit/>
-          </a:bodyPr>
-          <a:lstStyle/>
-          <a:p>
-            <a:r>
-              <a:rPr lang="en-GB" sz="4400" dirty="0">
-                <a:solidFill>
-                  <a:schemeClr val="bg1"/>
-                </a:solidFill>
-              </a:rPr>
-              <a:t>In my coming and my going</a:t>
-            </a:r>
-          </a:p>
-          <a:p>
-            <a:r>
-              <a:rPr lang="en-GB" sz="4400" dirty="0">
-                <a:solidFill>
-                  <a:schemeClr val="bg1"/>
-                </a:solidFill>
-              </a:rPr>
-              <a:t>I will praise You</a:t>
-            </a:r>
-          </a:p>
-          <a:p>
-            <a:r>
-              <a:rPr lang="en-GB" sz="4400" dirty="0">
-                <a:solidFill>
-                  <a:schemeClr val="bg1"/>
-                </a:solidFill>
-              </a:rPr>
-              <a:t>From the evening through the morning</a:t>
-            </a:r>
-          </a:p>
-          <a:p>
-            <a:r>
-              <a:rPr lang="en-GB" sz="4400" dirty="0">
-                <a:solidFill>
-                  <a:schemeClr val="bg1"/>
-                </a:solidFill>
-              </a:rPr>
-              <a:t>I will praise You</a:t>
-            </a:r>
-          </a:p>
-          <a:p>
-            <a:r>
-              <a:rPr lang="en-GB" sz="4400" dirty="0">
-                <a:solidFill>
-                  <a:schemeClr val="bg1"/>
-                </a:solidFill>
-              </a:rPr>
-              <a:t>When I rise and when I fall</a:t>
-            </a:r>
-          </a:p>
-          <a:p>
-            <a:r>
-              <a:rPr lang="en-GB" sz="4400" dirty="0">
-                <a:solidFill>
-                  <a:schemeClr val="bg1"/>
-                </a:solidFill>
-              </a:rPr>
-              <a:t>I will praise You through it all</a:t>
-            </a:r>
-          </a:p>
-          <a:p>
-            <a:r>
-              <a:rPr lang="en-GB" sz="4400" dirty="0">
-                <a:solidFill>
-                  <a:schemeClr val="bg1"/>
-                </a:solidFill>
-              </a:rPr>
-              <a:t>I will sing a love song to my King</a:t>
-            </a:r>
-          </a:p>
-        </p:txBody>
-      </p:sp>
-      <p:sp>
-        <p:nvSpPr>
-          <p:cNvPr id="4" name="TextBox 3"/>
-          <p:cNvSpPr txBox="1"/>
-          <p:nvPr/>
-        </p:nvSpPr>
-        <p:spPr>
-          <a:xfrm>
-            <a:off x="8529729" y="0"/>
-            <a:ext cx="628698" cy="461665"/>
-          </a:xfrm>
-          <a:prstGeom prst="rect">
-            <a:avLst/>
-          </a:prstGeom>
-          <a:noFill/>
-        </p:spPr>
-        <p:txBody>
-          <a:bodyPr wrap="none" rtlCol="0">
-            <a:spAutoFit/>
-          </a:bodyPr>
-          <a:lstStyle/>
-          <a:p>
-            <a:r>
-              <a:rPr lang="en-GB" sz="2400" b="1" dirty="0">
-                <a:solidFill>
-                  <a:schemeClr val="bg1"/>
-                </a:solidFill>
-              </a:rPr>
-              <a:t>5/6</a:t>
-            </a:r>
-          </a:p>
-        </p:txBody>
-      </p:sp>
-    </p:spTree>
-    <p:extLst>
-      <p:ext uri="{BB962C8B-B14F-4D97-AF65-F5344CB8AC3E}">
-        <p14:creationId xmlns:p14="http://schemas.microsoft.com/office/powerpoint/2010/main" val="79117966"/>
-      </p:ext>
-    </p:extLst>
-  </p:cSld>
-  <p:clrMapOvr>
-    <a:masterClrMapping/>
-  </p:clrMapOvr>
-</p:sld>
-</file>
-
-<file path=ppt/slides/slide44.xml><?xml version="1.0" encoding="utf-8"?>
-<p:sld xmlns:a="http://schemas.openxmlformats.org/drawingml/2006/main" xmlns:r="http://schemas.openxmlformats.org/officeDocument/2006/relationships" xmlns:p="http://schemas.openxmlformats.org/presentationml/2006/main">
-  <p:cSld>
-    <p:spTree>
-      <p:nvGrpSpPr>
-        <p:cNvPr id="1" name=""/>
-        <p:cNvGrpSpPr/>
-        <p:nvPr/>
-      </p:nvGrpSpPr>
-      <p:grpSpPr>
-        <a:xfrm>
-          <a:off x="0" y="0"/>
-          <a:ext cx="0" cy="0"/>
-          <a:chOff x="0" y="0"/>
-          <a:chExt cx="0" cy="0"/>
-        </a:xfrm>
-      </p:grpSpPr>
-      <p:sp>
-        <p:nvSpPr>
-          <p:cNvPr id="3" name="Subtitle 2"/>
-          <p:cNvSpPr>
-            <a:spLocks noGrp="1"/>
-          </p:cNvSpPr>
-          <p:nvPr>
-            <p:ph type="subTitle" idx="1"/>
-          </p:nvPr>
-        </p:nvSpPr>
-        <p:spPr>
-          <a:xfrm>
-            <a:off x="323528" y="188640"/>
-            <a:ext cx="8640960" cy="6480720"/>
-          </a:xfrm>
-        </p:spPr>
-        <p:txBody>
-          <a:bodyPr>
-            <a:noAutofit/>
-          </a:bodyPr>
-          <a:lstStyle/>
-          <a:p>
-            <a:r>
-              <a:rPr lang="en-GB" sz="4400" dirty="0">
-                <a:solidFill>
-                  <a:schemeClr val="bg1"/>
-                </a:solidFill>
-              </a:rPr>
-              <a:t>When I'm lonely and I'm doubting</a:t>
-            </a:r>
-          </a:p>
-          <a:p>
-            <a:r>
-              <a:rPr lang="en-GB" sz="4400" dirty="0">
-                <a:solidFill>
-                  <a:schemeClr val="bg1"/>
-                </a:solidFill>
-              </a:rPr>
-              <a:t>I will praise You</a:t>
-            </a:r>
-          </a:p>
-          <a:p>
-            <a:r>
-              <a:rPr lang="en-GB" sz="4400" dirty="0">
-                <a:solidFill>
-                  <a:schemeClr val="bg1"/>
-                </a:solidFill>
-              </a:rPr>
-              <a:t>On the mountain when I'm shouting</a:t>
-            </a:r>
-          </a:p>
-          <a:p>
-            <a:r>
-              <a:rPr lang="en-GB" sz="4400" dirty="0">
-                <a:solidFill>
-                  <a:schemeClr val="bg1"/>
-                </a:solidFill>
-              </a:rPr>
-              <a:t>I will praise You</a:t>
-            </a:r>
-          </a:p>
-          <a:p>
-            <a:r>
-              <a:rPr lang="en-GB" sz="4400" dirty="0">
-                <a:solidFill>
-                  <a:schemeClr val="bg1"/>
-                </a:solidFill>
-              </a:rPr>
-              <a:t>When I rise and when I fall</a:t>
-            </a:r>
-          </a:p>
-          <a:p>
-            <a:r>
-              <a:rPr lang="en-GB" sz="4400" dirty="0">
-                <a:solidFill>
-                  <a:schemeClr val="bg1"/>
-                </a:solidFill>
-              </a:rPr>
-              <a:t>I will praise You through it all</a:t>
-            </a:r>
-          </a:p>
-          <a:p>
-            <a:r>
-              <a:rPr lang="en-GB" sz="4400" dirty="0">
-                <a:solidFill>
-                  <a:schemeClr val="bg1"/>
-                </a:solidFill>
-              </a:rPr>
-              <a:t>I will sing a love song to my King</a:t>
-            </a:r>
-          </a:p>
-        </p:txBody>
-      </p:sp>
-      <p:sp>
-        <p:nvSpPr>
-          <p:cNvPr id="4" name="TextBox 3"/>
-          <p:cNvSpPr txBox="1"/>
-          <p:nvPr/>
-        </p:nvSpPr>
-        <p:spPr>
-          <a:xfrm>
-            <a:off x="8529729" y="0"/>
-            <a:ext cx="628698" cy="461665"/>
-          </a:xfrm>
-          <a:prstGeom prst="rect">
-            <a:avLst/>
-          </a:prstGeom>
-          <a:noFill/>
-        </p:spPr>
-        <p:txBody>
-          <a:bodyPr wrap="none" rtlCol="0">
-            <a:spAutoFit/>
-          </a:bodyPr>
-          <a:lstStyle/>
-          <a:p>
-            <a:r>
-              <a:rPr lang="en-GB" sz="2400" b="1" dirty="0">
-                <a:solidFill>
-                  <a:schemeClr val="bg1"/>
-                </a:solidFill>
-              </a:rPr>
-              <a:t>6/6</a:t>
-            </a:r>
-          </a:p>
-        </p:txBody>
-      </p:sp>
-    </p:spTree>
-    <p:extLst>
-      <p:ext uri="{BB962C8B-B14F-4D97-AF65-F5344CB8AC3E}">
-        <p14:creationId xmlns:p14="http://schemas.microsoft.com/office/powerpoint/2010/main" val="3964888748"/>
-      </p:ext>
-    </p:extLst>
-  </p:cSld>
-  <p:clrMapOvr>
-    <a:masterClrMapping/>
-  </p:clrMapOvr>
-</p:sld>
-</file>
-
-<file path=ppt/slides/slide45.xml><?xml version="1.0" encoding="utf-8"?>
-<p:sld xmlns:a="http://schemas.openxmlformats.org/drawingml/2006/main" xmlns:r="http://schemas.openxmlformats.org/officeDocument/2006/relationships" xmlns:p="http://schemas.openxmlformats.org/presentationml/2006/main">
-  <p:cSld>
-    <p:spTree>
-      <p:nvGrpSpPr>
-        <p:cNvPr id="1" name=""/>
-        <p:cNvGrpSpPr/>
-        <p:nvPr/>
-      </p:nvGrpSpPr>
-      <p:grpSpPr>
-        <a:xfrm>
-          <a:off x="0" y="0"/>
-          <a:ext cx="0" cy="0"/>
-          <a:chOff x="0" y="0"/>
-          <a:chExt cx="0" cy="0"/>
-        </a:xfrm>
-      </p:grpSpPr>
-      <p:sp>
-        <p:nvSpPr>
-          <p:cNvPr id="3" name="Subtitle 2"/>
-          <p:cNvSpPr>
-            <a:spLocks noGrp="1"/>
-          </p:cNvSpPr>
-          <p:nvPr>
-            <p:ph type="subTitle" idx="1"/>
-          </p:nvPr>
-        </p:nvSpPr>
-        <p:spPr>
-          <a:xfrm>
-            <a:off x="323528" y="188640"/>
-            <a:ext cx="8640960" cy="6480720"/>
-          </a:xfrm>
-        </p:spPr>
-        <p:txBody>
-          <a:bodyPr>
-            <a:noAutofit/>
-          </a:bodyPr>
-          <a:lstStyle/>
-          <a:p>
-            <a:endParaRPr lang="en-GB" sz="6600" dirty="0">
-              <a:solidFill>
-                <a:srgbClr val="00A3E0"/>
-              </a:solidFill>
-              <a:latin typeface="akagi_probook"/>
-            </a:endParaRPr>
-          </a:p>
-          <a:p>
-            <a:r>
-              <a:rPr lang="en-GB" sz="6600" dirty="0">
-                <a:solidFill>
-                  <a:srgbClr val="00A3E0"/>
-                </a:solidFill>
-                <a:latin typeface="akagi_probook"/>
-              </a:rPr>
-              <a:t>Goodness Of God</a:t>
-            </a:r>
-          </a:p>
-          <a:p>
-            <a:endParaRPr lang="en-GB" sz="1200" dirty="0">
-              <a:solidFill>
-                <a:schemeClr val="bg1"/>
-              </a:solidFill>
-            </a:endParaRPr>
-          </a:p>
-          <a:p>
-            <a:r>
-              <a:rPr lang="en-GB" sz="1200" dirty="0">
-                <a:solidFill>
-                  <a:schemeClr val="bg1"/>
-                </a:solidFill>
-              </a:rPr>
-              <a:t>CCLI Song # 7117726</a:t>
-            </a:r>
-          </a:p>
-          <a:p>
-            <a:endParaRPr lang="en-GB" sz="1200" dirty="0">
-              <a:solidFill>
-                <a:schemeClr val="bg1"/>
-              </a:solidFill>
-            </a:endParaRPr>
-          </a:p>
-          <a:p>
-            <a:r>
-              <a:rPr lang="en-GB" sz="1200" dirty="0">
-                <a:solidFill>
-                  <a:schemeClr val="bg1"/>
-                </a:solidFill>
-              </a:rPr>
-              <a:t>Ben Fielding | Brian Johnson | Ed Cash | Jason Ingram | Jenn Johnson</a:t>
-            </a:r>
-          </a:p>
-          <a:p>
-            <a:endParaRPr lang="en-GB" sz="1200" dirty="0">
-              <a:solidFill>
-                <a:schemeClr val="bg1"/>
-              </a:solidFill>
-            </a:endParaRPr>
-          </a:p>
-          <a:p>
-            <a:r>
-              <a:rPr lang="en-GB" sz="1200" dirty="0">
-                <a:solidFill>
-                  <a:schemeClr val="bg1"/>
-                </a:solidFill>
-              </a:rPr>
-              <a:t>© 2018 Capitol CMG Paragon (Admin. by Capitol CMG Publishing)</a:t>
-            </a:r>
-          </a:p>
-          <a:p>
-            <a:r>
-              <a:rPr lang="en-GB" sz="1200" dirty="0">
-                <a:solidFill>
-                  <a:schemeClr val="bg1"/>
-                </a:solidFill>
-              </a:rPr>
-              <a:t>Fellow Ships Music (Admin. by Essential Music Publishing LLC)</a:t>
-            </a:r>
-          </a:p>
-          <a:p>
-            <a:r>
-              <a:rPr lang="en-GB" sz="1200" dirty="0">
-                <a:solidFill>
-                  <a:schemeClr val="bg1"/>
-                </a:solidFill>
-              </a:rPr>
-              <a:t>So Essential Tunes (Admin. by Essential Music Publishing LLC)</a:t>
-            </a:r>
-          </a:p>
-          <a:p>
-            <a:r>
-              <a:rPr lang="en-GB" sz="1200" dirty="0">
-                <a:solidFill>
-                  <a:schemeClr val="bg1"/>
-                </a:solidFill>
-              </a:rPr>
-              <a:t>SHOUT! Music Publishing Australia (Admin. by SHOUT! Music Publishing UK)</a:t>
-            </a:r>
-          </a:p>
-          <a:p>
-            <a:r>
-              <a:rPr lang="en-GB" sz="1200" dirty="0">
-                <a:solidFill>
-                  <a:schemeClr val="bg1"/>
-                </a:solidFill>
-              </a:rPr>
-              <a:t>Bethel Music Publishing (Admin. by Song Solutions)</a:t>
-            </a:r>
-          </a:p>
-          <a:p>
-            <a:r>
-              <a:rPr lang="en-GB" sz="1200" dirty="0">
-                <a:solidFill>
-                  <a:schemeClr val="bg1"/>
-                </a:solidFill>
-              </a:rPr>
-              <a:t>For use solely with the </a:t>
-            </a:r>
-            <a:r>
-              <a:rPr lang="en-GB" sz="1200" dirty="0" err="1">
-                <a:solidFill>
-                  <a:schemeClr val="bg1"/>
-                </a:solidFill>
-              </a:rPr>
-              <a:t>SongSelect</a:t>
-            </a:r>
-            <a:r>
-              <a:rPr lang="en-GB" sz="1200" dirty="0">
-                <a:solidFill>
-                  <a:schemeClr val="bg1"/>
-                </a:solidFill>
-              </a:rPr>
-              <a:t>® Terms of Use. All rights reserved. www.ccli.com</a:t>
-            </a:r>
-          </a:p>
-          <a:p>
-            <a:endParaRPr lang="en-GB" sz="1200" dirty="0">
-              <a:solidFill>
-                <a:schemeClr val="bg1"/>
-              </a:solidFill>
-            </a:endParaRPr>
-          </a:p>
-          <a:p>
-            <a:r>
-              <a:rPr lang="en-GB" sz="1200" dirty="0">
-                <a:solidFill>
-                  <a:schemeClr val="bg1"/>
-                </a:solidFill>
-              </a:rPr>
-              <a:t>CCLI Licence No. 33265</a:t>
-            </a:r>
-          </a:p>
-        </p:txBody>
-      </p:sp>
-    </p:spTree>
-    <p:extLst>
-      <p:ext uri="{BB962C8B-B14F-4D97-AF65-F5344CB8AC3E}">
-        <p14:creationId xmlns:p14="http://schemas.microsoft.com/office/powerpoint/2010/main" val="2214866038"/>
-      </p:ext>
-    </p:extLst>
-  </p:cSld>
-  <p:clrMapOvr>
-    <a:masterClrMapping/>
-  </p:clrMapOvr>
-</p:sld>
-</file>
-
-<file path=ppt/slides/slide46.xml><?xml version="1.0" encoding="utf-8"?>
-<p:sld xmlns:a="http://schemas.openxmlformats.org/drawingml/2006/main" xmlns:r="http://schemas.openxmlformats.org/officeDocument/2006/relationships" xmlns:p="http://schemas.openxmlformats.org/presentationml/2006/main">
-  <p:cSld>
-    <p:spTree>
-      <p:nvGrpSpPr>
-        <p:cNvPr id="1" name=""/>
-        <p:cNvGrpSpPr/>
-        <p:nvPr/>
-      </p:nvGrpSpPr>
-      <p:grpSpPr>
-        <a:xfrm>
-          <a:off x="0" y="0"/>
-          <a:ext cx="0" cy="0"/>
-          <a:chOff x="0" y="0"/>
-          <a:chExt cx="0" cy="0"/>
-        </a:xfrm>
-      </p:grpSpPr>
-      <p:sp>
-        <p:nvSpPr>
-          <p:cNvPr id="3" name="Subtitle 2"/>
-          <p:cNvSpPr>
-            <a:spLocks noGrp="1"/>
-          </p:cNvSpPr>
-          <p:nvPr>
-            <p:ph type="subTitle" idx="1"/>
-          </p:nvPr>
-        </p:nvSpPr>
-        <p:spPr>
-          <a:xfrm>
-            <a:off x="323528" y="188640"/>
-            <a:ext cx="8640960" cy="6480720"/>
-          </a:xfrm>
-        </p:spPr>
-        <p:txBody>
-          <a:bodyPr>
-            <a:noAutofit/>
-          </a:bodyPr>
-          <a:lstStyle/>
-          <a:p>
-            <a:r>
-              <a:rPr lang="en-GB" sz="4400" dirty="0">
-                <a:solidFill>
-                  <a:schemeClr val="bg1"/>
-                </a:solidFill>
-              </a:rPr>
-              <a:t>I love You Lord</a:t>
-            </a:r>
-          </a:p>
-          <a:p>
-            <a:r>
-              <a:rPr lang="en-GB" sz="4400" dirty="0">
-                <a:solidFill>
-                  <a:schemeClr val="bg1"/>
-                </a:solidFill>
-              </a:rPr>
-              <a:t>Oh Your mercy never fails me</a:t>
-            </a:r>
-          </a:p>
-          <a:p>
-            <a:r>
-              <a:rPr lang="en-GB" sz="4400" dirty="0">
-                <a:solidFill>
-                  <a:schemeClr val="bg1"/>
-                </a:solidFill>
-              </a:rPr>
-              <a:t>All my days</a:t>
-            </a:r>
-          </a:p>
-          <a:p>
-            <a:r>
-              <a:rPr lang="en-GB" sz="4400" dirty="0">
-                <a:solidFill>
-                  <a:schemeClr val="bg1"/>
-                </a:solidFill>
-              </a:rPr>
-              <a:t>I've been held in Your hands</a:t>
-            </a:r>
-          </a:p>
-          <a:p>
-            <a:r>
-              <a:rPr lang="en-GB" sz="4400" dirty="0">
-                <a:solidFill>
-                  <a:schemeClr val="bg1"/>
-                </a:solidFill>
-              </a:rPr>
-              <a:t>From the moment that I wake up</a:t>
-            </a:r>
-          </a:p>
-          <a:p>
-            <a:r>
-              <a:rPr lang="en-GB" sz="4400" dirty="0">
-                <a:solidFill>
-                  <a:schemeClr val="bg1"/>
-                </a:solidFill>
-              </a:rPr>
-              <a:t>Until I lay my head</a:t>
-            </a:r>
-          </a:p>
-          <a:p>
-            <a:r>
-              <a:rPr lang="en-GB" sz="4400" dirty="0">
-                <a:solidFill>
-                  <a:schemeClr val="bg1"/>
-                </a:solidFill>
-              </a:rPr>
-              <a:t>I will sing of the goodness of God</a:t>
-            </a:r>
-          </a:p>
-        </p:txBody>
-      </p:sp>
-      <p:sp>
-        <p:nvSpPr>
-          <p:cNvPr id="4" name="TextBox 3"/>
-          <p:cNvSpPr txBox="1"/>
-          <p:nvPr/>
-        </p:nvSpPr>
-        <p:spPr>
-          <a:xfrm>
-            <a:off x="8529729" y="0"/>
-            <a:ext cx="628698" cy="461665"/>
-          </a:xfrm>
-          <a:prstGeom prst="rect">
-            <a:avLst/>
-          </a:prstGeom>
-          <a:noFill/>
-        </p:spPr>
-        <p:txBody>
-          <a:bodyPr wrap="none" rtlCol="0">
-            <a:spAutoFit/>
-          </a:bodyPr>
-          <a:lstStyle/>
-          <a:p>
-            <a:r>
-              <a:rPr lang="en-GB" sz="2400" b="1" dirty="0">
-                <a:solidFill>
-                  <a:schemeClr val="bg1"/>
-                </a:solidFill>
-              </a:rPr>
-              <a:t>1/4</a:t>
-            </a:r>
-          </a:p>
-        </p:txBody>
-      </p:sp>
-    </p:spTree>
-    <p:extLst>
-      <p:ext uri="{BB962C8B-B14F-4D97-AF65-F5344CB8AC3E}">
-        <p14:creationId xmlns:p14="http://schemas.microsoft.com/office/powerpoint/2010/main" val="2508534383"/>
-      </p:ext>
-    </p:extLst>
-  </p:cSld>
-  <p:clrMapOvr>
-    <a:masterClrMapping/>
-  </p:clrMapOvr>
-</p:sld>
-</file>
-
-<file path=ppt/slides/slide47.xml><?xml version="1.0" encoding="utf-8"?>
-<p:sld xmlns:a="http://schemas.openxmlformats.org/drawingml/2006/main" xmlns:r="http://schemas.openxmlformats.org/officeDocument/2006/relationships" xmlns:p="http://schemas.openxmlformats.org/presentationml/2006/main">
-  <p:cSld>
-    <p:spTree>
-      <p:nvGrpSpPr>
-        <p:cNvPr id="1" name=""/>
-        <p:cNvGrpSpPr/>
-        <p:nvPr/>
-      </p:nvGrpSpPr>
-      <p:grpSpPr>
-        <a:xfrm>
-          <a:off x="0" y="0"/>
-          <a:ext cx="0" cy="0"/>
-          <a:chOff x="0" y="0"/>
-          <a:chExt cx="0" cy="0"/>
-        </a:xfrm>
-      </p:grpSpPr>
-      <p:sp>
-        <p:nvSpPr>
-          <p:cNvPr id="3" name="Subtitle 2"/>
-          <p:cNvSpPr>
-            <a:spLocks noGrp="1"/>
-          </p:cNvSpPr>
-          <p:nvPr>
-            <p:ph type="subTitle" idx="1"/>
-          </p:nvPr>
-        </p:nvSpPr>
-        <p:spPr>
-          <a:xfrm>
-            <a:off x="323528" y="188640"/>
-            <a:ext cx="8640960" cy="6480720"/>
-          </a:xfrm>
-        </p:spPr>
-        <p:txBody>
-          <a:bodyPr>
-            <a:noAutofit/>
-          </a:bodyPr>
-          <a:lstStyle/>
-          <a:p>
-            <a:r>
-              <a:rPr lang="en-GB" sz="5000" dirty="0">
-                <a:solidFill>
-                  <a:schemeClr val="bg1"/>
-                </a:solidFill>
-              </a:rPr>
-              <a:t>All my life You have been faithful</a:t>
-            </a:r>
-          </a:p>
-          <a:p>
-            <a:r>
-              <a:rPr lang="en-GB" sz="5000" dirty="0">
-                <a:solidFill>
-                  <a:schemeClr val="bg1"/>
-                </a:solidFill>
-              </a:rPr>
-              <a:t>All my life You have been so </a:t>
-            </a:r>
-            <a:r>
-              <a:rPr lang="en-GB" sz="5000" dirty="0" err="1">
-                <a:solidFill>
-                  <a:schemeClr val="bg1"/>
-                </a:solidFill>
-              </a:rPr>
-              <a:t>so</a:t>
-            </a:r>
-            <a:r>
-              <a:rPr lang="en-GB" sz="5000" dirty="0">
-                <a:solidFill>
-                  <a:schemeClr val="bg1"/>
-                </a:solidFill>
-              </a:rPr>
-              <a:t> good</a:t>
-            </a:r>
-          </a:p>
-          <a:p>
-            <a:r>
-              <a:rPr lang="en-GB" sz="5000" dirty="0">
-                <a:solidFill>
-                  <a:schemeClr val="bg1"/>
-                </a:solidFill>
-              </a:rPr>
-              <a:t>With every breath that I am able</a:t>
-            </a:r>
-          </a:p>
-          <a:p>
-            <a:r>
-              <a:rPr lang="en-GB" sz="5000" dirty="0">
-                <a:solidFill>
-                  <a:schemeClr val="bg1"/>
-                </a:solidFill>
-              </a:rPr>
-              <a:t>I will sing of the goodness of God</a:t>
-            </a:r>
-          </a:p>
-        </p:txBody>
-      </p:sp>
-      <p:sp>
-        <p:nvSpPr>
-          <p:cNvPr id="4" name="TextBox 3"/>
-          <p:cNvSpPr txBox="1"/>
-          <p:nvPr/>
-        </p:nvSpPr>
-        <p:spPr>
-          <a:xfrm>
-            <a:off x="8529729" y="0"/>
-            <a:ext cx="628698" cy="461665"/>
-          </a:xfrm>
-          <a:prstGeom prst="rect">
-            <a:avLst/>
-          </a:prstGeom>
-          <a:noFill/>
-        </p:spPr>
-        <p:txBody>
-          <a:bodyPr wrap="none" rtlCol="0">
-            <a:spAutoFit/>
-          </a:bodyPr>
-          <a:lstStyle/>
-          <a:p>
-            <a:r>
-              <a:rPr lang="en-GB" sz="2400" b="1" dirty="0">
-                <a:solidFill>
-                  <a:schemeClr val="bg1"/>
-                </a:solidFill>
-              </a:rPr>
-              <a:t>2/4</a:t>
-            </a:r>
-          </a:p>
-        </p:txBody>
-      </p:sp>
-    </p:spTree>
-    <p:extLst>
-      <p:ext uri="{BB962C8B-B14F-4D97-AF65-F5344CB8AC3E}">
-        <p14:creationId xmlns:p14="http://schemas.microsoft.com/office/powerpoint/2010/main" val="2859563930"/>
-      </p:ext>
-    </p:extLst>
-  </p:cSld>
-  <p:clrMapOvr>
-    <a:masterClrMapping/>
-  </p:clrMapOvr>
-</p:sld>
-</file>
-
-<file path=ppt/slides/slide48.xml><?xml version="1.0" encoding="utf-8"?>
-<p:sld xmlns:a="http://schemas.openxmlformats.org/drawingml/2006/main" xmlns:r="http://schemas.openxmlformats.org/officeDocument/2006/relationships" xmlns:p="http://schemas.openxmlformats.org/presentationml/2006/main">
-  <p:cSld>
-    <p:spTree>
-      <p:nvGrpSpPr>
-        <p:cNvPr id="1" name=""/>
-        <p:cNvGrpSpPr/>
-        <p:nvPr/>
-      </p:nvGrpSpPr>
-      <p:grpSpPr>
-        <a:xfrm>
-          <a:off x="0" y="0"/>
-          <a:ext cx="0" cy="0"/>
-          <a:chOff x="0" y="0"/>
-          <a:chExt cx="0" cy="0"/>
-        </a:xfrm>
-      </p:grpSpPr>
-      <p:sp>
-        <p:nvSpPr>
-          <p:cNvPr id="3" name="Subtitle 2"/>
-          <p:cNvSpPr>
-            <a:spLocks noGrp="1"/>
-          </p:cNvSpPr>
-          <p:nvPr>
-            <p:ph type="subTitle" idx="1"/>
-          </p:nvPr>
-        </p:nvSpPr>
-        <p:spPr>
-          <a:xfrm>
-            <a:off x="323528" y="188640"/>
-            <a:ext cx="8640960" cy="6480720"/>
-          </a:xfrm>
-        </p:spPr>
-        <p:txBody>
-          <a:bodyPr>
-            <a:noAutofit/>
-          </a:bodyPr>
-          <a:lstStyle/>
-          <a:p>
-            <a:r>
-              <a:rPr lang="en-GB" sz="4800" dirty="0">
-                <a:solidFill>
-                  <a:schemeClr val="bg1"/>
-                </a:solidFill>
-              </a:rPr>
-              <a:t>I love Your voice</a:t>
-            </a:r>
-          </a:p>
-          <a:p>
-            <a:r>
-              <a:rPr lang="en-GB" sz="4800" dirty="0">
-                <a:solidFill>
-                  <a:schemeClr val="bg1"/>
-                </a:solidFill>
-              </a:rPr>
-              <a:t>You have led me through the fire</a:t>
-            </a:r>
-          </a:p>
-          <a:p>
-            <a:r>
-              <a:rPr lang="en-GB" sz="4800" dirty="0">
-                <a:solidFill>
-                  <a:schemeClr val="bg1"/>
-                </a:solidFill>
-              </a:rPr>
-              <a:t>In darkest night</a:t>
-            </a:r>
-          </a:p>
-          <a:p>
-            <a:r>
-              <a:rPr lang="en-GB" sz="4800" dirty="0">
-                <a:solidFill>
-                  <a:schemeClr val="bg1"/>
-                </a:solidFill>
-              </a:rPr>
-              <a:t>You are close like no other</a:t>
-            </a:r>
-          </a:p>
-          <a:p>
-            <a:r>
-              <a:rPr lang="en-GB" sz="4800" dirty="0">
-                <a:solidFill>
-                  <a:schemeClr val="bg1"/>
-                </a:solidFill>
-              </a:rPr>
-              <a:t>I've known You as a father</a:t>
-            </a:r>
-          </a:p>
-          <a:p>
-            <a:r>
-              <a:rPr lang="en-GB" sz="4800" dirty="0">
-                <a:solidFill>
-                  <a:schemeClr val="bg1"/>
-                </a:solidFill>
-              </a:rPr>
-              <a:t>I've known You as a friend</a:t>
-            </a:r>
-          </a:p>
-          <a:p>
-            <a:r>
-              <a:rPr lang="en-GB" sz="4800" dirty="0">
-                <a:solidFill>
-                  <a:schemeClr val="bg1"/>
-                </a:solidFill>
-              </a:rPr>
-              <a:t>I have lived in the goodness of God</a:t>
-            </a:r>
-          </a:p>
-        </p:txBody>
-      </p:sp>
-      <p:sp>
-        <p:nvSpPr>
-          <p:cNvPr id="4" name="TextBox 3"/>
-          <p:cNvSpPr txBox="1"/>
-          <p:nvPr/>
-        </p:nvSpPr>
-        <p:spPr>
-          <a:xfrm>
-            <a:off x="8529729" y="0"/>
-            <a:ext cx="628698" cy="461665"/>
-          </a:xfrm>
-          <a:prstGeom prst="rect">
-            <a:avLst/>
-          </a:prstGeom>
-          <a:noFill/>
-        </p:spPr>
-        <p:txBody>
-          <a:bodyPr wrap="none" rtlCol="0">
-            <a:spAutoFit/>
-          </a:bodyPr>
-          <a:lstStyle/>
-          <a:p>
-            <a:r>
-              <a:rPr lang="en-GB" sz="2400" b="1" dirty="0">
-                <a:solidFill>
-                  <a:schemeClr val="bg1"/>
-                </a:solidFill>
-              </a:rPr>
-              <a:t>3/4</a:t>
-            </a:r>
-          </a:p>
-        </p:txBody>
-      </p:sp>
-    </p:spTree>
-    <p:extLst>
-      <p:ext uri="{BB962C8B-B14F-4D97-AF65-F5344CB8AC3E}">
-        <p14:creationId xmlns:p14="http://schemas.microsoft.com/office/powerpoint/2010/main" val="1898522980"/>
-      </p:ext>
-    </p:extLst>
-  </p:cSld>
-  <p:clrMapOvr>
-    <a:masterClrMapping/>
-  </p:clrMapOvr>
-</p:sld>
-</file>
-
-<file path=ppt/slides/slide49.xml><?xml version="1.0" encoding="utf-8"?>
-<p:sld xmlns:a="http://schemas.openxmlformats.org/drawingml/2006/main" xmlns:r="http://schemas.openxmlformats.org/officeDocument/2006/relationships" xmlns:p="http://schemas.openxmlformats.org/presentationml/2006/main">
-  <p:cSld>
-    <p:spTree>
-      <p:nvGrpSpPr>
-        <p:cNvPr id="1" name=""/>
-        <p:cNvGrpSpPr/>
-        <p:nvPr/>
-      </p:nvGrpSpPr>
-      <p:grpSpPr>
-        <a:xfrm>
-          <a:off x="0" y="0"/>
-          <a:ext cx="0" cy="0"/>
-          <a:chOff x="0" y="0"/>
-          <a:chExt cx="0" cy="0"/>
-        </a:xfrm>
-      </p:grpSpPr>
-      <p:sp>
-        <p:nvSpPr>
-          <p:cNvPr id="3" name="Subtitle 2"/>
-          <p:cNvSpPr>
-            <a:spLocks noGrp="1"/>
-          </p:cNvSpPr>
-          <p:nvPr>
-            <p:ph type="subTitle" idx="1"/>
-          </p:nvPr>
-        </p:nvSpPr>
-        <p:spPr>
-          <a:xfrm>
-            <a:off x="323528" y="188640"/>
-            <a:ext cx="8640960" cy="6480720"/>
-          </a:xfrm>
-        </p:spPr>
-        <p:txBody>
-          <a:bodyPr>
-            <a:noAutofit/>
-          </a:bodyPr>
-          <a:lstStyle/>
-          <a:p>
-            <a:r>
-              <a:rPr lang="en-GB" sz="4000" dirty="0">
-                <a:solidFill>
-                  <a:schemeClr val="bg1"/>
-                </a:solidFill>
-              </a:rPr>
-              <a:t>Your goodness is running after</a:t>
-            </a:r>
-          </a:p>
-          <a:p>
-            <a:r>
-              <a:rPr lang="en-GB" sz="4000" dirty="0">
-                <a:solidFill>
-                  <a:schemeClr val="bg1"/>
-                </a:solidFill>
-              </a:rPr>
-              <a:t>It’s running after me</a:t>
-            </a:r>
-          </a:p>
-          <a:p>
-            <a:r>
-              <a:rPr lang="en-GB" sz="4000" dirty="0">
-                <a:solidFill>
-                  <a:schemeClr val="bg1"/>
-                </a:solidFill>
-              </a:rPr>
-              <a:t>Your goodness is running after</a:t>
-            </a:r>
-          </a:p>
-          <a:p>
-            <a:r>
-              <a:rPr lang="en-GB" sz="4000" dirty="0">
-                <a:solidFill>
-                  <a:schemeClr val="bg1"/>
-                </a:solidFill>
-              </a:rPr>
-              <a:t>It’s running after me</a:t>
-            </a:r>
-          </a:p>
-          <a:p>
-            <a:r>
-              <a:rPr lang="en-GB" sz="4000" dirty="0">
-                <a:solidFill>
-                  <a:schemeClr val="bg1"/>
-                </a:solidFill>
-              </a:rPr>
-              <a:t>With my life laid down</a:t>
-            </a:r>
-          </a:p>
-          <a:p>
-            <a:r>
-              <a:rPr lang="en-GB" sz="4000" dirty="0">
-                <a:solidFill>
-                  <a:schemeClr val="bg1"/>
-                </a:solidFill>
-              </a:rPr>
-              <a:t>I’m surrendered now</a:t>
-            </a:r>
-          </a:p>
-          <a:p>
-            <a:r>
-              <a:rPr lang="en-GB" sz="4000" dirty="0">
-                <a:solidFill>
-                  <a:schemeClr val="bg1"/>
-                </a:solidFill>
-              </a:rPr>
-              <a:t>I give You everything</a:t>
-            </a:r>
-          </a:p>
-          <a:p>
-            <a:r>
-              <a:rPr lang="en-GB" sz="4000" dirty="0">
-                <a:solidFill>
-                  <a:schemeClr val="bg1"/>
-                </a:solidFill>
-              </a:rPr>
-              <a:t>Your goodness is running after</a:t>
-            </a:r>
-          </a:p>
-          <a:p>
-            <a:r>
-              <a:rPr lang="en-GB" sz="4000" dirty="0">
-                <a:solidFill>
-                  <a:schemeClr val="bg1"/>
-                </a:solidFill>
-              </a:rPr>
-              <a:t>It's running after me</a:t>
-            </a:r>
-          </a:p>
-        </p:txBody>
-      </p:sp>
-      <p:sp>
-        <p:nvSpPr>
-          <p:cNvPr id="4" name="TextBox 3"/>
-          <p:cNvSpPr txBox="1"/>
-          <p:nvPr/>
-        </p:nvSpPr>
-        <p:spPr>
-          <a:xfrm>
-            <a:off x="8529729" y="0"/>
-            <a:ext cx="628698" cy="461665"/>
-          </a:xfrm>
-          <a:prstGeom prst="rect">
-            <a:avLst/>
-          </a:prstGeom>
-          <a:noFill/>
-        </p:spPr>
-        <p:txBody>
-          <a:bodyPr wrap="none" rtlCol="0">
-            <a:spAutoFit/>
-          </a:bodyPr>
-          <a:lstStyle/>
-          <a:p>
-            <a:r>
-              <a:rPr lang="en-GB" sz="2400" b="1" dirty="0">
-                <a:solidFill>
-                  <a:schemeClr val="bg1"/>
-                </a:solidFill>
-              </a:rPr>
-              <a:t>4/4</a:t>
-            </a:r>
-          </a:p>
-        </p:txBody>
-      </p:sp>
-    </p:spTree>
-    <p:extLst>
-      <p:ext uri="{BB962C8B-B14F-4D97-AF65-F5344CB8AC3E}">
-        <p14:creationId xmlns:p14="http://schemas.microsoft.com/office/powerpoint/2010/main" val="857765679"/>
-      </p:ext>
-    </p:extLst>
-  </p:cSld>
-  <p:clrMapOvr>
-    <a:masterClrMapping/>
-  </p:clrMapOvr>
-</p:sld>
-</file>
-
-<file path=ppt/slides/slide5.xml><?xml version="1.0" encoding="utf-8"?>
-<p:sld xmlns:a="http://schemas.openxmlformats.org/drawingml/2006/main" xmlns:r="http://schemas.openxmlformats.org/officeDocument/2006/relationships" xmlns:p="http://schemas.openxmlformats.org/presentationml/2006/main">
-  <p:cSld>
-    <p:spTree>
-      <p:nvGrpSpPr>
-        <p:cNvPr id="1" name=""/>
-        <p:cNvGrpSpPr/>
-        <p:nvPr/>
-      </p:nvGrpSpPr>
-      <p:grpSpPr>
-        <a:xfrm>
-          <a:off x="0" y="0"/>
-          <a:ext cx="0" cy="0"/>
-          <a:chOff x="0" y="0"/>
-          <a:chExt cx="0" cy="0"/>
-        </a:xfrm>
-      </p:grpSpPr>
-      <p:sp>
-        <p:nvSpPr>
-          <p:cNvPr id="3" name="Subtitle 2"/>
-          <p:cNvSpPr>
-            <a:spLocks noGrp="1"/>
-          </p:cNvSpPr>
-          <p:nvPr>
-            <p:ph type="subTitle" idx="1"/>
-          </p:nvPr>
-        </p:nvSpPr>
-        <p:spPr>
-          <a:xfrm>
-            <a:off x="323528" y="188640"/>
-            <a:ext cx="8640960" cy="6480720"/>
-          </a:xfrm>
-        </p:spPr>
-        <p:txBody>
-          <a:bodyPr>
-            <a:noAutofit/>
-          </a:bodyPr>
-          <a:lstStyle/>
-          <a:p>
-            <a:r>
-              <a:rPr lang="en-GB" sz="4000" dirty="0">
-                <a:solidFill>
-                  <a:schemeClr val="bg1"/>
-                </a:solidFill>
-              </a:rPr>
-              <a:t>This is prophetic I can feel it in the air</a:t>
-            </a:r>
-          </a:p>
-          <a:p>
-            <a:r>
-              <a:rPr lang="en-GB" sz="4000" dirty="0">
-                <a:solidFill>
-                  <a:schemeClr val="bg1"/>
-                </a:solidFill>
-              </a:rPr>
-              <a:t>We lift our praise and You change the atmosphere</a:t>
-            </a:r>
-          </a:p>
-          <a:p>
-            <a:r>
-              <a:rPr lang="en-GB" sz="4000" dirty="0">
-                <a:solidFill>
-                  <a:schemeClr val="bg1"/>
-                </a:solidFill>
-              </a:rPr>
-              <a:t>With hearts open now everybody singing out</a:t>
-            </a:r>
-          </a:p>
-          <a:p>
-            <a:r>
-              <a:rPr lang="en-GB" sz="4000" dirty="0">
-                <a:solidFill>
-                  <a:schemeClr val="bg1"/>
-                </a:solidFill>
-              </a:rPr>
-              <a:t>(Oh)</a:t>
-            </a:r>
-          </a:p>
-          <a:p>
-            <a:r>
-              <a:rPr lang="en-GB" sz="4000" dirty="0">
-                <a:solidFill>
-                  <a:schemeClr val="bg1"/>
-                </a:solidFill>
-              </a:rPr>
-              <a:t>(I am free)</a:t>
-            </a:r>
-          </a:p>
-        </p:txBody>
-      </p:sp>
-      <p:sp>
-        <p:nvSpPr>
-          <p:cNvPr id="4" name="TextBox 3"/>
-          <p:cNvSpPr txBox="1"/>
-          <p:nvPr/>
-        </p:nvSpPr>
-        <p:spPr>
-          <a:xfrm>
-            <a:off x="8529729" y="0"/>
-            <a:ext cx="628698" cy="461665"/>
-          </a:xfrm>
-          <a:prstGeom prst="rect">
-            <a:avLst/>
-          </a:prstGeom>
-          <a:noFill/>
-        </p:spPr>
-        <p:txBody>
-          <a:bodyPr wrap="none" rtlCol="0">
-            <a:spAutoFit/>
-          </a:bodyPr>
-          <a:lstStyle/>
-          <a:p>
-            <a:r>
-              <a:rPr lang="en-GB" sz="2400" b="1" dirty="0">
-                <a:solidFill>
-                  <a:schemeClr val="bg1"/>
-                </a:solidFill>
-              </a:rPr>
-              <a:t>2/6</a:t>
-            </a:r>
-          </a:p>
-        </p:txBody>
-      </p:sp>
-    </p:spTree>
-    <p:extLst>
-      <p:ext uri="{BB962C8B-B14F-4D97-AF65-F5344CB8AC3E}">
-        <p14:creationId xmlns:p14="http://schemas.microsoft.com/office/powerpoint/2010/main" val="2989488391"/>
-      </p:ext>
-    </p:extLst>
-  </p:cSld>
-  <p:clrMapOvr>
-    <a:masterClrMapping/>
-  </p:clrMapOvr>
-</p:sld>
-</file>
-
-<file path=ppt/slides/slide50.xml><?xml version="1.0" encoding="utf-8"?>
-<p:sld xmlns:a="http://schemas.openxmlformats.org/drawingml/2006/main" xmlns:r="http://schemas.openxmlformats.org/officeDocument/2006/relationships" xmlns:p="http://schemas.openxmlformats.org/presentationml/2006/main">
-  <p:cSld>
-    <p:spTree>
-      <p:nvGrpSpPr>
-        <p:cNvPr id="1" name=""/>
-        <p:cNvGrpSpPr/>
-        <p:nvPr/>
-      </p:nvGrpSpPr>
-      <p:grpSpPr>
-        <a:xfrm>
-          <a:off x="0" y="0"/>
-          <a:ext cx="0" cy="0"/>
-          <a:chOff x="0" y="0"/>
-          <a:chExt cx="0" cy="0"/>
-        </a:xfrm>
-      </p:grpSpPr>
-      <p:sp>
-        <p:nvSpPr>
-          <p:cNvPr id="3" name="Subtitle 2"/>
-          <p:cNvSpPr>
-            <a:spLocks noGrp="1"/>
-          </p:cNvSpPr>
-          <p:nvPr>
-            <p:ph type="subTitle" idx="1"/>
-          </p:nvPr>
-        </p:nvSpPr>
-        <p:spPr>
-          <a:xfrm>
-            <a:off x="323528" y="188640"/>
-            <a:ext cx="8640960" cy="6480720"/>
-          </a:xfrm>
-        </p:spPr>
-        <p:txBody>
-          <a:bodyPr>
-            <a:noAutofit/>
-          </a:bodyPr>
-          <a:lstStyle/>
-          <a:p>
-            <a:endParaRPr lang="en-GB" sz="5400" dirty="0">
-              <a:solidFill>
-                <a:schemeClr val="bg1"/>
-              </a:solidFill>
-            </a:endParaRPr>
-          </a:p>
-          <a:p>
-            <a:r>
-              <a:rPr lang="en-GB" sz="4400" b="0" i="0" dirty="0">
-                <a:solidFill>
-                  <a:srgbClr val="00A3E0"/>
-                </a:solidFill>
-                <a:effectLst/>
-                <a:latin typeface="akagi_probook"/>
-              </a:rPr>
-              <a:t>Still</a:t>
-            </a:r>
-          </a:p>
-          <a:p>
-            <a:br>
-              <a:rPr lang="en-GB" sz="1200" dirty="0">
-                <a:solidFill>
-                  <a:schemeClr val="bg1"/>
-                </a:solidFill>
-              </a:rPr>
-            </a:br>
-            <a:r>
-              <a:rPr lang="en-GB" sz="1200" dirty="0">
-                <a:solidFill>
-                  <a:schemeClr val="bg1"/>
-                </a:solidFill>
-              </a:rPr>
-              <a:t>CCLI Song # 3940963</a:t>
-            </a:r>
-          </a:p>
-          <a:p>
-            <a:endParaRPr lang="en-GB" sz="1200" dirty="0">
-              <a:solidFill>
-                <a:schemeClr val="bg1"/>
-              </a:solidFill>
-            </a:endParaRPr>
-          </a:p>
-          <a:p>
-            <a:r>
-              <a:rPr lang="en-GB" sz="1200" dirty="0">
-                <a:solidFill>
-                  <a:schemeClr val="bg1"/>
-                </a:solidFill>
-              </a:rPr>
-              <a:t>Reuben Morgan</a:t>
-            </a:r>
-          </a:p>
-          <a:p>
-            <a:endParaRPr lang="en-GB" sz="1200" dirty="0">
-              <a:solidFill>
-                <a:schemeClr val="bg1"/>
-              </a:solidFill>
-            </a:endParaRPr>
-          </a:p>
-          <a:p>
-            <a:r>
-              <a:rPr lang="en-GB" sz="1200" dirty="0">
-                <a:solidFill>
-                  <a:schemeClr val="bg1"/>
-                </a:solidFill>
-              </a:rPr>
-              <a:t>© 2002 Hillsong Music Publishing Australia (Admin. by Hillsong Music Publishing UK)</a:t>
-            </a:r>
-          </a:p>
-          <a:p>
-            <a:r>
-              <a:rPr lang="en-GB" sz="1200" dirty="0">
-                <a:solidFill>
-                  <a:schemeClr val="bg1"/>
-                </a:solidFill>
-              </a:rPr>
-              <a:t>For use solely with the </a:t>
-            </a:r>
-            <a:r>
-              <a:rPr lang="en-GB" sz="1200" dirty="0" err="1">
-                <a:solidFill>
-                  <a:schemeClr val="bg1"/>
-                </a:solidFill>
-              </a:rPr>
-              <a:t>SongSelect</a:t>
-            </a:r>
-            <a:r>
-              <a:rPr lang="en-GB" sz="1200" dirty="0">
-                <a:solidFill>
-                  <a:schemeClr val="bg1"/>
-                </a:solidFill>
-              </a:rPr>
-              <a:t>® Terms of Use. All rights reserved. www.ccli.com</a:t>
-            </a:r>
-          </a:p>
-          <a:p>
-            <a:endParaRPr lang="en-GB" sz="1200" dirty="0">
-              <a:solidFill>
-                <a:schemeClr val="bg1"/>
-              </a:solidFill>
-            </a:endParaRPr>
-          </a:p>
-          <a:p>
-            <a:r>
-              <a:rPr lang="en-GB" sz="1200" dirty="0">
-                <a:solidFill>
-                  <a:schemeClr val="bg1"/>
-                </a:solidFill>
-              </a:rPr>
-              <a:t>CCLI Licence No. 33265</a:t>
-            </a:r>
-          </a:p>
-        </p:txBody>
-      </p:sp>
-    </p:spTree>
-    <p:extLst>
-      <p:ext uri="{BB962C8B-B14F-4D97-AF65-F5344CB8AC3E}">
-        <p14:creationId xmlns:p14="http://schemas.microsoft.com/office/powerpoint/2010/main" val="768387991"/>
-      </p:ext>
-    </p:extLst>
-  </p:cSld>
-  <p:clrMapOvr>
-    <a:masterClrMapping/>
-  </p:clrMapOvr>
-</p:sld>
-</file>
-
-<file path=ppt/slides/slide51.xml><?xml version="1.0" encoding="utf-8"?>
-<p:sld xmlns:a="http://schemas.openxmlformats.org/drawingml/2006/main" xmlns:r="http://schemas.openxmlformats.org/officeDocument/2006/relationships" xmlns:p="http://schemas.openxmlformats.org/presentationml/2006/main">
-  <p:cSld>
-    <p:spTree>
-      <p:nvGrpSpPr>
-        <p:cNvPr id="1" name=""/>
-        <p:cNvGrpSpPr/>
-        <p:nvPr/>
-      </p:nvGrpSpPr>
-      <p:grpSpPr>
-        <a:xfrm>
-          <a:off x="0" y="0"/>
-          <a:ext cx="0" cy="0"/>
-          <a:chOff x="0" y="0"/>
-          <a:chExt cx="0" cy="0"/>
-        </a:xfrm>
-      </p:grpSpPr>
-      <p:sp>
-        <p:nvSpPr>
-          <p:cNvPr id="3" name="Subtitle 2"/>
-          <p:cNvSpPr>
-            <a:spLocks noGrp="1"/>
-          </p:cNvSpPr>
-          <p:nvPr>
-            <p:ph type="subTitle" idx="1"/>
-          </p:nvPr>
-        </p:nvSpPr>
-        <p:spPr>
-          <a:xfrm>
-            <a:off x="323528" y="188640"/>
-            <a:ext cx="8640960" cy="6480720"/>
-          </a:xfrm>
-        </p:spPr>
-        <p:txBody>
-          <a:bodyPr>
-            <a:noAutofit/>
-          </a:bodyPr>
-          <a:lstStyle/>
-          <a:p>
-            <a:r>
-              <a:rPr lang="en-GB" sz="4000" dirty="0">
-                <a:solidFill>
-                  <a:schemeClr val="bg1"/>
-                </a:solidFill>
-              </a:rPr>
-              <a:t>Hide me now</a:t>
-            </a:r>
-          </a:p>
-          <a:p>
-            <a:r>
-              <a:rPr lang="en-GB" sz="4000" dirty="0">
-                <a:solidFill>
-                  <a:schemeClr val="bg1"/>
-                </a:solidFill>
-              </a:rPr>
-              <a:t>Under Your wings</a:t>
-            </a:r>
-          </a:p>
-          <a:p>
-            <a:r>
-              <a:rPr lang="en-GB" sz="4000" dirty="0">
-                <a:solidFill>
-                  <a:schemeClr val="bg1"/>
-                </a:solidFill>
-              </a:rPr>
-              <a:t>Cover me</a:t>
-            </a:r>
-          </a:p>
-          <a:p>
-            <a:r>
-              <a:rPr lang="en-GB" sz="4000" dirty="0">
-                <a:solidFill>
-                  <a:schemeClr val="bg1"/>
-                </a:solidFill>
-              </a:rPr>
-              <a:t>Within Your mighty hand</a:t>
-            </a:r>
-          </a:p>
-        </p:txBody>
-      </p:sp>
-      <p:sp>
-        <p:nvSpPr>
-          <p:cNvPr id="4" name="TextBox 3"/>
-          <p:cNvSpPr txBox="1"/>
-          <p:nvPr/>
-        </p:nvSpPr>
-        <p:spPr>
-          <a:xfrm>
-            <a:off x="8529729" y="0"/>
-            <a:ext cx="628698" cy="461665"/>
-          </a:xfrm>
-          <a:prstGeom prst="rect">
-            <a:avLst/>
-          </a:prstGeom>
-          <a:noFill/>
-        </p:spPr>
-        <p:txBody>
-          <a:bodyPr wrap="none" rtlCol="0">
-            <a:spAutoFit/>
-          </a:bodyPr>
-          <a:lstStyle/>
-          <a:p>
-            <a:r>
-              <a:rPr lang="en-GB" sz="2400" b="1" dirty="0">
-                <a:solidFill>
-                  <a:schemeClr val="bg1"/>
-                </a:solidFill>
-              </a:rPr>
-              <a:t>1/3</a:t>
-            </a:r>
-          </a:p>
-        </p:txBody>
-      </p:sp>
-    </p:spTree>
-    <p:extLst>
-      <p:ext uri="{BB962C8B-B14F-4D97-AF65-F5344CB8AC3E}">
-        <p14:creationId xmlns:p14="http://schemas.microsoft.com/office/powerpoint/2010/main" val="3281651247"/>
-      </p:ext>
-    </p:extLst>
-  </p:cSld>
-  <p:clrMapOvr>
-    <a:masterClrMapping/>
-  </p:clrMapOvr>
-</p:sld>
-</file>
-
-<file path=ppt/slides/slide52.xml><?xml version="1.0" encoding="utf-8"?>
-<p:sld xmlns:a="http://schemas.openxmlformats.org/drawingml/2006/main" xmlns:r="http://schemas.openxmlformats.org/officeDocument/2006/relationships" xmlns:p="http://schemas.openxmlformats.org/presentationml/2006/main">
-  <p:cSld>
-    <p:spTree>
-      <p:nvGrpSpPr>
-        <p:cNvPr id="1" name=""/>
-        <p:cNvGrpSpPr/>
-        <p:nvPr/>
-      </p:nvGrpSpPr>
-      <p:grpSpPr>
-        <a:xfrm>
-          <a:off x="0" y="0"/>
-          <a:ext cx="0" cy="0"/>
-          <a:chOff x="0" y="0"/>
-          <a:chExt cx="0" cy="0"/>
-        </a:xfrm>
-      </p:grpSpPr>
-      <p:sp>
-        <p:nvSpPr>
-          <p:cNvPr id="3" name="Subtitle 2"/>
-          <p:cNvSpPr>
-            <a:spLocks noGrp="1"/>
-          </p:cNvSpPr>
-          <p:nvPr>
-            <p:ph type="subTitle" idx="1"/>
-          </p:nvPr>
-        </p:nvSpPr>
-        <p:spPr>
-          <a:xfrm>
-            <a:off x="323528" y="188640"/>
-            <a:ext cx="8640960" cy="6480720"/>
-          </a:xfrm>
-        </p:spPr>
-        <p:txBody>
-          <a:bodyPr>
-            <a:noAutofit/>
-          </a:bodyPr>
-          <a:lstStyle/>
-          <a:p>
-            <a:r>
-              <a:rPr lang="en-GB" sz="4000" dirty="0">
-                <a:solidFill>
-                  <a:schemeClr val="bg1"/>
-                </a:solidFill>
-              </a:rPr>
-              <a:t>When the oceans rise</a:t>
-            </a:r>
-          </a:p>
-          <a:p>
-            <a:r>
-              <a:rPr lang="en-GB" sz="4000" dirty="0">
-                <a:solidFill>
-                  <a:schemeClr val="bg1"/>
-                </a:solidFill>
-              </a:rPr>
-              <a:t>And thunders roar</a:t>
-            </a:r>
-          </a:p>
-          <a:p>
-            <a:r>
-              <a:rPr lang="en-GB" sz="4000" dirty="0">
-                <a:solidFill>
-                  <a:schemeClr val="bg1"/>
-                </a:solidFill>
-              </a:rPr>
-              <a:t>I will soar with You</a:t>
-            </a:r>
-          </a:p>
-          <a:p>
-            <a:r>
-              <a:rPr lang="en-GB" sz="4000" dirty="0">
-                <a:solidFill>
-                  <a:schemeClr val="bg1"/>
-                </a:solidFill>
-              </a:rPr>
-              <a:t>Above the storm</a:t>
-            </a:r>
-          </a:p>
-          <a:p>
-            <a:r>
-              <a:rPr lang="en-GB" sz="4000" dirty="0">
-                <a:solidFill>
-                  <a:schemeClr val="bg1"/>
-                </a:solidFill>
-              </a:rPr>
-              <a:t>Father You are King</a:t>
-            </a:r>
-          </a:p>
-          <a:p>
-            <a:r>
-              <a:rPr lang="en-GB" sz="4000" dirty="0">
-                <a:solidFill>
-                  <a:schemeClr val="bg1"/>
-                </a:solidFill>
-              </a:rPr>
-              <a:t>Over the flood</a:t>
-            </a:r>
-          </a:p>
-          <a:p>
-            <a:r>
-              <a:rPr lang="en-GB" sz="4000" dirty="0">
-                <a:solidFill>
-                  <a:schemeClr val="bg1"/>
-                </a:solidFill>
-              </a:rPr>
-              <a:t>I will be still and know</a:t>
-            </a:r>
-          </a:p>
-          <a:p>
-            <a:r>
-              <a:rPr lang="en-GB" sz="4000" dirty="0">
-                <a:solidFill>
-                  <a:schemeClr val="bg1"/>
-                </a:solidFill>
-              </a:rPr>
-              <a:t>You are God</a:t>
-            </a:r>
-          </a:p>
-        </p:txBody>
-      </p:sp>
-      <p:sp>
-        <p:nvSpPr>
-          <p:cNvPr id="4" name="TextBox 3"/>
-          <p:cNvSpPr txBox="1"/>
-          <p:nvPr/>
-        </p:nvSpPr>
-        <p:spPr>
-          <a:xfrm>
-            <a:off x="8529729" y="0"/>
-            <a:ext cx="628698" cy="461665"/>
-          </a:xfrm>
-          <a:prstGeom prst="rect">
-            <a:avLst/>
-          </a:prstGeom>
-          <a:noFill/>
-        </p:spPr>
-        <p:txBody>
-          <a:bodyPr wrap="none" rtlCol="0">
-            <a:spAutoFit/>
-          </a:bodyPr>
-          <a:lstStyle/>
-          <a:p>
-            <a:r>
-              <a:rPr lang="en-GB" sz="2400" b="1" dirty="0">
-                <a:solidFill>
-                  <a:schemeClr val="bg1"/>
-                </a:solidFill>
-              </a:rPr>
-              <a:t>2/3</a:t>
-            </a:r>
-          </a:p>
-        </p:txBody>
-      </p:sp>
-    </p:spTree>
-    <p:extLst>
-      <p:ext uri="{BB962C8B-B14F-4D97-AF65-F5344CB8AC3E}">
-        <p14:creationId xmlns:p14="http://schemas.microsoft.com/office/powerpoint/2010/main" val="1732927864"/>
-      </p:ext>
-    </p:extLst>
-  </p:cSld>
-  <p:clrMapOvr>
-    <a:masterClrMapping/>
-  </p:clrMapOvr>
-</p:sld>
-</file>
-
-<file path=ppt/slides/slide53.xml><?xml version="1.0" encoding="utf-8"?>
-<p:sld xmlns:a="http://schemas.openxmlformats.org/drawingml/2006/main" xmlns:r="http://schemas.openxmlformats.org/officeDocument/2006/relationships" xmlns:p="http://schemas.openxmlformats.org/presentationml/2006/main">
-  <p:cSld>
-    <p:spTree>
-      <p:nvGrpSpPr>
-        <p:cNvPr id="1" name=""/>
-        <p:cNvGrpSpPr/>
-        <p:nvPr/>
-      </p:nvGrpSpPr>
-      <p:grpSpPr>
-        <a:xfrm>
-          <a:off x="0" y="0"/>
-          <a:ext cx="0" cy="0"/>
-          <a:chOff x="0" y="0"/>
-          <a:chExt cx="0" cy="0"/>
-        </a:xfrm>
-      </p:grpSpPr>
-      <p:sp>
-        <p:nvSpPr>
-          <p:cNvPr id="3" name="Subtitle 2"/>
-          <p:cNvSpPr>
-            <a:spLocks noGrp="1"/>
-          </p:cNvSpPr>
-          <p:nvPr>
-            <p:ph type="subTitle" idx="1"/>
-          </p:nvPr>
-        </p:nvSpPr>
-        <p:spPr>
-          <a:xfrm>
-            <a:off x="323528" y="188640"/>
-            <a:ext cx="8640960" cy="6480720"/>
-          </a:xfrm>
-        </p:spPr>
-        <p:txBody>
-          <a:bodyPr>
-            <a:noAutofit/>
-          </a:bodyPr>
-          <a:lstStyle/>
-          <a:p>
-            <a:r>
               <a:rPr lang="en-GB" sz="4000" dirty="0">
                 <a:solidFill>
                   <a:schemeClr val="bg1"/>
@@ -10966,7 +9015,7 @@
 </p:sld>
 </file>
 
-<file path=ppt/slides/slide54.xml><?xml version="1.0" encoding="utf-8"?>
+<file path=ppt/slides/slide42.xml><?xml version="1.0" encoding="utf-8"?>
 <p:sld xmlns:a="http://schemas.openxmlformats.org/drawingml/2006/main" xmlns:r="http://schemas.openxmlformats.org/officeDocument/2006/relationships" xmlns:p="http://schemas.openxmlformats.org/presentationml/2006/main">
   <p:cSld>
     <p:spTree>
@@ -10996,7 +9045,7 @@
 </p:sld>
 </file>
 
-<file path=ppt/slides/slide55.xml><?xml version="1.0" encoding="utf-8"?>
+<file path=ppt/slides/slide43.xml><?xml version="1.0" encoding="utf-8"?>
 <p:sld xmlns:a="http://schemas.openxmlformats.org/drawingml/2006/main" xmlns:r="http://schemas.openxmlformats.org/officeDocument/2006/relationships" xmlns:p="http://schemas.openxmlformats.org/presentationml/2006/main">
   <p:cSld>
     <p:spTree>
@@ -11072,7 +9121,7 @@
 </p:sld>
 </file>
 
-<file path=ppt/slides/slide56.xml><?xml version="1.0" encoding="utf-8"?>
+<file path=ppt/slides/slide44.xml><?xml version="1.0" encoding="utf-8"?>
 <p:sld xmlns:a="http://schemas.openxmlformats.org/drawingml/2006/main" xmlns:r="http://schemas.openxmlformats.org/officeDocument/2006/relationships" xmlns:p="http://schemas.openxmlformats.org/presentationml/2006/main">
   <p:cSld>
     <p:spTree>
@@ -11102,6 +9151,122 @@
 </p:sld>
 </file>
 
+<file path=ppt/slides/slide5.xml><?xml version="1.0" encoding="utf-8"?>
+<p:sld xmlns:a="http://schemas.openxmlformats.org/drawingml/2006/main" xmlns:r="http://schemas.openxmlformats.org/officeDocument/2006/relationships" xmlns:p="http://schemas.openxmlformats.org/presentationml/2006/main">
+  <p:cSld>
+    <p:spTree>
+      <p:nvGrpSpPr>
+        <p:cNvPr id="1" name=""/>
+        <p:cNvGrpSpPr/>
+        <p:nvPr/>
+      </p:nvGrpSpPr>
+      <p:grpSpPr>
+        <a:xfrm>
+          <a:off x="0" y="0"/>
+          <a:ext cx="0" cy="0"/>
+          <a:chOff x="0" y="0"/>
+          <a:chExt cx="0" cy="0"/>
+        </a:xfrm>
+      </p:grpSpPr>
+      <p:sp>
+        <p:nvSpPr>
+          <p:cNvPr id="3" name="Subtitle 2"/>
+          <p:cNvSpPr>
+            <a:spLocks noGrp="1"/>
+          </p:cNvSpPr>
+          <p:nvPr>
+            <p:ph type="subTitle" idx="1"/>
+          </p:nvPr>
+        </p:nvSpPr>
+        <p:spPr>
+          <a:xfrm>
+            <a:off x="323528" y="188640"/>
+            <a:ext cx="8640960" cy="6480720"/>
+          </a:xfrm>
+        </p:spPr>
+        <p:txBody>
+          <a:bodyPr>
+            <a:noAutofit/>
+          </a:bodyPr>
+          <a:lstStyle/>
+          <a:p>
+            <a:r>
+              <a:rPr lang="en-GB" sz="4000" dirty="0">
+                <a:solidFill>
+                  <a:schemeClr val="bg1"/>
+                </a:solidFill>
+              </a:rPr>
+              <a:t>Turn it up this sound of praise</a:t>
+            </a:r>
+          </a:p>
+          <a:p>
+            <a:r>
+              <a:rPr lang="en-GB" sz="4000" dirty="0">
+                <a:solidFill>
+                  <a:schemeClr val="bg1"/>
+                </a:solidFill>
+              </a:rPr>
+              <a:t>Make it louder than any other</a:t>
+            </a:r>
+          </a:p>
+          <a:p>
+            <a:r>
+              <a:rPr lang="en-GB" sz="4000" dirty="0">
+                <a:solidFill>
+                  <a:schemeClr val="bg1"/>
+                </a:solidFill>
+              </a:rPr>
+              <a:t>Lift Him up and shout His name over all</a:t>
+            </a:r>
+          </a:p>
+        </p:txBody>
+      </p:sp>
+      <p:sp>
+        <p:nvSpPr>
+          <p:cNvPr id="4" name="TextBox 3"/>
+          <p:cNvSpPr txBox="1"/>
+          <p:nvPr/>
+        </p:nvSpPr>
+        <p:spPr>
+          <a:xfrm>
+            <a:off x="8529729" y="0"/>
+            <a:ext cx="628698" cy="461665"/>
+          </a:xfrm>
+          <a:prstGeom prst="rect">
+            <a:avLst/>
+          </a:prstGeom>
+          <a:noFill/>
+        </p:spPr>
+        <p:txBody>
+          <a:bodyPr wrap="none" rtlCol="0">
+            <a:spAutoFit/>
+          </a:bodyPr>
+          <a:lstStyle/>
+          <a:p>
+            <a:r>
+              <a:rPr lang="en-GB" sz="2400" b="1" dirty="0">
+                <a:solidFill>
+                  <a:schemeClr val="bg1"/>
+                </a:solidFill>
+              </a:rPr>
+              <a:t>3/7</a:t>
+            </a:r>
+          </a:p>
+        </p:txBody>
+      </p:sp>
+    </p:spTree>
+    <p:extLst>
+      <p:ext uri="{BB962C8B-B14F-4D97-AF65-F5344CB8AC3E}">
+        <p14:creationId xmlns:p14="http://schemas.microsoft.com/office/powerpoint/2010/main" val="3632522424"/>
+      </p:ext>
+    </p:extLst>
+  </p:cSld>
+  <p:clrMapOvr>
+    <a:masterClrMapping/>
+  </p:clrMapOvr>
+</p:sld>
+</file>
+
 <file path=ppt/slides/slide6.xml><?xml version="1.0" encoding="utf-8"?>
 <p:sld xmlns:a="http://schemas.openxmlformats.org/drawingml/2006/main" xmlns:r="http://schemas.openxmlformats.org/officeDocument/2006/relationships" xmlns:p="http://schemas.openxmlformats.org/presentationml/2006/main">
   <p:cSld>
@@ -11147,7 +9312,7 @@
                   <a:schemeClr val="bg1"/>
                 </a:solidFill>
               </a:rPr>
-              <a:t>Turn it up this sound of praise</a:t>
+              <a:t>As we praise I can feel the change</a:t>
             </a:r>
           </a:p>
           <a:p>
@@ -11157,7 +9322,7 @@
                   <a:schemeClr val="bg1"/>
                 </a:solidFill>
               </a:rPr>
-              <a:t>Make it louder than any other</a:t>
+              <a:t>As Your presence now invades</a:t>
             </a:r>
           </a:p>
           <a:p>
@@ -11167,7 +9332,17 @@
                   <a:schemeClr val="bg1"/>
                 </a:solidFill>
               </a:rPr>
-              <a:t>Lift Him up and shout His name over all</a:t>
+              <a:t>Hear the sound of the broken chains</a:t>
+            </a:r>
+          </a:p>
+          <a:p>
+            <a:r>
+              <a:rPr lang="en-GB" sz="4000" dirty="0">
+                <a:solidFill>
+                  <a:schemeClr val="bg1"/>
+                </a:solidFill>
+              </a:rPr>
+              <a:t>Prison doors are giving way</a:t>
             </a:r>
           </a:p>
         </p:txBody>
@@ -11200,7 +9375,7 @@
                   <a:schemeClr val="bg1"/>
                 </a:solidFill>
               </a:rPr>
-              <a:t>3/6</a:t>
+              <a:t>4/7</a:t>
             </a:r>
           </a:p>
         </p:txBody>
@@ -11208,7 +9383,7 @@
     </p:spTree>
     <p:extLst>
       <p:ext uri="{BB962C8B-B14F-4D97-AF65-F5344CB8AC3E}">
-        <p14:creationId xmlns:p14="http://schemas.microsoft.com/office/powerpoint/2010/main" val="3632522424"/>
+        <p14:creationId xmlns:p14="http://schemas.microsoft.com/office/powerpoint/2010/main" val="2394190690"/>
       </p:ext>
     </p:extLst>
   </p:cSld>
@@ -11263,7 +9438,7 @@
                   <a:schemeClr val="bg1"/>
                 </a:solidFill>
               </a:rPr>
-              <a:t>As we praise I can feel the change</a:t>
+              <a:t>This is prophetic I can feel it in the air</a:t>
             </a:r>
           </a:p>
           <a:p>
@@ -11273,7 +9448,7 @@
                   <a:schemeClr val="bg1"/>
                 </a:solidFill>
               </a:rPr>
-              <a:t>As Your presence now invades</a:t>
+              <a:t>We lift our praise and You change the atmosphere</a:t>
             </a:r>
           </a:p>
           <a:p>
@@ -11283,7 +9458,7 @@
                   <a:schemeClr val="bg1"/>
                 </a:solidFill>
               </a:rPr>
-              <a:t>Hear the sound of the broken chains</a:t>
+              <a:t>With hearts open now everybody singing out</a:t>
             </a:r>
           </a:p>
           <a:p>
@@ -11293,7 +9468,7 @@
                   <a:schemeClr val="bg1"/>
                 </a:solidFill>
               </a:rPr>
-              <a:t>Prison doors are giving way</a:t>
+              <a:t>I am free</a:t>
             </a:r>
           </a:p>
         </p:txBody>
@@ -11326,7 +9501,7 @@
                   <a:schemeClr val="bg1"/>
                 </a:solidFill>
               </a:rPr>
-              <a:t>4/6</a:t>
+              <a:t>5/7</a:t>
             </a:r>
           </a:p>
         </p:txBody>
@@ -11334,7 +9509,7 @@
     </p:spTree>
     <p:extLst>
       <p:ext uri="{BB962C8B-B14F-4D97-AF65-F5344CB8AC3E}">
-        <p14:creationId xmlns:p14="http://schemas.microsoft.com/office/powerpoint/2010/main" val="2394190690"/>
+        <p14:creationId xmlns:p14="http://schemas.microsoft.com/office/powerpoint/2010/main" val="3681915478"/>
       </p:ext>
     </p:extLst>
   </p:cSld>
@@ -11442,7 +9617,7 @@
                   <a:schemeClr val="bg1"/>
                 </a:solidFill>
               </a:rPr>
-              <a:t>5/6</a:t>
+              <a:t>6/7</a:t>
             </a:r>
           </a:p>
         </p:txBody>
@@ -11520,18 +9695,13 @@
           </a:p>
           <a:p>
             <a:r>
-              <a:rPr lang="en-GB" sz="4000">
+              <a:rPr lang="en-GB" sz="4000" dirty="0">
                 <a:solidFill>
                   <a:schemeClr val="bg1"/>
                 </a:solidFill>
               </a:rPr>
               <a:t>You are riding on our praise oh Lord</a:t>
             </a:r>
-            <a:endParaRPr lang="en-GB" sz="4000" dirty="0">
-              <a:solidFill>
-                <a:schemeClr val="bg1"/>
-              </a:solidFill>
-            </a:endParaRPr>
           </a:p>
         </p:txBody>
       </p:sp>
@@ -11563,7 +9733,7 @@
                   <a:schemeClr val="bg1"/>
                 </a:solidFill>
               </a:rPr>
-              <a:t>6/6</a:t>
+              <a:t>7/7</a:t>
             </a:r>
           </a:p>
         </p:txBody>
